--- a/Étude de la faisabilité d'un moteur de classification.pptx
+++ b/Étude de la faisabilité d'un moteur de classification.pptx
@@ -5,10 +5,10 @@
     <p:sldMasterId id="2147483660" r:id="rId4"/>
   </p:sldMasterIdLst>
   <p:notesMasterIdLst>
-    <p:notesMasterId r:id="rId33"/>
+    <p:notesMasterId r:id="rId34"/>
   </p:notesMasterIdLst>
   <p:handoutMasterIdLst>
-    <p:handoutMasterId r:id="rId34"/>
+    <p:handoutMasterId r:id="rId35"/>
   </p:handoutMasterIdLst>
   <p:sldIdLst>
     <p:sldId id="256" r:id="rId5"/>
@@ -20,25 +20,26 @@
     <p:sldId id="319" r:id="rId11"/>
     <p:sldId id="320" r:id="rId12"/>
     <p:sldId id="314" r:id="rId13"/>
-    <p:sldId id="316" r:id="rId14"/>
-    <p:sldId id="315" r:id="rId15"/>
-    <p:sldId id="318" r:id="rId16"/>
-    <p:sldId id="317" r:id="rId17"/>
-    <p:sldId id="308" r:id="rId18"/>
-    <p:sldId id="311" r:id="rId19"/>
-    <p:sldId id="312" r:id="rId20"/>
-    <p:sldId id="274" r:id="rId21"/>
-    <p:sldId id="313" r:id="rId22"/>
-    <p:sldId id="300" r:id="rId23"/>
-    <p:sldId id="284" r:id="rId24"/>
-    <p:sldId id="301" r:id="rId25"/>
-    <p:sldId id="302" r:id="rId26"/>
-    <p:sldId id="303" r:id="rId27"/>
-    <p:sldId id="304" r:id="rId28"/>
-    <p:sldId id="288" r:id="rId29"/>
-    <p:sldId id="305" r:id="rId30"/>
-    <p:sldId id="307" r:id="rId31"/>
-    <p:sldId id="295" r:id="rId32"/>
+    <p:sldId id="321" r:id="rId14"/>
+    <p:sldId id="316" r:id="rId15"/>
+    <p:sldId id="315" r:id="rId16"/>
+    <p:sldId id="318" r:id="rId17"/>
+    <p:sldId id="317" r:id="rId18"/>
+    <p:sldId id="308" r:id="rId19"/>
+    <p:sldId id="311" r:id="rId20"/>
+    <p:sldId id="312" r:id="rId21"/>
+    <p:sldId id="274" r:id="rId22"/>
+    <p:sldId id="313" r:id="rId23"/>
+    <p:sldId id="300" r:id="rId24"/>
+    <p:sldId id="284" r:id="rId25"/>
+    <p:sldId id="301" r:id="rId26"/>
+    <p:sldId id="302" r:id="rId27"/>
+    <p:sldId id="303" r:id="rId28"/>
+    <p:sldId id="304" r:id="rId29"/>
+    <p:sldId id="288" r:id="rId30"/>
+    <p:sldId id="305" r:id="rId31"/>
+    <p:sldId id="307" r:id="rId32"/>
+    <p:sldId id="295" r:id="rId33"/>
   </p:sldIdLst>
   <p:sldSz cx="12192000" cy="6858000"/>
   <p:notesSz cx="6858000" cy="9144000"/>
@@ -9101,7 +9102,7 @@
             <a:pPr rtl="0"/>
             <a:fld id="{9256C42D-0C34-47AB-82F8-5CECC057A388}" type="datetime1">
               <a:rPr lang="fr-FR" smtClean="0"/>
-              <a:t>17/04/2023</a:t>
+              <a:t>29/04/2023</a:t>
             </a:fld>
             <a:endParaRPr lang="fr-FR" dirty="0"/>
           </a:p>
@@ -9283,7 +9284,7 @@
             <a:pPr rtl="0"/>
             <a:fld id="{4EF3AB58-1DD6-43E0-BF90-C03FCCE7F588}" type="datetime1">
               <a:rPr lang="fr-FR" smtClean="0"/>
-              <a:t>17/04/2023</a:t>
+              <a:t>27/04/2023</a:t>
             </a:fld>
             <a:endParaRPr lang="fr-FR" dirty="0"/>
           </a:p>
@@ -9667,7 +9668,7 @@
             <a:pPr rtl="0"/>
             <a:fld id="{249B7F69-18B1-43D5-BB1F-5F12D2C522FB}" type="datetime1">
               <a:rPr lang="fr-FR" smtClean="0"/>
-              <a:t>17/04/2023</a:t>
+              <a:t>27/04/2023</a:t>
             </a:fld>
             <a:endParaRPr lang="fr-FR" dirty="0"/>
           </a:p>
@@ -9769,7 +9770,7 @@
             <a:pPr rtl="0"/>
             <a:fld id="{F07F282E-55F5-4803-B60F-09BA4600E538}" type="slidenum">
               <a:rPr lang="fr-FR" smtClean="0"/>
-              <a:t>26</a:t>
+              <a:t>27</a:t>
             </a:fld>
             <a:endParaRPr lang="fr-FR" dirty="0"/>
           </a:p>
@@ -9799,7 +9800,7 @@
             <a:pPr rtl="0"/>
             <a:fld id="{BC44C66D-88F8-44C2-8508-B2D21CBC80C5}" type="datetime1">
               <a:rPr lang="fr-FR" smtClean="0"/>
-              <a:t>17/04/2023</a:t>
+              <a:t>27/04/2023</a:t>
             </a:fld>
             <a:endParaRPr lang="fr-FR" dirty="0"/>
           </a:p>
@@ -9901,7 +9902,7 @@
             <a:pPr rtl="0"/>
             <a:fld id="{F07F282E-55F5-4803-B60F-09BA4600E538}" type="slidenum">
               <a:rPr lang="fr-FR" smtClean="0"/>
-              <a:t>28</a:t>
+              <a:t>29</a:t>
             </a:fld>
             <a:endParaRPr lang="fr-FR" dirty="0"/>
           </a:p>
@@ -9931,7 +9932,7 @@
             <a:pPr rtl="0"/>
             <a:fld id="{8C7637AE-B480-4107-A774-C770C35BF986}" type="datetime1">
               <a:rPr lang="fr-FR" smtClean="0"/>
-              <a:t>17/04/2023</a:t>
+              <a:t>27/04/2023</a:t>
             </a:fld>
             <a:endParaRPr lang="fr-FR" dirty="0"/>
           </a:p>
@@ -10063,7 +10064,7 @@
             <a:pPr rtl="0"/>
             <a:fld id="{CF4BE9EF-604A-48C2-BCA2-A76C4A7E79A3}" type="datetime1">
               <a:rPr lang="fr-FR" smtClean="0"/>
-              <a:t>17/04/2023</a:t>
+              <a:t>27/04/2023</a:t>
             </a:fld>
             <a:endParaRPr lang="fr-FR" dirty="0"/>
           </a:p>
@@ -10195,7 +10196,7 @@
             <a:pPr rtl="0"/>
             <a:fld id="{FABBAAEE-3D5D-4645-8516-2E3DE8FA2F6B}" type="datetime1">
               <a:rPr lang="fr-FR" smtClean="0"/>
-              <a:t>17/04/2023</a:t>
+              <a:t>27/04/2023</a:t>
             </a:fld>
             <a:endParaRPr lang="fr-FR" dirty="0"/>
           </a:p>
@@ -10297,7 +10298,7 @@
             <a:pPr rtl="0"/>
             <a:fld id="{F07F282E-55F5-4803-B60F-09BA4600E538}" type="slidenum">
               <a:rPr lang="fr-FR" smtClean="0"/>
-              <a:t>15</a:t>
+              <a:t>16</a:t>
             </a:fld>
             <a:endParaRPr lang="fr-FR" dirty="0"/>
           </a:p>
@@ -10327,7 +10328,7 @@
             <a:pPr rtl="0"/>
             <a:fld id="{CF4BE9EF-604A-48C2-BCA2-A76C4A7E79A3}" type="datetime1">
               <a:rPr lang="fr-FR" smtClean="0"/>
-              <a:t>17/04/2023</a:t>
+              <a:t>27/04/2023</a:t>
             </a:fld>
             <a:endParaRPr lang="fr-FR" dirty="0"/>
           </a:p>
@@ -10429,7 +10430,7 @@
             <a:pPr rtl="0"/>
             <a:fld id="{F07F282E-55F5-4803-B60F-09BA4600E538}" type="slidenum">
               <a:rPr lang="fr-FR" smtClean="0"/>
-              <a:t>17</a:t>
+              <a:t>18</a:t>
             </a:fld>
             <a:endParaRPr lang="fr-FR" dirty="0"/>
           </a:p>
@@ -10459,7 +10460,7 @@
             <a:pPr rtl="0"/>
             <a:fld id="{F2A5E2D2-B6FD-439B-B1D8-0C5FE2BAED60}" type="datetime1">
               <a:rPr lang="fr-FR" smtClean="0"/>
-              <a:t>17/04/2023</a:t>
+              <a:t>27/04/2023</a:t>
             </a:fld>
             <a:endParaRPr lang="fr-FR" dirty="0"/>
           </a:p>
@@ -10561,7 +10562,7 @@
             <a:pPr rtl="0"/>
             <a:fld id="{F07F282E-55F5-4803-B60F-09BA4600E538}" type="slidenum">
               <a:rPr lang="fr-FR" smtClean="0"/>
-              <a:t>20</a:t>
+              <a:t>21</a:t>
             </a:fld>
             <a:endParaRPr lang="fr-FR" dirty="0"/>
           </a:p>
@@ -10591,7 +10592,7 @@
             <a:pPr rtl="0"/>
             <a:fld id="{138EA783-98B9-4032-AEA2-FA58C8A3EA24}" type="datetime1">
               <a:rPr lang="fr-FR" smtClean="0"/>
-              <a:t>17/04/2023</a:t>
+              <a:t>27/04/2023</a:t>
             </a:fld>
             <a:endParaRPr lang="fr-FR" dirty="0"/>
           </a:p>
@@ -10693,7 +10694,7 @@
             <a:pPr rtl="0"/>
             <a:fld id="{F07F282E-55F5-4803-B60F-09BA4600E538}" type="slidenum">
               <a:rPr lang="fr-FR" smtClean="0"/>
-              <a:t>21</a:t>
+              <a:t>22</a:t>
             </a:fld>
             <a:endParaRPr lang="fr-FR" dirty="0"/>
           </a:p>
@@ -10723,7 +10724,7 @@
             <a:pPr rtl="0"/>
             <a:fld id="{7645E9DD-9A54-45C6-9682-D3BA38C08854}" type="datetime1">
               <a:rPr lang="fr-FR" smtClean="0"/>
-              <a:t>17/04/2023</a:t>
+              <a:t>27/04/2023</a:t>
             </a:fld>
             <a:endParaRPr lang="fr-FR" dirty="0"/>
           </a:p>
@@ -10825,7 +10826,7 @@
             <a:pPr rtl="0"/>
             <a:fld id="{F07F282E-55F5-4803-B60F-09BA4600E538}" type="slidenum">
               <a:rPr lang="fr-FR" smtClean="0"/>
-              <a:t>23</a:t>
+              <a:t>24</a:t>
             </a:fld>
             <a:endParaRPr lang="fr-FR" dirty="0"/>
           </a:p>
@@ -10855,7 +10856,7 @@
             <a:pPr rtl="0"/>
             <a:fld id="{6E78BEDB-CC82-4D29-B8A9-58AF98FCEB9A}" type="datetime1">
               <a:rPr lang="fr-FR" smtClean="0"/>
-              <a:t>17/04/2023</a:t>
+              <a:t>27/04/2023</a:t>
             </a:fld>
             <a:endParaRPr lang="fr-FR" dirty="0"/>
           </a:p>
@@ -10957,7 +10958,7 @@
             <a:pPr rtl="0"/>
             <a:fld id="{F07F282E-55F5-4803-B60F-09BA4600E538}" type="slidenum">
               <a:rPr lang="fr-FR" smtClean="0"/>
-              <a:t>25</a:t>
+              <a:t>26</a:t>
             </a:fld>
             <a:endParaRPr lang="fr-FR" dirty="0"/>
           </a:p>
@@ -10987,7 +10988,7 @@
             <a:pPr rtl="0"/>
             <a:fld id="{D6EC9E20-404C-48A2-9AF5-26DDE4076E62}" type="datetime1">
               <a:rPr lang="fr-FR" smtClean="0"/>
-              <a:t>17/04/2023</a:t>
+              <a:t>27/04/2023</a:t>
             </a:fld>
             <a:endParaRPr lang="fr-FR" dirty="0"/>
           </a:p>
@@ -19724,7 +19725,7 @@
           <p:cNvPr id="2" name="Titre 1">
             <a:extLst>
               <a:ext uri="{FF2B5EF4-FFF2-40B4-BE49-F238E27FC236}">
-                <a16:creationId xmlns:a16="http://schemas.microsoft.com/office/drawing/2014/main" id="{FC7C103F-D021-87E1-C873-B08FB9DFF932}"/>
+                <a16:creationId xmlns:a16="http://schemas.microsoft.com/office/drawing/2014/main" id="{572AF3EF-0B2B-D01F-9D34-AFC2754A687D}"/>
               </a:ext>
             </a:extLst>
           </p:cNvPr>
@@ -19750,10 +19751,10 @@
       </p:sp>
       <p:sp>
         <p:nvSpPr>
-          <p:cNvPr id="3" name="Espace réservé du contenu 2">
-            <a:extLst>
-              <a:ext uri="{FF2B5EF4-FFF2-40B4-BE49-F238E27FC236}">
-                <a16:creationId xmlns:a16="http://schemas.microsoft.com/office/drawing/2014/main" id="{EF6410BF-C7C3-7C10-CCBD-54D279219DA2}"/>
+          <p:cNvPr id="3" name="Espace réservé du pied de page 2">
+            <a:extLst>
+              <a:ext uri="{FF2B5EF4-FFF2-40B4-BE49-F238E27FC236}">
+                <a16:creationId xmlns:a16="http://schemas.microsoft.com/office/drawing/2014/main" id="{EE06C8D3-1F71-5CC6-EFCD-67A39C977968}"/>
               </a:ext>
             </a:extLst>
           </p:cNvPr>
@@ -19761,7 +19762,7 @@
             <a:spLocks noGrp="1"/>
           </p:cNvSpPr>
           <p:nvPr>
-            <p:ph idx="14"/>
+            <p:ph type="ftr" sz="quarter" idx="11"/>
           </p:nvPr>
         </p:nvSpPr>
         <p:spPr/>
@@ -19769,23 +19770,20 @@
           <a:bodyPr/>
           <a:lstStyle/>
           <a:p>
-            <a:r>
-              <a:rPr lang="fr-FR" dirty="0" err="1"/>
-              <a:t>Terms</a:t>
-            </a:r>
-            <a:r>
-              <a:rPr lang="fr-FR" dirty="0"/>
-              <a:t>-Frequency</a:t>
-            </a:r>
-          </a:p>
-        </p:txBody>
-      </p:sp>
-      <p:sp>
-        <p:nvSpPr>
-          <p:cNvPr id="4" name="Espace réservé du contenu 3">
-            <a:extLst>
-              <a:ext uri="{FF2B5EF4-FFF2-40B4-BE49-F238E27FC236}">
-                <a16:creationId xmlns:a16="http://schemas.microsoft.com/office/drawing/2014/main" id="{472CEEB1-D92C-546F-7526-318503F46927}"/>
+            <a:pPr rtl="0"/>
+            <a:r>
+              <a:rPr lang="fr-FR"/>
+              <a:t>Etude de faisabilité d'un moteur de classification</a:t>
+            </a:r>
+          </a:p>
+        </p:txBody>
+      </p:sp>
+      <p:sp>
+        <p:nvSpPr>
+          <p:cNvPr id="4" name="Espace réservé de la date 3">
+            <a:extLst>
+              <a:ext uri="{FF2B5EF4-FFF2-40B4-BE49-F238E27FC236}">
+                <a16:creationId xmlns:a16="http://schemas.microsoft.com/office/drawing/2014/main" id="{E72F2541-26F1-42FF-58F0-C6D336312415}"/>
               </a:ext>
             </a:extLst>
           </p:cNvPr>
@@ -19793,118 +19791,6 @@
             <a:spLocks noGrp="1"/>
           </p:cNvSpPr>
           <p:nvPr>
-            <p:ph idx="1"/>
-          </p:nvPr>
-        </p:nvSpPr>
-        <p:spPr/>
-        <p:txBody>
-          <a:bodyPr/>
-          <a:lstStyle/>
-          <a:p>
-            <a:endParaRPr lang="fr-FR"/>
-          </a:p>
-        </p:txBody>
-      </p:sp>
-      <p:sp>
-        <p:nvSpPr>
-          <p:cNvPr id="5" name="Espace réservé du contenu 4">
-            <a:extLst>
-              <a:ext uri="{FF2B5EF4-FFF2-40B4-BE49-F238E27FC236}">
-                <a16:creationId xmlns:a16="http://schemas.microsoft.com/office/drawing/2014/main" id="{BB2162A3-CED3-C870-0639-C35342055842}"/>
-              </a:ext>
-            </a:extLst>
-          </p:cNvPr>
-          <p:cNvSpPr>
-            <a:spLocks noGrp="1"/>
-          </p:cNvSpPr>
-          <p:nvPr>
-            <p:ph idx="15"/>
-          </p:nvPr>
-        </p:nvSpPr>
-        <p:spPr/>
-        <p:txBody>
-          <a:bodyPr/>
-          <a:lstStyle/>
-          <a:p>
-            <a:r>
-              <a:rPr lang="fr-FR" dirty="0"/>
-              <a:t>TF-IDF</a:t>
-            </a:r>
-          </a:p>
-        </p:txBody>
-      </p:sp>
-      <p:sp>
-        <p:nvSpPr>
-          <p:cNvPr id="6" name="Espace réservé du contenu 5">
-            <a:extLst>
-              <a:ext uri="{FF2B5EF4-FFF2-40B4-BE49-F238E27FC236}">
-                <a16:creationId xmlns:a16="http://schemas.microsoft.com/office/drawing/2014/main" id="{E42E9DDD-986D-4B92-5354-0A75E6A2D053}"/>
-              </a:ext>
-            </a:extLst>
-          </p:cNvPr>
-          <p:cNvSpPr>
-            <a:spLocks noGrp="1"/>
-          </p:cNvSpPr>
-          <p:nvPr>
-            <p:ph idx="13"/>
-          </p:nvPr>
-        </p:nvSpPr>
-        <p:spPr/>
-        <p:txBody>
-          <a:bodyPr/>
-          <a:lstStyle/>
-          <a:p>
-            <a:endParaRPr lang="fr-FR"/>
-          </a:p>
-        </p:txBody>
-      </p:sp>
-      <p:sp>
-        <p:nvSpPr>
-          <p:cNvPr id="7" name="Espace réservé du pied de page 6">
-            <a:extLst>
-              <a:ext uri="{FF2B5EF4-FFF2-40B4-BE49-F238E27FC236}">
-                <a16:creationId xmlns:a16="http://schemas.microsoft.com/office/drawing/2014/main" id="{F43561C3-F0EE-D5C8-8E16-B48328F0C1C1}"/>
-              </a:ext>
-            </a:extLst>
-          </p:cNvPr>
-          <p:cNvSpPr>
-            <a:spLocks noGrp="1"/>
-          </p:cNvSpPr>
-          <p:nvPr>
-            <p:ph type="ftr" sz="quarter" idx="11"/>
-          </p:nvPr>
-        </p:nvSpPr>
-        <p:spPr/>
-        <p:txBody>
-          <a:bodyPr/>
-          <a:lstStyle/>
-          <a:p>
-            <a:pPr rtl="0"/>
-            <a:r>
-              <a:rPr lang="fr-FR"/>
-              <a:t>Etude de faisabilité d'un moteur de classification</a:t>
-            </a:r>
-            <a:endParaRPr lang="fr-FR" dirty="0">
-              <a:solidFill>
-                <a:schemeClr val="bg1"/>
-              </a:solidFill>
-            </a:endParaRPr>
-          </a:p>
-        </p:txBody>
-      </p:sp>
-      <p:sp>
-        <p:nvSpPr>
-          <p:cNvPr id="8" name="Espace réservé de la date 7">
-            <a:extLst>
-              <a:ext uri="{FF2B5EF4-FFF2-40B4-BE49-F238E27FC236}">
-                <a16:creationId xmlns:a16="http://schemas.microsoft.com/office/drawing/2014/main" id="{415F3ED9-5491-21A5-FAFC-1404C436DF25}"/>
-              </a:ext>
-            </a:extLst>
-          </p:cNvPr>
-          <p:cNvSpPr>
-            <a:spLocks noGrp="1"/>
-          </p:cNvSpPr>
-          <p:nvPr>
             <p:ph type="dt" sz="half" idx="10"/>
           </p:nvPr>
         </p:nvSpPr>
@@ -19924,10 +19810,10 @@
       </p:sp>
       <p:sp>
         <p:nvSpPr>
-          <p:cNvPr id="9" name="Espace réservé du numéro de diapositive 8">
-            <a:extLst>
-              <a:ext uri="{FF2B5EF4-FFF2-40B4-BE49-F238E27FC236}">
-                <a16:creationId xmlns:a16="http://schemas.microsoft.com/office/drawing/2014/main" id="{26B39155-3906-822C-0C38-24D2AA717D23}"/>
+          <p:cNvPr id="5" name="Espace réservé du numéro de diapositive 4">
+            <a:extLst>
+              <a:ext uri="{FF2B5EF4-FFF2-40B4-BE49-F238E27FC236}">
+                <a16:creationId xmlns:a16="http://schemas.microsoft.com/office/drawing/2014/main" id="{12F96331-2F79-0273-6738-EB705AE8A2AF}"/>
               </a:ext>
             </a:extLst>
           </p:cNvPr>
@@ -19952,50 +19838,220 @@
           </a:p>
         </p:txBody>
       </p:sp>
-      <p:sp>
-        <p:nvSpPr>
-          <p:cNvPr id="10" name="ZoneTexte 9">
-            <a:extLst>
-              <a:ext uri="{FF2B5EF4-FFF2-40B4-BE49-F238E27FC236}">
-                <a16:creationId xmlns:a16="http://schemas.microsoft.com/office/drawing/2014/main" id="{69A54FB8-4049-278D-BE90-C53600B13349}"/>
-              </a:ext>
-            </a:extLst>
-          </p:cNvPr>
-          <p:cNvSpPr txBox="1"/>
+      <p:pic>
+        <p:nvPicPr>
+          <p:cNvPr id="7" name="Image 6">
+            <a:extLst>
+              <a:ext uri="{FF2B5EF4-FFF2-40B4-BE49-F238E27FC236}">
+                <a16:creationId xmlns:a16="http://schemas.microsoft.com/office/drawing/2014/main" id="{FBD63E95-DCB4-58F3-C620-A1AB8D371E26}"/>
+              </a:ext>
+            </a:extLst>
+          </p:cNvPr>
+          <p:cNvPicPr>
+            <a:picLocks noChangeAspect="1"/>
+          </p:cNvPicPr>
           <p:nvPr/>
-        </p:nvSpPr>
+        </p:nvPicPr>
+        <p:blipFill>
+          <a:blip r:embed="rId2"/>
+          <a:stretch>
+            <a:fillRect/>
+          </a:stretch>
+        </p:blipFill>
         <p:spPr>
           <a:xfrm>
-            <a:off x="642917" y="1524000"/>
-            <a:ext cx="1880150" cy="369332"/>
+            <a:off x="1578850" y="2366400"/>
+            <a:ext cx="2683180" cy="1507111"/>
           </a:xfrm>
           <a:prstGeom prst="rect">
             <a:avLst/>
           </a:prstGeom>
-          <a:noFill/>
         </p:spPr>
-        <p:txBody>
-          <a:bodyPr wrap="square" rtlCol="0">
-            <a:spAutoFit/>
-          </a:bodyPr>
-          <a:lstStyle/>
-          <a:p>
-            <a:r>
-              <a:rPr lang="fr-FR" b="1" dirty="0"/>
-              <a:t>Bag of </a:t>
-            </a:r>
-            <a:r>
-              <a:rPr lang="fr-FR" b="1" dirty="0" err="1"/>
-              <a:t>Words</a:t>
-            </a:r>
-            <a:endParaRPr lang="fr-FR" b="1" dirty="0"/>
-          </a:p>
-        </p:txBody>
-      </p:sp>
+      </p:pic>
+      <p:pic>
+        <p:nvPicPr>
+          <p:cNvPr id="9" name="Image 8">
+            <a:extLst>
+              <a:ext uri="{FF2B5EF4-FFF2-40B4-BE49-F238E27FC236}">
+                <a16:creationId xmlns:a16="http://schemas.microsoft.com/office/drawing/2014/main" id="{347A7297-A5FF-03C4-6A36-DAC1E681DB6E}"/>
+              </a:ext>
+            </a:extLst>
+          </p:cNvPr>
+          <p:cNvPicPr>
+            <a:picLocks noChangeAspect="1"/>
+          </p:cNvPicPr>
+          <p:nvPr/>
+        </p:nvPicPr>
+        <p:blipFill>
+          <a:blip r:embed="rId3"/>
+          <a:stretch>
+            <a:fillRect/>
+          </a:stretch>
+        </p:blipFill>
+        <p:spPr>
+          <a:xfrm>
+            <a:off x="4922417" y="2351159"/>
+            <a:ext cx="2700605" cy="1541958"/>
+          </a:xfrm>
+          <a:prstGeom prst="rect">
+            <a:avLst/>
+          </a:prstGeom>
+        </p:spPr>
+      </p:pic>
+      <p:pic>
+        <p:nvPicPr>
+          <p:cNvPr id="11" name="Image 10">
+            <a:extLst>
+              <a:ext uri="{FF2B5EF4-FFF2-40B4-BE49-F238E27FC236}">
+                <a16:creationId xmlns:a16="http://schemas.microsoft.com/office/drawing/2014/main" id="{9D217A3B-4BF4-98F6-20EF-C2249AE69213}"/>
+              </a:ext>
+            </a:extLst>
+          </p:cNvPr>
+          <p:cNvPicPr>
+            <a:picLocks noChangeAspect="1"/>
+          </p:cNvPicPr>
+          <p:nvPr/>
+        </p:nvPicPr>
+        <p:blipFill>
+          <a:blip r:embed="rId4"/>
+          <a:stretch>
+            <a:fillRect/>
+          </a:stretch>
+        </p:blipFill>
+        <p:spPr>
+          <a:xfrm>
+            <a:off x="8283003" y="2366401"/>
+            <a:ext cx="2622200" cy="1533246"/>
+          </a:xfrm>
+          <a:prstGeom prst="rect">
+            <a:avLst/>
+          </a:prstGeom>
+        </p:spPr>
+      </p:pic>
+      <p:pic>
+        <p:nvPicPr>
+          <p:cNvPr id="13" name="Image 12">
+            <a:extLst>
+              <a:ext uri="{FF2B5EF4-FFF2-40B4-BE49-F238E27FC236}">
+                <a16:creationId xmlns:a16="http://schemas.microsoft.com/office/drawing/2014/main" id="{D127E75D-0329-5FDC-8E44-5550385A4C86}"/>
+              </a:ext>
+            </a:extLst>
+          </p:cNvPr>
+          <p:cNvPicPr>
+            <a:picLocks noChangeAspect="1"/>
+          </p:cNvPicPr>
+          <p:nvPr/>
+        </p:nvPicPr>
+        <p:blipFill>
+          <a:blip r:embed="rId5"/>
+          <a:stretch>
+            <a:fillRect/>
+          </a:stretch>
+        </p:blipFill>
+        <p:spPr>
+          <a:xfrm>
+            <a:off x="1184402" y="4330981"/>
+            <a:ext cx="2581209" cy="1509923"/>
+          </a:xfrm>
+          <a:prstGeom prst="rect">
+            <a:avLst/>
+          </a:prstGeom>
+        </p:spPr>
+      </p:pic>
+      <p:pic>
+        <p:nvPicPr>
+          <p:cNvPr id="15" name="Image 14">
+            <a:extLst>
+              <a:ext uri="{FF2B5EF4-FFF2-40B4-BE49-F238E27FC236}">
+                <a16:creationId xmlns:a16="http://schemas.microsoft.com/office/drawing/2014/main" id="{B8677E2D-7CE8-096F-8821-1740983A157C}"/>
+              </a:ext>
+            </a:extLst>
+          </p:cNvPr>
+          <p:cNvPicPr>
+            <a:picLocks noChangeAspect="1"/>
+          </p:cNvPicPr>
+          <p:nvPr/>
+        </p:nvPicPr>
+        <p:blipFill>
+          <a:blip r:embed="rId6"/>
+          <a:stretch>
+            <a:fillRect/>
+          </a:stretch>
+        </p:blipFill>
+        <p:spPr>
+          <a:xfrm>
+            <a:off x="3881169" y="4330372"/>
+            <a:ext cx="2598079" cy="1476182"/>
+          </a:xfrm>
+          <a:prstGeom prst="rect">
+            <a:avLst/>
+          </a:prstGeom>
+        </p:spPr>
+      </p:pic>
+      <p:pic>
+        <p:nvPicPr>
+          <p:cNvPr id="17" name="Image 16">
+            <a:extLst>
+              <a:ext uri="{FF2B5EF4-FFF2-40B4-BE49-F238E27FC236}">
+                <a16:creationId xmlns:a16="http://schemas.microsoft.com/office/drawing/2014/main" id="{308270F8-3062-0910-3424-418E2BD7B8E0}"/>
+              </a:ext>
+            </a:extLst>
+          </p:cNvPr>
+          <p:cNvPicPr>
+            <a:picLocks noChangeAspect="1"/>
+          </p:cNvPicPr>
+          <p:nvPr/>
+        </p:nvPicPr>
+        <p:blipFill>
+          <a:blip r:embed="rId7"/>
+          <a:stretch>
+            <a:fillRect/>
+          </a:stretch>
+        </p:blipFill>
+        <p:spPr>
+          <a:xfrm>
+            <a:off x="6637949" y="4330372"/>
+            <a:ext cx="2589644" cy="1476182"/>
+          </a:xfrm>
+          <a:prstGeom prst="rect">
+            <a:avLst/>
+          </a:prstGeom>
+        </p:spPr>
+      </p:pic>
+      <p:pic>
+        <p:nvPicPr>
+          <p:cNvPr id="19" name="Image 18">
+            <a:extLst>
+              <a:ext uri="{FF2B5EF4-FFF2-40B4-BE49-F238E27FC236}">
+                <a16:creationId xmlns:a16="http://schemas.microsoft.com/office/drawing/2014/main" id="{1A825CDA-0CC7-89E8-81DE-FF74EC7BCBD8}"/>
+              </a:ext>
+            </a:extLst>
+          </p:cNvPr>
+          <p:cNvPicPr>
+            <a:picLocks noChangeAspect="1"/>
+          </p:cNvPicPr>
+          <p:nvPr/>
+        </p:nvPicPr>
+        <p:blipFill>
+          <a:blip r:embed="rId8"/>
+          <a:stretch>
+            <a:fillRect/>
+          </a:stretch>
+        </p:blipFill>
+        <p:spPr>
+          <a:xfrm>
+            <a:off x="9386294" y="4349237"/>
+            <a:ext cx="2589644" cy="1476182"/>
+          </a:xfrm>
+          <a:prstGeom prst="rect">
+            <a:avLst/>
+          </a:prstGeom>
+        </p:spPr>
+      </p:pic>
     </p:spTree>
     <p:extLst>
       <p:ext uri="{BB962C8B-B14F-4D97-AF65-F5344CB8AC3E}">
-        <p14:creationId xmlns:p14="http://schemas.microsoft.com/office/powerpoint/2010/main" val="138183811"/>
+        <p14:creationId xmlns:p14="http://schemas.microsoft.com/office/powerpoint/2010/main" val="4106718000"/>
       </p:ext>
     </p:extLst>
   </p:cSld>
@@ -20027,7 +20083,7 @@
           <p:cNvPr id="2" name="Titre 1">
             <a:extLst>
               <a:ext uri="{FF2B5EF4-FFF2-40B4-BE49-F238E27FC236}">
-                <a16:creationId xmlns:a16="http://schemas.microsoft.com/office/drawing/2014/main" id="{D004CDCB-F559-D9DE-A9CE-8C9B28E12654}"/>
+                <a16:creationId xmlns:a16="http://schemas.microsoft.com/office/drawing/2014/main" id="{FC7C103F-D021-87E1-C873-B08FB9DFF932}"/>
               </a:ext>
             </a:extLst>
           </p:cNvPr>
@@ -20056,7 +20112,7 @@
           <p:cNvPr id="3" name="Espace réservé du contenu 2">
             <a:extLst>
               <a:ext uri="{FF2B5EF4-FFF2-40B4-BE49-F238E27FC236}">
-                <a16:creationId xmlns:a16="http://schemas.microsoft.com/office/drawing/2014/main" id="{C7ED6D8E-80EF-F1BE-8157-9850F4C06548}"/>
+                <a16:creationId xmlns:a16="http://schemas.microsoft.com/office/drawing/2014/main" id="{EF6410BF-C7C3-7C10-CCBD-54D279219DA2}"/>
               </a:ext>
             </a:extLst>
           </p:cNvPr>
@@ -20073,18 +20129,13 @@
           <a:lstStyle/>
           <a:p>
             <a:r>
-              <a:rPr lang="fr-FR" sz="2000" dirty="0"/>
-              <a:t>Word2Vec (</a:t>
-            </a:r>
-            <a:r>
-              <a:rPr lang="fr-FR" sz="1200" dirty="0"/>
-              <a:t>2013 Google</a:t>
-            </a:r>
-            <a:r>
-              <a:rPr lang="fr-FR" sz="2000" dirty="0"/>
-              <a:t>)</a:t>
-            </a:r>
-            <a:endParaRPr lang="fr-FR" dirty="0"/>
+              <a:rPr lang="fr-FR" dirty="0" err="1"/>
+              <a:t>Terms</a:t>
+            </a:r>
+            <a:r>
+              <a:rPr lang="fr-FR" dirty="0"/>
+              <a:t>-Frequency</a:t>
+            </a:r>
           </a:p>
         </p:txBody>
       </p:sp>
@@ -20093,7 +20144,7 @@
           <p:cNvPr id="4" name="Espace réservé du contenu 3">
             <a:extLst>
               <a:ext uri="{FF2B5EF4-FFF2-40B4-BE49-F238E27FC236}">
-                <a16:creationId xmlns:a16="http://schemas.microsoft.com/office/drawing/2014/main" id="{33EE004E-A309-6AC1-485C-645CE610ABAC}"/>
+                <a16:creationId xmlns:a16="http://schemas.microsoft.com/office/drawing/2014/main" id="{472CEEB1-D92C-546F-7526-318503F46927}"/>
               </a:ext>
             </a:extLst>
           </p:cNvPr>
@@ -20109,16 +20160,7 @@
           <a:bodyPr/>
           <a:lstStyle/>
           <a:p>
-            <a:r>
-              <a:rPr lang="fr-FR" dirty="0"/>
-              <a:t>CBOW</a:t>
-            </a:r>
-          </a:p>
-          <a:p>
-            <a:r>
-              <a:rPr lang="fr-FR" dirty="0"/>
-              <a:t>Skip-gram</a:t>
-            </a:r>
+            <a:endParaRPr lang="fr-FR"/>
           </a:p>
         </p:txBody>
       </p:sp>
@@ -20127,7 +20169,7 @@
           <p:cNvPr id="5" name="Espace réservé du contenu 4">
             <a:extLst>
               <a:ext uri="{FF2B5EF4-FFF2-40B4-BE49-F238E27FC236}">
-                <a16:creationId xmlns:a16="http://schemas.microsoft.com/office/drawing/2014/main" id="{E34834E4-F126-849D-F780-9685CD648256}"/>
+                <a16:creationId xmlns:a16="http://schemas.microsoft.com/office/drawing/2014/main" id="{BB2162A3-CED3-C870-0639-C35342055842}"/>
               </a:ext>
             </a:extLst>
           </p:cNvPr>
@@ -20135,7 +20177,7 @@
             <a:spLocks noGrp="1"/>
           </p:cNvSpPr>
           <p:nvPr>
-            <p:ph idx="18"/>
+            <p:ph idx="15"/>
           </p:nvPr>
         </p:nvSpPr>
         <p:spPr/>
@@ -20144,22 +20186,9 @@
           <a:lstStyle/>
           <a:p>
             <a:r>
-              <a:rPr lang="fr-FR" sz="2000" dirty="0" err="1"/>
-              <a:t>Glove</a:t>
-            </a:r>
-            <a:r>
-              <a:rPr lang="fr-FR" sz="2000" dirty="0"/>
-              <a:t> (</a:t>
-            </a:r>
-            <a:r>
-              <a:rPr lang="fr-FR" sz="1200" dirty="0"/>
-              <a:t>2014 Stanford</a:t>
-            </a:r>
-            <a:r>
-              <a:rPr lang="fr-FR" sz="2000" dirty="0"/>
-              <a:t>)</a:t>
-            </a:r>
-            <a:endParaRPr lang="fr-FR" dirty="0"/>
+              <a:rPr lang="fr-FR" dirty="0"/>
+              <a:t>TF-IDF</a:t>
+            </a:r>
           </a:p>
         </p:txBody>
       </p:sp>
@@ -20168,7 +20197,7 @@
           <p:cNvPr id="6" name="Espace réservé du contenu 5">
             <a:extLst>
               <a:ext uri="{FF2B5EF4-FFF2-40B4-BE49-F238E27FC236}">
-                <a16:creationId xmlns:a16="http://schemas.microsoft.com/office/drawing/2014/main" id="{7372ABF6-BC8E-E90D-F35E-F1E314CF5AB9}"/>
+                <a16:creationId xmlns:a16="http://schemas.microsoft.com/office/drawing/2014/main" id="{E42E9DDD-986D-4B92-5354-0A75E6A2D053}"/>
               </a:ext>
             </a:extLst>
           </p:cNvPr>
@@ -20176,7 +20205,7 @@
             <a:spLocks noGrp="1"/>
           </p:cNvSpPr>
           <p:nvPr>
-            <p:ph idx="17"/>
+            <p:ph idx="13"/>
           </p:nvPr>
         </p:nvSpPr>
         <p:spPr/>
@@ -20184,82 +20213,16 @@
           <a:bodyPr/>
           <a:lstStyle/>
           <a:p>
-            <a:endParaRPr lang="fr-FR" dirty="0"/>
-          </a:p>
-        </p:txBody>
-      </p:sp>
-      <p:sp>
-        <p:nvSpPr>
-          <p:cNvPr id="7" name="Espace réservé du contenu 6">
-            <a:extLst>
-              <a:ext uri="{FF2B5EF4-FFF2-40B4-BE49-F238E27FC236}">
-                <a16:creationId xmlns:a16="http://schemas.microsoft.com/office/drawing/2014/main" id="{BB112ECC-F037-BD1E-31D7-CB389C762C53}"/>
-              </a:ext>
-            </a:extLst>
-          </p:cNvPr>
-          <p:cNvSpPr>
-            <a:spLocks noGrp="1"/>
-          </p:cNvSpPr>
-          <p:nvPr>
-            <p:ph idx="16"/>
-          </p:nvPr>
-        </p:nvSpPr>
-        <p:spPr/>
-        <p:txBody>
-          <a:bodyPr/>
-          <a:lstStyle/>
-          <a:p>
-            <a:r>
-              <a:rPr lang="fr-FR" sz="2000" dirty="0" err="1"/>
-              <a:t>FastText</a:t>
-            </a:r>
-            <a:r>
-              <a:rPr lang="fr-FR" sz="2000" dirty="0"/>
-              <a:t> (</a:t>
-            </a:r>
-            <a:r>
-              <a:rPr lang="fr-FR" sz="1200" dirty="0"/>
-              <a:t>Facebook 2016</a:t>
-            </a:r>
-            <a:r>
-              <a:rPr lang="fr-FR" sz="2000" dirty="0"/>
-              <a:t>)</a:t>
-            </a:r>
-            <a:endParaRPr lang="fr-FR" dirty="0"/>
-          </a:p>
-        </p:txBody>
-      </p:sp>
-      <p:sp>
-        <p:nvSpPr>
-          <p:cNvPr id="8" name="Espace réservé du contenu 7">
-            <a:extLst>
-              <a:ext uri="{FF2B5EF4-FFF2-40B4-BE49-F238E27FC236}">
-                <a16:creationId xmlns:a16="http://schemas.microsoft.com/office/drawing/2014/main" id="{E4085BB3-1C74-09AD-065A-1AD051267C7A}"/>
-              </a:ext>
-            </a:extLst>
-          </p:cNvPr>
-          <p:cNvSpPr>
-            <a:spLocks noGrp="1"/>
-          </p:cNvSpPr>
-          <p:nvPr>
-            <p:ph idx="15"/>
-          </p:nvPr>
-        </p:nvSpPr>
-        <p:spPr/>
-        <p:txBody>
-          <a:bodyPr/>
-          <a:lstStyle/>
-          <a:p>
-            <a:endParaRPr lang="fr-FR" dirty="0"/>
-          </a:p>
-        </p:txBody>
-      </p:sp>
-      <p:sp>
-        <p:nvSpPr>
-          <p:cNvPr id="9" name="Espace réservé du pied de page 8">
-            <a:extLst>
-              <a:ext uri="{FF2B5EF4-FFF2-40B4-BE49-F238E27FC236}">
-                <a16:creationId xmlns:a16="http://schemas.microsoft.com/office/drawing/2014/main" id="{B20A9BF7-8024-1A79-3499-DE426B6AD3AD}"/>
+            <a:endParaRPr lang="fr-FR"/>
+          </a:p>
+        </p:txBody>
+      </p:sp>
+      <p:sp>
+        <p:nvSpPr>
+          <p:cNvPr id="7" name="Espace réservé du pied de page 6">
+            <a:extLst>
+              <a:ext uri="{FF2B5EF4-FFF2-40B4-BE49-F238E27FC236}">
+                <a16:creationId xmlns:a16="http://schemas.microsoft.com/office/drawing/2014/main" id="{F43561C3-F0EE-D5C8-8E16-B48328F0C1C1}"/>
               </a:ext>
             </a:extLst>
           </p:cNvPr>
@@ -20290,10 +20253,10 @@
       </p:sp>
       <p:sp>
         <p:nvSpPr>
-          <p:cNvPr id="10" name="Espace réservé de la date 9">
-            <a:extLst>
-              <a:ext uri="{FF2B5EF4-FFF2-40B4-BE49-F238E27FC236}">
-                <a16:creationId xmlns:a16="http://schemas.microsoft.com/office/drawing/2014/main" id="{427E6FAC-05FE-5B07-3A3A-0A327423D7B4}"/>
+          <p:cNvPr id="8" name="Espace réservé de la date 7">
+            <a:extLst>
+              <a:ext uri="{FF2B5EF4-FFF2-40B4-BE49-F238E27FC236}">
+                <a16:creationId xmlns:a16="http://schemas.microsoft.com/office/drawing/2014/main" id="{415F3ED9-5491-21A5-FAFC-1404C436DF25}"/>
               </a:ext>
             </a:extLst>
           </p:cNvPr>
@@ -20320,10 +20283,10 @@
       </p:sp>
       <p:sp>
         <p:nvSpPr>
-          <p:cNvPr id="11" name="Espace réservé du numéro de diapositive 10">
-            <a:extLst>
-              <a:ext uri="{FF2B5EF4-FFF2-40B4-BE49-F238E27FC236}">
-                <a16:creationId xmlns:a16="http://schemas.microsoft.com/office/drawing/2014/main" id="{2C5E21C6-AA06-CF3A-1C19-268703ED07CE}"/>
+          <p:cNvPr id="9" name="Espace réservé du numéro de diapositive 8">
+            <a:extLst>
+              <a:ext uri="{FF2B5EF4-FFF2-40B4-BE49-F238E27FC236}">
+                <a16:creationId xmlns:a16="http://schemas.microsoft.com/office/drawing/2014/main" id="{26B39155-3906-822C-0C38-24D2AA717D23}"/>
               </a:ext>
             </a:extLst>
           </p:cNvPr>
@@ -20350,10 +20313,10 @@
       </p:sp>
       <p:sp>
         <p:nvSpPr>
-          <p:cNvPr id="13" name="ZoneTexte 12">
-            <a:extLst>
-              <a:ext uri="{FF2B5EF4-FFF2-40B4-BE49-F238E27FC236}">
-                <a16:creationId xmlns:a16="http://schemas.microsoft.com/office/drawing/2014/main" id="{1FDF663D-2DD3-19F4-9172-804D0AC006EF}"/>
+          <p:cNvPr id="10" name="ZoneTexte 9">
+            <a:extLst>
+              <a:ext uri="{FF2B5EF4-FFF2-40B4-BE49-F238E27FC236}">
+                <a16:creationId xmlns:a16="http://schemas.microsoft.com/office/drawing/2014/main" id="{69A54FB8-4049-278D-BE90-C53600B13349}"/>
               </a:ext>
             </a:extLst>
           </p:cNvPr>
@@ -20362,8 +20325,8 @@
         </p:nvSpPr>
         <p:spPr>
           <a:xfrm>
-            <a:off x="642917" y="1498600"/>
-            <a:ext cx="3319483" cy="369332"/>
+            <a:off x="642917" y="1524000"/>
+            <a:ext cx="1880150" cy="369332"/>
           </a:xfrm>
           <a:prstGeom prst="rect">
             <a:avLst/>
@@ -20377,16 +20340,12 @@
           <a:lstStyle/>
           <a:p>
             <a:r>
+              <a:rPr lang="fr-FR" b="1" dirty="0"/>
+              <a:t>Bag of </a:t>
+            </a:r>
+            <a:r>
               <a:rPr lang="fr-FR" b="1" dirty="0" err="1"/>
               <a:t>Words</a:t>
-            </a:r>
-            <a:r>
-              <a:rPr lang="fr-FR" b="1" dirty="0"/>
-              <a:t> </a:t>
-            </a:r>
-            <a:r>
-              <a:rPr lang="fr-FR" b="1" dirty="0" err="1"/>
-              <a:t>Embeddings</a:t>
             </a:r>
             <a:endParaRPr lang="fr-FR" b="1" dirty="0"/>
           </a:p>
@@ -20395,7 +20354,7 @@
     </p:spTree>
     <p:extLst>
       <p:ext uri="{BB962C8B-B14F-4D97-AF65-F5344CB8AC3E}">
-        <p14:creationId xmlns:p14="http://schemas.microsoft.com/office/powerpoint/2010/main" val="1481711562"/>
+        <p14:creationId xmlns:p14="http://schemas.microsoft.com/office/powerpoint/2010/main" val="138183811"/>
       </p:ext>
     </p:extLst>
   </p:cSld>
@@ -20472,23 +20431,19 @@
           <a:bodyPr/>
           <a:lstStyle/>
           <a:p>
-            <a:pPr marL="550800">
-              <a:lnSpc>
-                <a:spcPct val="120000"/>
-              </a:lnSpc>
-            </a:pPr>
-            <a:r>
-              <a:rPr lang="fr-FR" dirty="0"/>
-              <a:t>Bert (</a:t>
-            </a:r>
-            <a:r>
-              <a:rPr lang="fr-FR" sz="1600" dirty="0"/>
-              <a:t>Google 2018</a:t>
-            </a:r>
-            <a:r>
-              <a:rPr lang="fr-FR" dirty="0"/>
-              <a:t> )</a:t>
-            </a:r>
+            <a:r>
+              <a:rPr lang="fr-FR" sz="2000" dirty="0"/>
+              <a:t>Word2Vec (</a:t>
+            </a:r>
+            <a:r>
+              <a:rPr lang="fr-FR" sz="1200" dirty="0"/>
+              <a:t>2013 Google</a:t>
+            </a:r>
+            <a:r>
+              <a:rPr lang="fr-FR" sz="2000" dirty="0"/>
+              <a:t>)</a:t>
+            </a:r>
+            <a:endParaRPr lang="fr-FR" dirty="0"/>
           </a:p>
         </p:txBody>
       </p:sp>
@@ -20549,11 +20504,19 @@
           <a:p>
             <a:r>
               <a:rPr lang="fr-FR" sz="2000" dirty="0" err="1"/>
-              <a:t>Elmo</a:t>
-            </a:r>
-            <a:r>
-              <a:rPr lang="fr-FR" sz="2000"/>
-              <a:t> (2018)</a:t>
+              <a:t>Glove</a:t>
+            </a:r>
+            <a:r>
+              <a:rPr lang="fr-FR" sz="2000" dirty="0"/>
+              <a:t> (</a:t>
+            </a:r>
+            <a:r>
+              <a:rPr lang="fr-FR" sz="1200" dirty="0"/>
+              <a:t>2014 Stanford</a:t>
+            </a:r>
+            <a:r>
+              <a:rPr lang="fr-FR" sz="2000" dirty="0"/>
+              <a:t>)</a:t>
             </a:r>
             <a:endParaRPr lang="fr-FR" dirty="0"/>
           </a:p>
@@ -20606,12 +20569,16 @@
           <a:lstStyle/>
           <a:p>
             <a:r>
+              <a:rPr lang="fr-FR" sz="2000" dirty="0" err="1"/>
+              <a:t>FastText</a:t>
+            </a:r>
+            <a:r>
               <a:rPr lang="fr-FR" sz="2000" dirty="0"/>
-              <a:t>USE (</a:t>
-            </a:r>
-            <a:r>
-              <a:rPr lang="fr-FR" sz="1600" dirty="0"/>
-              <a:t>Google</a:t>
+              <a:t> (</a:t>
+            </a:r>
+            <a:r>
+              <a:rPr lang="fr-FR" sz="1200" dirty="0"/>
+              <a:t>Facebook 2016</a:t>
             </a:r>
             <a:r>
               <a:rPr lang="fr-FR" sz="2000" dirty="0"/>
@@ -20642,7 +20609,7 @@
           <a:bodyPr/>
           <a:lstStyle/>
           <a:p>
-            <a:endParaRPr lang="fr-FR"/>
+            <a:endParaRPr lang="fr-FR" dirty="0"/>
           </a:p>
         </p:txBody>
       </p:sp>
@@ -20780,17 +20747,14 @@
               <a:rPr lang="fr-FR" b="1" dirty="0" err="1"/>
               <a:t>Embeddings</a:t>
             </a:r>
-            <a:r>
-              <a:rPr lang="fr-FR" b="1" dirty="0"/>
-              <a:t> ()</a:t>
-            </a:r>
+            <a:endParaRPr lang="fr-FR" b="1" dirty="0"/>
           </a:p>
         </p:txBody>
       </p:sp>
     </p:spTree>
     <p:extLst>
       <p:ext uri="{BB962C8B-B14F-4D97-AF65-F5344CB8AC3E}">
-        <p14:creationId xmlns:p14="http://schemas.microsoft.com/office/powerpoint/2010/main" val="4101008451"/>
+        <p14:creationId xmlns:p14="http://schemas.microsoft.com/office/powerpoint/2010/main" val="1481711562"/>
       </p:ext>
     </p:extLst>
   </p:cSld>
@@ -20822,7 +20786,7 @@
           <p:cNvPr id="2" name="Titre 1">
             <a:extLst>
               <a:ext uri="{FF2B5EF4-FFF2-40B4-BE49-F238E27FC236}">
-                <a16:creationId xmlns:a16="http://schemas.microsoft.com/office/drawing/2014/main" id="{BE6777F9-39B2-6CAC-4A91-A8A302F721BB}"/>
+                <a16:creationId xmlns:a16="http://schemas.microsoft.com/office/drawing/2014/main" id="{D004CDCB-F559-D9DE-A9CE-8C9B28E12654}"/>
               </a:ext>
             </a:extLst>
           </p:cNvPr>
@@ -20838,7 +20802,11 @@
           <a:bodyPr/>
           <a:lstStyle/>
           <a:p>
-            <a:endParaRPr lang="fr-FR"/>
+            <a:r>
+              <a:rPr lang="fr-FR" sz="3600" b="1" dirty="0"/>
+              <a:t>A. Traitement des données textuelles</a:t>
+            </a:r>
+            <a:endParaRPr lang="fr-FR" dirty="0"/>
           </a:p>
         </p:txBody>
       </p:sp>
@@ -20847,7 +20815,7 @@
           <p:cNvPr id="3" name="Espace réservé du contenu 2">
             <a:extLst>
               <a:ext uri="{FF2B5EF4-FFF2-40B4-BE49-F238E27FC236}">
-                <a16:creationId xmlns:a16="http://schemas.microsoft.com/office/drawing/2014/main" id="{47AE8981-1F26-6061-1487-478B632D7DF5}"/>
+                <a16:creationId xmlns:a16="http://schemas.microsoft.com/office/drawing/2014/main" id="{C7ED6D8E-80EF-F1BE-8157-9850F4C06548}"/>
               </a:ext>
             </a:extLst>
           </p:cNvPr>
@@ -20863,7 +20831,23 @@
           <a:bodyPr/>
           <a:lstStyle/>
           <a:p>
-            <a:endParaRPr lang="fr-FR"/>
+            <a:pPr marL="550800">
+              <a:lnSpc>
+                <a:spcPct val="120000"/>
+              </a:lnSpc>
+            </a:pPr>
+            <a:r>
+              <a:rPr lang="fr-FR" dirty="0"/>
+              <a:t>Bert (</a:t>
+            </a:r>
+            <a:r>
+              <a:rPr lang="fr-FR" sz="1600" dirty="0"/>
+              <a:t>Google 2018</a:t>
+            </a:r>
+            <a:r>
+              <a:rPr lang="fr-FR" dirty="0"/>
+              <a:t> )</a:t>
+            </a:r>
           </a:p>
         </p:txBody>
       </p:sp>
@@ -20872,7 +20856,7 @@
           <p:cNvPr id="4" name="Espace réservé du contenu 3">
             <a:extLst>
               <a:ext uri="{FF2B5EF4-FFF2-40B4-BE49-F238E27FC236}">
-                <a16:creationId xmlns:a16="http://schemas.microsoft.com/office/drawing/2014/main" id="{1D50F4CA-3280-1286-951D-435FD61D1523}"/>
+                <a16:creationId xmlns:a16="http://schemas.microsoft.com/office/drawing/2014/main" id="{33EE004E-A309-6AC1-485C-645CE610ABAC}"/>
               </a:ext>
             </a:extLst>
           </p:cNvPr>
@@ -20888,7 +20872,16 @@
           <a:bodyPr/>
           <a:lstStyle/>
           <a:p>
-            <a:endParaRPr lang="fr-FR"/>
+            <a:r>
+              <a:rPr lang="fr-FR" dirty="0"/>
+              <a:t>CBOW</a:t>
+            </a:r>
+          </a:p>
+          <a:p>
+            <a:r>
+              <a:rPr lang="fr-FR" dirty="0"/>
+              <a:t>Skip-gram</a:t>
+            </a:r>
           </a:p>
         </p:txBody>
       </p:sp>
@@ -20897,7 +20890,7 @@
           <p:cNvPr id="5" name="Espace réservé du contenu 4">
             <a:extLst>
               <a:ext uri="{FF2B5EF4-FFF2-40B4-BE49-F238E27FC236}">
-                <a16:creationId xmlns:a16="http://schemas.microsoft.com/office/drawing/2014/main" id="{86FB8D74-01F4-E1B1-14A7-EC37D8D37A19}"/>
+                <a16:creationId xmlns:a16="http://schemas.microsoft.com/office/drawing/2014/main" id="{E34834E4-F126-849D-F780-9685CD648256}"/>
               </a:ext>
             </a:extLst>
           </p:cNvPr>
@@ -20913,7 +20906,15 @@
           <a:bodyPr/>
           <a:lstStyle/>
           <a:p>
-            <a:endParaRPr lang="fr-FR"/>
+            <a:r>
+              <a:rPr lang="fr-FR" sz="2000" dirty="0" err="1"/>
+              <a:t>Elmo</a:t>
+            </a:r>
+            <a:r>
+              <a:rPr lang="fr-FR" sz="2000"/>
+              <a:t> (2018)</a:t>
+            </a:r>
+            <a:endParaRPr lang="fr-FR" dirty="0"/>
           </a:p>
         </p:txBody>
       </p:sp>
@@ -20922,7 +20923,7 @@
           <p:cNvPr id="6" name="Espace réservé du contenu 5">
             <a:extLst>
               <a:ext uri="{FF2B5EF4-FFF2-40B4-BE49-F238E27FC236}">
-                <a16:creationId xmlns:a16="http://schemas.microsoft.com/office/drawing/2014/main" id="{0CCDFEEE-FF6E-5AB9-ED5E-C2E4FD68AA7D}"/>
+                <a16:creationId xmlns:a16="http://schemas.microsoft.com/office/drawing/2014/main" id="{7372ABF6-BC8E-E90D-F35E-F1E314CF5AB9}"/>
               </a:ext>
             </a:extLst>
           </p:cNvPr>
@@ -20938,7 +20939,7 @@
           <a:bodyPr/>
           <a:lstStyle/>
           <a:p>
-            <a:endParaRPr lang="fr-FR"/>
+            <a:endParaRPr lang="fr-FR" dirty="0"/>
           </a:p>
         </p:txBody>
       </p:sp>
@@ -20947,7 +20948,7 @@
           <p:cNvPr id="7" name="Espace réservé du contenu 6">
             <a:extLst>
               <a:ext uri="{FF2B5EF4-FFF2-40B4-BE49-F238E27FC236}">
-                <a16:creationId xmlns:a16="http://schemas.microsoft.com/office/drawing/2014/main" id="{2C7D92B9-5B50-E715-C37C-671C4BF4585B}"/>
+                <a16:creationId xmlns:a16="http://schemas.microsoft.com/office/drawing/2014/main" id="{BB112ECC-F037-BD1E-31D7-CB389C762C53}"/>
               </a:ext>
             </a:extLst>
           </p:cNvPr>
@@ -20963,7 +20964,19 @@
           <a:bodyPr/>
           <a:lstStyle/>
           <a:p>
-            <a:endParaRPr lang="fr-FR"/>
+            <a:r>
+              <a:rPr lang="fr-FR" sz="2000" dirty="0"/>
+              <a:t>USE (</a:t>
+            </a:r>
+            <a:r>
+              <a:rPr lang="fr-FR" sz="1600" dirty="0"/>
+              <a:t>Google</a:t>
+            </a:r>
+            <a:r>
+              <a:rPr lang="fr-FR" sz="2000" dirty="0"/>
+              <a:t>)</a:t>
+            </a:r>
+            <a:endParaRPr lang="fr-FR" dirty="0"/>
           </a:p>
         </p:txBody>
       </p:sp>
@@ -20972,7 +20985,7 @@
           <p:cNvPr id="8" name="Espace réservé du contenu 7">
             <a:extLst>
               <a:ext uri="{FF2B5EF4-FFF2-40B4-BE49-F238E27FC236}">
-                <a16:creationId xmlns:a16="http://schemas.microsoft.com/office/drawing/2014/main" id="{5D25445B-F352-D9C6-816C-A14F902A8EDA}"/>
+                <a16:creationId xmlns:a16="http://schemas.microsoft.com/office/drawing/2014/main" id="{E4085BB3-1C74-09AD-065A-1AD051267C7A}"/>
               </a:ext>
             </a:extLst>
           </p:cNvPr>
@@ -20997,7 +21010,7 @@
           <p:cNvPr id="9" name="Espace réservé du pied de page 8">
             <a:extLst>
               <a:ext uri="{FF2B5EF4-FFF2-40B4-BE49-F238E27FC236}">
-                <a16:creationId xmlns:a16="http://schemas.microsoft.com/office/drawing/2014/main" id="{389DF645-FC59-5C44-0407-2D48B8EB477E}"/>
+                <a16:creationId xmlns:a16="http://schemas.microsoft.com/office/drawing/2014/main" id="{B20A9BF7-8024-1A79-3499-DE426B6AD3AD}"/>
               </a:ext>
             </a:extLst>
           </p:cNvPr>
@@ -21031,7 +21044,7 @@
           <p:cNvPr id="10" name="Espace réservé de la date 9">
             <a:extLst>
               <a:ext uri="{FF2B5EF4-FFF2-40B4-BE49-F238E27FC236}">
-                <a16:creationId xmlns:a16="http://schemas.microsoft.com/office/drawing/2014/main" id="{BF893011-BD7A-57C0-7A69-7EB631BEA71E}"/>
+                <a16:creationId xmlns:a16="http://schemas.microsoft.com/office/drawing/2014/main" id="{427E6FAC-05FE-5B07-3A3A-0A327423D7B4}"/>
               </a:ext>
             </a:extLst>
           </p:cNvPr>
@@ -21061,7 +21074,7 @@
           <p:cNvPr id="11" name="Espace réservé du numéro de diapositive 10">
             <a:extLst>
               <a:ext uri="{FF2B5EF4-FFF2-40B4-BE49-F238E27FC236}">
-                <a16:creationId xmlns:a16="http://schemas.microsoft.com/office/drawing/2014/main" id="{F9EB0054-D9A8-4B7C-AF21-FC3E0490F109}"/>
+                <a16:creationId xmlns:a16="http://schemas.microsoft.com/office/drawing/2014/main" id="{2C5E21C6-AA06-CF3A-1C19-268703ED07CE}"/>
               </a:ext>
             </a:extLst>
           </p:cNvPr>
@@ -21086,10 +21099,57 @@
           </a:p>
         </p:txBody>
       </p:sp>
+      <p:sp>
+        <p:nvSpPr>
+          <p:cNvPr id="13" name="ZoneTexte 12">
+            <a:extLst>
+              <a:ext uri="{FF2B5EF4-FFF2-40B4-BE49-F238E27FC236}">
+                <a16:creationId xmlns:a16="http://schemas.microsoft.com/office/drawing/2014/main" id="{1FDF663D-2DD3-19F4-9172-804D0AC006EF}"/>
+              </a:ext>
+            </a:extLst>
+          </p:cNvPr>
+          <p:cNvSpPr txBox="1"/>
+          <p:nvPr/>
+        </p:nvSpPr>
+        <p:spPr>
+          <a:xfrm>
+            <a:off x="642917" y="1498600"/>
+            <a:ext cx="3319483" cy="369332"/>
+          </a:xfrm>
+          <a:prstGeom prst="rect">
+            <a:avLst/>
+          </a:prstGeom>
+          <a:noFill/>
+        </p:spPr>
+        <p:txBody>
+          <a:bodyPr wrap="square" rtlCol="0">
+            <a:spAutoFit/>
+          </a:bodyPr>
+          <a:lstStyle/>
+          <a:p>
+            <a:r>
+              <a:rPr lang="fr-FR" b="1" dirty="0" err="1"/>
+              <a:t>Words</a:t>
+            </a:r>
+            <a:r>
+              <a:rPr lang="fr-FR" b="1" dirty="0"/>
+              <a:t> </a:t>
+            </a:r>
+            <a:r>
+              <a:rPr lang="fr-FR" b="1" dirty="0" err="1"/>
+              <a:t>Embeddings</a:t>
+            </a:r>
+            <a:r>
+              <a:rPr lang="fr-FR" b="1" dirty="0"/>
+              <a:t> ()</a:t>
+            </a:r>
+          </a:p>
+        </p:txBody>
+      </p:sp>
     </p:spTree>
     <p:extLst>
       <p:ext uri="{BB962C8B-B14F-4D97-AF65-F5344CB8AC3E}">
-        <p14:creationId xmlns:p14="http://schemas.microsoft.com/office/powerpoint/2010/main" val="1195726929"/>
+        <p14:creationId xmlns:p14="http://schemas.microsoft.com/office/powerpoint/2010/main" val="4101008451"/>
       </p:ext>
     </p:extLst>
   </p:cSld>
@@ -21121,7 +21181,7 @@
           <p:cNvPr id="2" name="Titre 1">
             <a:extLst>
               <a:ext uri="{FF2B5EF4-FFF2-40B4-BE49-F238E27FC236}">
-                <a16:creationId xmlns:a16="http://schemas.microsoft.com/office/drawing/2014/main" id="{C9C67F41-8DDE-48A9-1DC6-DB4A5C655D9D}"/>
+                <a16:creationId xmlns:a16="http://schemas.microsoft.com/office/drawing/2014/main" id="{BE6777F9-39B2-6CAC-4A91-A8A302F721BB}"/>
               </a:ext>
             </a:extLst>
           </p:cNvPr>
@@ -21137,11 +21197,7 @@
           <a:bodyPr/>
           <a:lstStyle/>
           <a:p>
-            <a:r>
-              <a:rPr lang="fr-FR" sz="3600" b="1" dirty="0"/>
-              <a:t>A. Traitement des données textuelles</a:t>
-            </a:r>
-            <a:endParaRPr lang="fr-FR" dirty="0"/>
+            <a:endParaRPr lang="fr-FR"/>
           </a:p>
         </p:txBody>
       </p:sp>
@@ -21150,7 +21206,7 @@
           <p:cNvPr id="3" name="Espace réservé du contenu 2">
             <a:extLst>
               <a:ext uri="{FF2B5EF4-FFF2-40B4-BE49-F238E27FC236}">
-                <a16:creationId xmlns:a16="http://schemas.microsoft.com/office/drawing/2014/main" id="{0B906707-5D85-F0E5-DE8F-6C285D9FF790}"/>
+                <a16:creationId xmlns:a16="http://schemas.microsoft.com/office/drawing/2014/main" id="{47AE8981-1F26-6061-1487-478B632D7DF5}"/>
               </a:ext>
             </a:extLst>
           </p:cNvPr>
@@ -21166,52 +21222,16 @@
           <a:bodyPr/>
           <a:lstStyle/>
           <a:p>
-            <a:pPr algn="ctr"/>
-            <a:r>
-              <a:rPr lang="fr-FR" dirty="0"/>
-              <a:t>Fréquence des mots</a:t>
-            </a:r>
-          </a:p>
-        </p:txBody>
-      </p:sp>
-      <p:pic>
-        <p:nvPicPr>
-          <p:cNvPr id="12" name="Espace réservé du contenu 11">
-            <a:extLst>
-              <a:ext uri="{FF2B5EF4-FFF2-40B4-BE49-F238E27FC236}">
-                <a16:creationId xmlns:a16="http://schemas.microsoft.com/office/drawing/2014/main" id="{EFDE8CFC-D59D-6005-8237-EED0B84B95C2}"/>
-              </a:ext>
-            </a:extLst>
-          </p:cNvPr>
-          <p:cNvPicPr>
-            <a:picLocks noGrp="1" noChangeAspect="1"/>
-          </p:cNvPicPr>
-          <p:nvPr>
-            <p:ph idx="1"/>
-          </p:nvPr>
-        </p:nvPicPr>
-        <p:blipFill>
-          <a:blip r:embed="rId2"/>
-          <a:stretch>
-            <a:fillRect/>
-          </a:stretch>
-        </p:blipFill>
-        <p:spPr>
-          <a:xfrm>
-            <a:off x="649288" y="3123173"/>
-            <a:ext cx="3517900" cy="1789578"/>
-          </a:xfrm>
-          <a:prstGeom prst="rect">
-            <a:avLst/>
-          </a:prstGeom>
-        </p:spPr>
-      </p:pic>
-      <p:sp>
-        <p:nvSpPr>
-          <p:cNvPr id="5" name="Espace réservé du contenu 4">
-            <a:extLst>
-              <a:ext uri="{FF2B5EF4-FFF2-40B4-BE49-F238E27FC236}">
-                <a16:creationId xmlns:a16="http://schemas.microsoft.com/office/drawing/2014/main" id="{6F998149-2741-3C0D-5479-8DE78375706D}"/>
+            <a:endParaRPr lang="fr-FR"/>
+          </a:p>
+        </p:txBody>
+      </p:sp>
+      <p:sp>
+        <p:nvSpPr>
+          <p:cNvPr id="4" name="Espace réservé du contenu 3">
+            <a:extLst>
+              <a:ext uri="{FF2B5EF4-FFF2-40B4-BE49-F238E27FC236}">
+                <a16:creationId xmlns:a16="http://schemas.microsoft.com/office/drawing/2014/main" id="{1D50F4CA-3280-1286-951D-435FD61D1523}"/>
               </a:ext>
             </a:extLst>
           </p:cNvPr>
@@ -21219,7 +21239,7 @@
             <a:spLocks noGrp="1"/>
           </p:cNvSpPr>
           <p:nvPr>
-            <p:ph idx="18"/>
+            <p:ph idx="1"/>
           </p:nvPr>
         </p:nvSpPr>
         <p:spPr/>
@@ -21233,10 +21253,10 @@
       </p:sp>
       <p:sp>
         <p:nvSpPr>
-          <p:cNvPr id="6" name="Espace réservé du contenu 5">
-            <a:extLst>
-              <a:ext uri="{FF2B5EF4-FFF2-40B4-BE49-F238E27FC236}">
-                <a16:creationId xmlns:a16="http://schemas.microsoft.com/office/drawing/2014/main" id="{F7EE8B3E-1FAA-70DD-4FC7-3F2AB5BE0416}"/>
+          <p:cNvPr id="5" name="Espace réservé du contenu 4">
+            <a:extLst>
+              <a:ext uri="{FF2B5EF4-FFF2-40B4-BE49-F238E27FC236}">
+                <a16:creationId xmlns:a16="http://schemas.microsoft.com/office/drawing/2014/main" id="{86FB8D74-01F4-E1B1-14A7-EC37D8D37A19}"/>
               </a:ext>
             </a:extLst>
           </p:cNvPr>
@@ -21244,7 +21264,7 @@
             <a:spLocks noGrp="1"/>
           </p:cNvSpPr>
           <p:nvPr>
-            <p:ph idx="17"/>
+            <p:ph idx="18"/>
           </p:nvPr>
         </p:nvSpPr>
         <p:spPr/>
@@ -21258,10 +21278,10 @@
       </p:sp>
       <p:sp>
         <p:nvSpPr>
-          <p:cNvPr id="7" name="Espace réservé du contenu 6">
-            <a:extLst>
-              <a:ext uri="{FF2B5EF4-FFF2-40B4-BE49-F238E27FC236}">
-                <a16:creationId xmlns:a16="http://schemas.microsoft.com/office/drawing/2014/main" id="{29B5F5F6-DDFE-C9BC-44DE-9B23C40B396C}"/>
+          <p:cNvPr id="6" name="Espace réservé du contenu 5">
+            <a:extLst>
+              <a:ext uri="{FF2B5EF4-FFF2-40B4-BE49-F238E27FC236}">
+                <a16:creationId xmlns:a16="http://schemas.microsoft.com/office/drawing/2014/main" id="{0CCDFEEE-FF6E-5AB9-ED5E-C2E4FD68AA7D}"/>
               </a:ext>
             </a:extLst>
           </p:cNvPr>
@@ -21269,6 +21289,31 @@
             <a:spLocks noGrp="1"/>
           </p:cNvSpPr>
           <p:nvPr>
+            <p:ph idx="17"/>
+          </p:nvPr>
+        </p:nvSpPr>
+        <p:spPr/>
+        <p:txBody>
+          <a:bodyPr/>
+          <a:lstStyle/>
+          <a:p>
+            <a:endParaRPr lang="fr-FR"/>
+          </a:p>
+        </p:txBody>
+      </p:sp>
+      <p:sp>
+        <p:nvSpPr>
+          <p:cNvPr id="7" name="Espace réservé du contenu 6">
+            <a:extLst>
+              <a:ext uri="{FF2B5EF4-FFF2-40B4-BE49-F238E27FC236}">
+                <a16:creationId xmlns:a16="http://schemas.microsoft.com/office/drawing/2014/main" id="{2C7D92B9-5B50-E715-C37C-671C4BF4585B}"/>
+              </a:ext>
+            </a:extLst>
+          </p:cNvPr>
+          <p:cNvSpPr>
+            <a:spLocks noGrp="1"/>
+          </p:cNvSpPr>
+          <p:nvPr>
             <p:ph idx="16"/>
           </p:nvPr>
         </p:nvSpPr>
@@ -21277,53 +21322,41 @@
           <a:bodyPr/>
           <a:lstStyle/>
           <a:p>
-            <a:pPr algn="ctr"/>
-            <a:r>
-              <a:rPr lang="fr-FR" dirty="0" err="1"/>
-              <a:t>WordCloud</a:t>
-            </a:r>
-            <a:endParaRPr lang="fr-FR" dirty="0"/>
-          </a:p>
-        </p:txBody>
-      </p:sp>
-      <p:pic>
-        <p:nvPicPr>
-          <p:cNvPr id="13" name="Espace réservé du contenu 12">
-            <a:extLst>
-              <a:ext uri="{FF2B5EF4-FFF2-40B4-BE49-F238E27FC236}">
-                <a16:creationId xmlns:a16="http://schemas.microsoft.com/office/drawing/2014/main" id="{ECB2D158-0405-5654-E12A-5A3896C620FC}"/>
-              </a:ext>
-            </a:extLst>
-          </p:cNvPr>
-          <p:cNvPicPr>
-            <a:picLocks noGrp="1" noChangeAspect="1"/>
-          </p:cNvPicPr>
+            <a:endParaRPr lang="fr-FR"/>
+          </a:p>
+        </p:txBody>
+      </p:sp>
+      <p:sp>
+        <p:nvSpPr>
+          <p:cNvPr id="8" name="Espace réservé du contenu 7">
+            <a:extLst>
+              <a:ext uri="{FF2B5EF4-FFF2-40B4-BE49-F238E27FC236}">
+                <a16:creationId xmlns:a16="http://schemas.microsoft.com/office/drawing/2014/main" id="{5D25445B-F352-D9C6-816C-A14F902A8EDA}"/>
+              </a:ext>
+            </a:extLst>
+          </p:cNvPr>
+          <p:cNvSpPr>
+            <a:spLocks noGrp="1"/>
+          </p:cNvSpPr>
           <p:nvPr>
             <p:ph idx="15"/>
           </p:nvPr>
-        </p:nvPicPr>
-        <p:blipFill>
-          <a:blip r:embed="rId3"/>
-          <a:stretch>
-            <a:fillRect/>
-          </a:stretch>
-        </p:blipFill>
-        <p:spPr>
-          <a:xfrm>
-            <a:off x="8024813" y="3102625"/>
-            <a:ext cx="3517900" cy="1830674"/>
-          </a:xfrm>
-          <a:prstGeom prst="rect">
-            <a:avLst/>
-          </a:prstGeom>
-        </p:spPr>
-      </p:pic>
+        </p:nvSpPr>
+        <p:spPr/>
+        <p:txBody>
+          <a:bodyPr/>
+          <a:lstStyle/>
+          <a:p>
+            <a:endParaRPr lang="fr-FR"/>
+          </a:p>
+        </p:txBody>
+      </p:sp>
       <p:sp>
         <p:nvSpPr>
           <p:cNvPr id="9" name="Espace réservé du pied de page 8">
             <a:extLst>
               <a:ext uri="{FF2B5EF4-FFF2-40B4-BE49-F238E27FC236}">
-                <a16:creationId xmlns:a16="http://schemas.microsoft.com/office/drawing/2014/main" id="{D34A44A1-69B4-4243-A12A-672228BC00FB}"/>
+                <a16:creationId xmlns:a16="http://schemas.microsoft.com/office/drawing/2014/main" id="{389DF645-FC59-5C44-0407-2D48B8EB477E}"/>
               </a:ext>
             </a:extLst>
           </p:cNvPr>
@@ -21357,7 +21390,7 @@
           <p:cNvPr id="10" name="Espace réservé de la date 9">
             <a:extLst>
               <a:ext uri="{FF2B5EF4-FFF2-40B4-BE49-F238E27FC236}">
-                <a16:creationId xmlns:a16="http://schemas.microsoft.com/office/drawing/2014/main" id="{AC8EA348-883C-7C3A-AFE2-D5BFDF1EC14E}"/>
+                <a16:creationId xmlns:a16="http://schemas.microsoft.com/office/drawing/2014/main" id="{BF893011-BD7A-57C0-7A69-7EB631BEA71E}"/>
               </a:ext>
             </a:extLst>
           </p:cNvPr>
@@ -21387,7 +21420,7 @@
           <p:cNvPr id="11" name="Espace réservé du numéro de diapositive 10">
             <a:extLst>
               <a:ext uri="{FF2B5EF4-FFF2-40B4-BE49-F238E27FC236}">
-                <a16:creationId xmlns:a16="http://schemas.microsoft.com/office/drawing/2014/main" id="{0FF31BF3-0D29-B2DD-C745-E05388FB78C5}"/>
+                <a16:creationId xmlns:a16="http://schemas.microsoft.com/office/drawing/2014/main" id="{F9EB0054-D9A8-4B7C-AF21-FC3E0490F109}"/>
               </a:ext>
             </a:extLst>
           </p:cNvPr>
@@ -21415,7 +21448,7 @@
     </p:spTree>
     <p:extLst>
       <p:ext uri="{BB962C8B-B14F-4D97-AF65-F5344CB8AC3E}">
-        <p14:creationId xmlns:p14="http://schemas.microsoft.com/office/powerpoint/2010/main" val="1427246815"/>
+        <p14:creationId xmlns:p14="http://schemas.microsoft.com/office/powerpoint/2010/main" val="1195726929"/>
       </p:ext>
     </p:extLst>
   </p:cSld>
@@ -21444,10 +21477,10 @@
       </p:grpSpPr>
       <p:sp>
         <p:nvSpPr>
-          <p:cNvPr id="4" name="Titre 3">
-            <a:extLst>
-              <a:ext uri="{FF2B5EF4-FFF2-40B4-BE49-F238E27FC236}">
-                <a16:creationId xmlns:a16="http://schemas.microsoft.com/office/drawing/2014/main" id="{FFDE6B89-9484-4E50-8387-C55E031D8549}"/>
+          <p:cNvPr id="2" name="Titre 1">
+            <a:extLst>
+              <a:ext uri="{FF2B5EF4-FFF2-40B4-BE49-F238E27FC236}">
+                <a16:creationId xmlns:a16="http://schemas.microsoft.com/office/drawing/2014/main" id="{C9C67F41-8DDE-48A9-1DC6-DB4A5C655D9D}"/>
               </a:ext>
             </a:extLst>
           </p:cNvPr>
@@ -21458,32 +21491,25 @@
             <p:ph type="title"/>
           </p:nvPr>
         </p:nvSpPr>
-        <p:spPr>
-          <a:xfrm>
-            <a:off x="787178" y="1475399"/>
-            <a:ext cx="6623040" cy="791861"/>
-          </a:xfrm>
-        </p:spPr>
-        <p:txBody>
-          <a:bodyPr rtlCol="0">
-            <a:normAutofit fontScale="90000"/>
-          </a:bodyPr>
-          <a:lstStyle/>
-          <a:p>
-            <a:pPr rtl="0"/>
-            <a:r>
-              <a:rPr lang="fr-FR" dirty="0"/>
-              <a:t>Ordre du jour 2</a:t>
-            </a:r>
-          </a:p>
-        </p:txBody>
-      </p:sp>
-      <p:sp>
-        <p:nvSpPr>
-          <p:cNvPr id="5" name="Espace réservé du contenu 4">
-            <a:extLst>
-              <a:ext uri="{FF2B5EF4-FFF2-40B4-BE49-F238E27FC236}">
-                <a16:creationId xmlns:a16="http://schemas.microsoft.com/office/drawing/2014/main" id="{30EB58E2-A9A0-481A-8B5B-381B836CE40B}"/>
+        <p:spPr/>
+        <p:txBody>
+          <a:bodyPr/>
+          <a:lstStyle/>
+          <a:p>
+            <a:r>
+              <a:rPr lang="fr-FR" sz="3600" b="1" dirty="0"/>
+              <a:t>A. Traitement des données textuelles</a:t>
+            </a:r>
+            <a:endParaRPr lang="fr-FR" dirty="0"/>
+          </a:p>
+        </p:txBody>
+      </p:sp>
+      <p:sp>
+        <p:nvSpPr>
+          <p:cNvPr id="3" name="Espace réservé du contenu 2">
+            <a:extLst>
+              <a:ext uri="{FF2B5EF4-FFF2-40B4-BE49-F238E27FC236}">
+                <a16:creationId xmlns:a16="http://schemas.microsoft.com/office/drawing/2014/main" id="{0B906707-5D85-F0E5-DE8F-6C285D9FF790}"/>
               </a:ext>
             </a:extLst>
           </p:cNvPr>
@@ -21491,87 +21517,28 @@
             <a:spLocks noGrp="1"/>
           </p:cNvSpPr>
           <p:nvPr>
-            <p:ph idx="1"/>
-          </p:nvPr>
-        </p:nvSpPr>
-        <p:spPr>
-          <a:xfrm>
-            <a:off x="787179" y="2502047"/>
-            <a:ext cx="6623039" cy="3030599"/>
-          </a:xfrm>
-        </p:spPr>
-        <p:txBody>
-          <a:bodyPr rtlCol="0">
-            <a:normAutofit fontScale="85000" lnSpcReduction="10000"/>
-          </a:bodyPr>
-          <a:lstStyle/>
-          <a:p>
-            <a:pPr rtl="0"/>
-            <a:r>
-              <a:rPr lang="fr-FR" sz="2500" b="1" dirty="0"/>
-              <a:t>A. Classification supervisée des images</a:t>
-            </a:r>
-          </a:p>
-          <a:p>
-            <a:pPr marL="342900" indent="-342900" rtl="0">
-              <a:buFont typeface="Arial" panose="020B0604020202020204" pitchFamily="34" charset="0"/>
-              <a:buChar char="•"/>
-            </a:pPr>
+            <p:ph idx="14"/>
+          </p:nvPr>
+        </p:nvSpPr>
+        <p:spPr/>
+        <p:txBody>
+          <a:bodyPr/>
+          <a:lstStyle/>
+          <a:p>
+            <a:pPr algn="ctr"/>
             <a:r>
               <a:rPr lang="fr-FR" dirty="0"/>
-              <a:t>Data augmentation</a:t>
-            </a:r>
-          </a:p>
-          <a:p>
-            <a:pPr marL="342900" indent="-342900" rtl="0">
-              <a:buFont typeface="Arial" panose="020B0604020202020204" pitchFamily="34" charset="0"/>
-              <a:buChar char="•"/>
-            </a:pPr>
-            <a:r>
-              <a:rPr lang="fr-FR" dirty="0"/>
-              <a:t>Transfert </a:t>
-            </a:r>
-            <a:r>
-              <a:rPr lang="fr-FR" dirty="0" err="1"/>
-              <a:t>learning</a:t>
-            </a:r>
-            <a:r>
-              <a:rPr lang="fr-FR" dirty="0"/>
-              <a:t> (CNN: VGG16)</a:t>
-            </a:r>
-          </a:p>
-          <a:p>
-            <a:pPr marL="342900" indent="-342900" rtl="0">
-              <a:buFont typeface="Arial" panose="020B0604020202020204" pitchFamily="34" charset="0"/>
-              <a:buChar char="•"/>
-            </a:pPr>
-            <a:r>
-              <a:rPr lang="fr-FR" dirty="0"/>
-              <a:t>Evaluation Modèles (score – temps d’exécution- Facilité de MEP, etc...)</a:t>
-            </a:r>
-          </a:p>
-          <a:p>
-            <a:pPr rtl="0"/>
-            <a:r>
-              <a:rPr lang="fr-FR" b="1" dirty="0"/>
-              <a:t>B. API</a:t>
-            </a:r>
-          </a:p>
-          <a:p>
-            <a:pPr marL="342900" indent="-342900" rtl="0">
-              <a:buFont typeface="Arial" panose="020B0604020202020204" pitchFamily="34" charset="0"/>
-              <a:buChar char="•"/>
-            </a:pPr>
-            <a:endParaRPr lang="fr-FR" dirty="0"/>
+              <a:t>Fréquence des mots</a:t>
+            </a:r>
           </a:p>
         </p:txBody>
       </p:sp>
       <p:pic>
         <p:nvPicPr>
-          <p:cNvPr id="29" name="Espace réservé d’image 28" descr="Tableau de bord Digital Finance">
-            <a:extLst>
-              <a:ext uri="{FF2B5EF4-FFF2-40B4-BE49-F238E27FC236}">
-                <a16:creationId xmlns:a16="http://schemas.microsoft.com/office/drawing/2014/main" id="{5924239E-C490-438F-B9C9-111D931D0846}"/>
+          <p:cNvPr id="12" name="Espace réservé du contenu 11">
+            <a:extLst>
+              <a:ext uri="{FF2B5EF4-FFF2-40B4-BE49-F238E27FC236}">
+                <a16:creationId xmlns:a16="http://schemas.microsoft.com/office/drawing/2014/main" id="{EFDE8CFC-D59D-6005-8237-EED0B84B95C2}"/>
               </a:ext>
             </a:extLst>
           </p:cNvPr>
@@ -21579,33 +21546,31 @@
             <a:picLocks noGrp="1" noChangeAspect="1"/>
           </p:cNvPicPr>
           <p:nvPr>
-            <p:ph type="pic" sz="quarter" idx="13"/>
+            <p:ph idx="1"/>
           </p:nvPr>
         </p:nvPicPr>
-        <p:blipFill rotWithShape="1">
-          <a:blip r:embed="rId3">
-            <a:extLst>
-              <a:ext uri="{28A0092B-C50C-407E-A947-70E740481C1C}">
-                <a14:useLocalDpi xmlns:a14="http://schemas.microsoft.com/office/drawing/2010/main" val="0"/>
-              </a:ext>
-            </a:extLst>
-          </a:blip>
-          <a:srcRect/>
-          <a:stretch/>
+        <p:blipFill>
+          <a:blip r:embed="rId2"/>
+          <a:stretch>
+            <a:fillRect/>
+          </a:stretch>
         </p:blipFill>
         <p:spPr>
           <a:xfrm>
-            <a:off x="8194348" y="1085431"/>
-            <a:ext cx="3997652" cy="5037857"/>
+            <a:off x="649288" y="3123173"/>
+            <a:ext cx="3517900" cy="1789578"/>
           </a:xfrm>
+          <a:prstGeom prst="rect">
+            <a:avLst/>
+          </a:prstGeom>
         </p:spPr>
       </p:pic>
       <p:sp>
         <p:nvSpPr>
-          <p:cNvPr id="23" name="Espace réservé du pied de page 22">
-            <a:extLst>
-              <a:ext uri="{FF2B5EF4-FFF2-40B4-BE49-F238E27FC236}">
-                <a16:creationId xmlns:a16="http://schemas.microsoft.com/office/drawing/2014/main" id="{C50BB1C4-223C-42B9-AF6A-F40E305B1A0E}"/>
+          <p:cNvPr id="5" name="Espace réservé du contenu 4">
+            <a:extLst>
+              <a:ext uri="{FF2B5EF4-FFF2-40B4-BE49-F238E27FC236}">
+                <a16:creationId xmlns:a16="http://schemas.microsoft.com/office/drawing/2014/main" id="{6F998149-2741-3C0D-5479-8DE78375706D}"/>
               </a:ext>
             </a:extLst>
           </p:cNvPr>
@@ -21613,33 +21578,24 @@
             <a:spLocks noGrp="1"/>
           </p:cNvSpPr>
           <p:nvPr>
-            <p:ph type="ftr" sz="quarter" idx="11"/>
-          </p:nvPr>
-        </p:nvSpPr>
-        <p:spPr>
-          <a:xfrm>
-            <a:off x="787178" y="6309360"/>
-            <a:ext cx="6623040" cy="457200"/>
-          </a:xfrm>
-        </p:spPr>
-        <p:txBody>
-          <a:bodyPr rtlCol="0"/>
-          <a:lstStyle/>
-          <a:p>
-            <a:pPr rtl="0"/>
-            <a:r>
-              <a:rPr lang="fr-FR"/>
-              <a:t>Etude de faisabilité d'un moteur de classification</a:t>
-            </a:r>
-          </a:p>
-        </p:txBody>
-      </p:sp>
-      <p:sp>
-        <p:nvSpPr>
-          <p:cNvPr id="21" name="Espace réservé de la date 20">
-            <a:extLst>
-              <a:ext uri="{FF2B5EF4-FFF2-40B4-BE49-F238E27FC236}">
-                <a16:creationId xmlns:a16="http://schemas.microsoft.com/office/drawing/2014/main" id="{9DE3C7A9-21F2-4569-A617-6303685EAA30}"/>
+            <p:ph idx="18"/>
+          </p:nvPr>
+        </p:nvSpPr>
+        <p:spPr/>
+        <p:txBody>
+          <a:bodyPr/>
+          <a:lstStyle/>
+          <a:p>
+            <a:endParaRPr lang="fr-FR"/>
+          </a:p>
+        </p:txBody>
+      </p:sp>
+      <p:sp>
+        <p:nvSpPr>
+          <p:cNvPr id="6" name="Espace réservé du contenu 5">
+            <a:extLst>
+              <a:ext uri="{FF2B5EF4-FFF2-40B4-BE49-F238E27FC236}">
+                <a16:creationId xmlns:a16="http://schemas.microsoft.com/office/drawing/2014/main" id="{F7EE8B3E-1FAA-70DD-4FC7-3F2AB5BE0416}"/>
               </a:ext>
             </a:extLst>
           </p:cNvPr>
@@ -21647,34 +21603,24 @@
             <a:spLocks noGrp="1"/>
           </p:cNvSpPr>
           <p:nvPr>
-            <p:ph type="dt" sz="half" idx="10"/>
-          </p:nvPr>
-        </p:nvSpPr>
-        <p:spPr>
-          <a:xfrm>
-            <a:off x="8379537" y="6309360"/>
-            <a:ext cx="1885598" cy="457200"/>
-          </a:xfrm>
-        </p:spPr>
-        <p:txBody>
-          <a:bodyPr rtlCol="0"/>
-          <a:lstStyle/>
-          <a:p>
-            <a:pPr rtl="0"/>
-            <a:r>
-              <a:rPr lang="fr-FR"/>
-              <a:t>17/04/2023</a:t>
-            </a:r>
-            <a:endParaRPr lang="fr-FR" dirty="0"/>
-          </a:p>
-        </p:txBody>
-      </p:sp>
-      <p:sp>
-        <p:nvSpPr>
-          <p:cNvPr id="24" name="Espace réservé du numéro de diapositive 23">
-            <a:extLst>
-              <a:ext uri="{FF2B5EF4-FFF2-40B4-BE49-F238E27FC236}">
-                <a16:creationId xmlns:a16="http://schemas.microsoft.com/office/drawing/2014/main" id="{29B547D4-09F9-49AB-B5C7-2EDDB233C78D}"/>
+            <p:ph idx="17"/>
+          </p:nvPr>
+        </p:nvSpPr>
+        <p:spPr/>
+        <p:txBody>
+          <a:bodyPr/>
+          <a:lstStyle/>
+          <a:p>
+            <a:endParaRPr lang="fr-FR"/>
+          </a:p>
+        </p:txBody>
+      </p:sp>
+      <p:sp>
+        <p:nvSpPr>
+          <p:cNvPr id="7" name="Espace réservé du contenu 6">
+            <a:extLst>
+              <a:ext uri="{FF2B5EF4-FFF2-40B4-BE49-F238E27FC236}">
+                <a16:creationId xmlns:a16="http://schemas.microsoft.com/office/drawing/2014/main" id="{29B5F5F6-DDFE-C9BC-44DE-9B23C40B396C}"/>
               </a:ext>
             </a:extLst>
           </p:cNvPr>
@@ -21682,23 +21628,143 @@
             <a:spLocks noGrp="1"/>
           </p:cNvSpPr>
           <p:nvPr>
-            <p:ph type="sldNum" sz="quarter" idx="12"/>
-          </p:nvPr>
-        </p:nvSpPr>
+            <p:ph idx="16"/>
+          </p:nvPr>
+        </p:nvSpPr>
+        <p:spPr/>
+        <p:txBody>
+          <a:bodyPr/>
+          <a:lstStyle/>
+          <a:p>
+            <a:pPr algn="ctr"/>
+            <a:r>
+              <a:rPr lang="fr-FR" dirty="0" err="1"/>
+              <a:t>WordCloud</a:t>
+            </a:r>
+            <a:endParaRPr lang="fr-FR" dirty="0"/>
+          </a:p>
+        </p:txBody>
+      </p:sp>
+      <p:pic>
+        <p:nvPicPr>
+          <p:cNvPr id="13" name="Espace réservé du contenu 12">
+            <a:extLst>
+              <a:ext uri="{FF2B5EF4-FFF2-40B4-BE49-F238E27FC236}">
+                <a16:creationId xmlns:a16="http://schemas.microsoft.com/office/drawing/2014/main" id="{ECB2D158-0405-5654-E12A-5A3896C620FC}"/>
+              </a:ext>
+            </a:extLst>
+          </p:cNvPr>
+          <p:cNvPicPr>
+            <a:picLocks noGrp="1" noChangeAspect="1"/>
+          </p:cNvPicPr>
+          <p:nvPr>
+            <p:ph idx="15"/>
+          </p:nvPr>
+        </p:nvPicPr>
+        <p:blipFill>
+          <a:blip r:embed="rId3"/>
+          <a:stretch>
+            <a:fillRect/>
+          </a:stretch>
+        </p:blipFill>
         <p:spPr>
           <a:xfrm>
-            <a:off x="10569202" y="6309360"/>
-            <a:ext cx="979879" cy="457200"/>
+            <a:off x="8024813" y="3102625"/>
+            <a:ext cx="3517900" cy="1830674"/>
           </a:xfrm>
+          <a:prstGeom prst="rect">
+            <a:avLst/>
+          </a:prstGeom>
         </p:spPr>
-        <p:txBody>
-          <a:bodyPr rtlCol="0"/>
+      </p:pic>
+      <p:sp>
+        <p:nvSpPr>
+          <p:cNvPr id="9" name="Espace réservé du pied de page 8">
+            <a:extLst>
+              <a:ext uri="{FF2B5EF4-FFF2-40B4-BE49-F238E27FC236}">
+                <a16:creationId xmlns:a16="http://schemas.microsoft.com/office/drawing/2014/main" id="{D34A44A1-69B4-4243-A12A-672228BC00FB}"/>
+              </a:ext>
+            </a:extLst>
+          </p:cNvPr>
+          <p:cNvSpPr>
+            <a:spLocks noGrp="1"/>
+          </p:cNvSpPr>
+          <p:nvPr>
+            <p:ph type="ftr" sz="quarter" idx="11"/>
+          </p:nvPr>
+        </p:nvSpPr>
+        <p:spPr/>
+        <p:txBody>
+          <a:bodyPr/>
+          <a:lstStyle/>
+          <a:p>
+            <a:pPr rtl="0"/>
+            <a:r>
+              <a:rPr lang="fr-FR"/>
+              <a:t>Etude de faisabilité d'un moteur de classification</a:t>
+            </a:r>
+            <a:endParaRPr lang="fr-FR" dirty="0">
+              <a:solidFill>
+                <a:schemeClr val="bg1"/>
+              </a:solidFill>
+            </a:endParaRPr>
+          </a:p>
+        </p:txBody>
+      </p:sp>
+      <p:sp>
+        <p:nvSpPr>
+          <p:cNvPr id="10" name="Espace réservé de la date 9">
+            <a:extLst>
+              <a:ext uri="{FF2B5EF4-FFF2-40B4-BE49-F238E27FC236}">
+                <a16:creationId xmlns:a16="http://schemas.microsoft.com/office/drawing/2014/main" id="{AC8EA348-883C-7C3A-AFE2-D5BFDF1EC14E}"/>
+              </a:ext>
+            </a:extLst>
+          </p:cNvPr>
+          <p:cNvSpPr>
+            <a:spLocks noGrp="1"/>
+          </p:cNvSpPr>
+          <p:nvPr>
+            <p:ph type="dt" sz="half" idx="10"/>
+          </p:nvPr>
+        </p:nvSpPr>
+        <p:spPr/>
+        <p:txBody>
+          <a:bodyPr/>
+          <a:lstStyle/>
+          <a:p>
+            <a:pPr rtl="0"/>
+            <a:r>
+              <a:rPr lang="fr-FR"/>
+              <a:t>17/04/2023</a:t>
+            </a:r>
+            <a:endParaRPr lang="fr-FR" dirty="0"/>
+          </a:p>
+        </p:txBody>
+      </p:sp>
+      <p:sp>
+        <p:nvSpPr>
+          <p:cNvPr id="11" name="Espace réservé du numéro de diapositive 10">
+            <a:extLst>
+              <a:ext uri="{FF2B5EF4-FFF2-40B4-BE49-F238E27FC236}">
+                <a16:creationId xmlns:a16="http://schemas.microsoft.com/office/drawing/2014/main" id="{0FF31BF3-0D29-B2DD-C745-E05388FB78C5}"/>
+              </a:ext>
+            </a:extLst>
+          </p:cNvPr>
+          <p:cNvSpPr>
+            <a:spLocks noGrp="1"/>
+          </p:cNvSpPr>
+          <p:nvPr>
+            <p:ph type="sldNum" sz="quarter" idx="12"/>
+          </p:nvPr>
+        </p:nvSpPr>
+        <p:spPr/>
+        <p:txBody>
+          <a:bodyPr/>
           <a:lstStyle/>
           <a:p>
             <a:pPr rtl="0"/>
             <a:fld id="{FAEF9944-A4F6-4C59-AEBD-678D6480B8EA}" type="slidenum">
               <a:rPr lang="fr-FR" smtClean="0"/>
-              <a:pPr rtl="0"/>
               <a:t>15</a:t>
             </a:fld>
             <a:endParaRPr lang="fr-FR" dirty="0"/>
@@ -21708,7 +21774,7 @@
     </p:spTree>
     <p:extLst>
       <p:ext uri="{BB962C8B-B14F-4D97-AF65-F5344CB8AC3E}">
-        <p14:creationId xmlns:p14="http://schemas.microsoft.com/office/powerpoint/2010/main" val="2467101159"/>
+        <p14:creationId xmlns:p14="http://schemas.microsoft.com/office/powerpoint/2010/main" val="1427246815"/>
       </p:ext>
     </p:extLst>
   </p:cSld>
@@ -21737,6 +21803,299 @@
       </p:grpSpPr>
       <p:sp>
         <p:nvSpPr>
+          <p:cNvPr id="4" name="Titre 3">
+            <a:extLst>
+              <a:ext uri="{FF2B5EF4-FFF2-40B4-BE49-F238E27FC236}">
+                <a16:creationId xmlns:a16="http://schemas.microsoft.com/office/drawing/2014/main" id="{FFDE6B89-9484-4E50-8387-C55E031D8549}"/>
+              </a:ext>
+            </a:extLst>
+          </p:cNvPr>
+          <p:cNvSpPr>
+            <a:spLocks noGrp="1"/>
+          </p:cNvSpPr>
+          <p:nvPr>
+            <p:ph type="title"/>
+          </p:nvPr>
+        </p:nvSpPr>
+        <p:spPr>
+          <a:xfrm>
+            <a:off x="787178" y="1475399"/>
+            <a:ext cx="6623040" cy="791861"/>
+          </a:xfrm>
+        </p:spPr>
+        <p:txBody>
+          <a:bodyPr rtlCol="0">
+            <a:normAutofit fontScale="90000"/>
+          </a:bodyPr>
+          <a:lstStyle/>
+          <a:p>
+            <a:pPr rtl="0"/>
+            <a:r>
+              <a:rPr lang="fr-FR" dirty="0"/>
+              <a:t>Ordre du jour 2</a:t>
+            </a:r>
+          </a:p>
+        </p:txBody>
+      </p:sp>
+      <p:sp>
+        <p:nvSpPr>
+          <p:cNvPr id="5" name="Espace réservé du contenu 4">
+            <a:extLst>
+              <a:ext uri="{FF2B5EF4-FFF2-40B4-BE49-F238E27FC236}">
+                <a16:creationId xmlns:a16="http://schemas.microsoft.com/office/drawing/2014/main" id="{30EB58E2-A9A0-481A-8B5B-381B836CE40B}"/>
+              </a:ext>
+            </a:extLst>
+          </p:cNvPr>
+          <p:cNvSpPr>
+            <a:spLocks noGrp="1"/>
+          </p:cNvSpPr>
+          <p:nvPr>
+            <p:ph idx="1"/>
+          </p:nvPr>
+        </p:nvSpPr>
+        <p:spPr>
+          <a:xfrm>
+            <a:off x="787179" y="2502047"/>
+            <a:ext cx="6623039" cy="3030599"/>
+          </a:xfrm>
+        </p:spPr>
+        <p:txBody>
+          <a:bodyPr rtlCol="0">
+            <a:normAutofit fontScale="85000" lnSpcReduction="10000"/>
+          </a:bodyPr>
+          <a:lstStyle/>
+          <a:p>
+            <a:pPr rtl="0"/>
+            <a:r>
+              <a:rPr lang="fr-FR" sz="2500" b="1" dirty="0"/>
+              <a:t>A. Classification supervisée des images</a:t>
+            </a:r>
+          </a:p>
+          <a:p>
+            <a:pPr marL="342900" indent="-342900" rtl="0">
+              <a:buFont typeface="Arial" panose="020B0604020202020204" pitchFamily="34" charset="0"/>
+              <a:buChar char="•"/>
+            </a:pPr>
+            <a:r>
+              <a:rPr lang="fr-FR" dirty="0"/>
+              <a:t>Data augmentation</a:t>
+            </a:r>
+          </a:p>
+          <a:p>
+            <a:pPr marL="342900" indent="-342900" rtl="0">
+              <a:buFont typeface="Arial" panose="020B0604020202020204" pitchFamily="34" charset="0"/>
+              <a:buChar char="•"/>
+            </a:pPr>
+            <a:r>
+              <a:rPr lang="fr-FR" dirty="0"/>
+              <a:t>Transfert </a:t>
+            </a:r>
+            <a:r>
+              <a:rPr lang="fr-FR" dirty="0" err="1"/>
+              <a:t>learning</a:t>
+            </a:r>
+            <a:r>
+              <a:rPr lang="fr-FR" dirty="0"/>
+              <a:t> (CNN: VGG16)</a:t>
+            </a:r>
+          </a:p>
+          <a:p>
+            <a:pPr marL="342900" indent="-342900" rtl="0">
+              <a:buFont typeface="Arial" panose="020B0604020202020204" pitchFamily="34" charset="0"/>
+              <a:buChar char="•"/>
+            </a:pPr>
+            <a:r>
+              <a:rPr lang="fr-FR" dirty="0"/>
+              <a:t>Evaluation Modèles (score – temps d’exécution- Facilité de MEP, etc...)</a:t>
+            </a:r>
+          </a:p>
+          <a:p>
+            <a:pPr rtl="0"/>
+            <a:r>
+              <a:rPr lang="fr-FR" b="1" dirty="0"/>
+              <a:t>B. API</a:t>
+            </a:r>
+          </a:p>
+          <a:p>
+            <a:pPr marL="342900" indent="-342900" rtl="0">
+              <a:buFont typeface="Arial" panose="020B0604020202020204" pitchFamily="34" charset="0"/>
+              <a:buChar char="•"/>
+            </a:pPr>
+            <a:endParaRPr lang="fr-FR" dirty="0"/>
+          </a:p>
+        </p:txBody>
+      </p:sp>
+      <p:pic>
+        <p:nvPicPr>
+          <p:cNvPr id="29" name="Espace réservé d’image 28" descr="Tableau de bord Digital Finance">
+            <a:extLst>
+              <a:ext uri="{FF2B5EF4-FFF2-40B4-BE49-F238E27FC236}">
+                <a16:creationId xmlns:a16="http://schemas.microsoft.com/office/drawing/2014/main" id="{5924239E-C490-438F-B9C9-111D931D0846}"/>
+              </a:ext>
+            </a:extLst>
+          </p:cNvPr>
+          <p:cNvPicPr>
+            <a:picLocks noGrp="1" noChangeAspect="1"/>
+          </p:cNvPicPr>
+          <p:nvPr>
+            <p:ph type="pic" sz="quarter" idx="13"/>
+          </p:nvPr>
+        </p:nvPicPr>
+        <p:blipFill rotWithShape="1">
+          <a:blip r:embed="rId3">
+            <a:extLst>
+              <a:ext uri="{28A0092B-C50C-407E-A947-70E740481C1C}">
+                <a14:useLocalDpi xmlns:a14="http://schemas.microsoft.com/office/drawing/2010/main" val="0"/>
+              </a:ext>
+            </a:extLst>
+          </a:blip>
+          <a:srcRect/>
+          <a:stretch/>
+        </p:blipFill>
+        <p:spPr>
+          <a:xfrm>
+            <a:off x="8194348" y="1085431"/>
+            <a:ext cx="3997652" cy="5037857"/>
+          </a:xfrm>
+        </p:spPr>
+      </p:pic>
+      <p:sp>
+        <p:nvSpPr>
+          <p:cNvPr id="23" name="Espace réservé du pied de page 22">
+            <a:extLst>
+              <a:ext uri="{FF2B5EF4-FFF2-40B4-BE49-F238E27FC236}">
+                <a16:creationId xmlns:a16="http://schemas.microsoft.com/office/drawing/2014/main" id="{C50BB1C4-223C-42B9-AF6A-F40E305B1A0E}"/>
+              </a:ext>
+            </a:extLst>
+          </p:cNvPr>
+          <p:cNvSpPr>
+            <a:spLocks noGrp="1"/>
+          </p:cNvSpPr>
+          <p:nvPr>
+            <p:ph type="ftr" sz="quarter" idx="11"/>
+          </p:nvPr>
+        </p:nvSpPr>
+        <p:spPr>
+          <a:xfrm>
+            <a:off x="787178" y="6309360"/>
+            <a:ext cx="6623040" cy="457200"/>
+          </a:xfrm>
+        </p:spPr>
+        <p:txBody>
+          <a:bodyPr rtlCol="0"/>
+          <a:lstStyle/>
+          <a:p>
+            <a:pPr rtl="0"/>
+            <a:r>
+              <a:rPr lang="fr-FR"/>
+              <a:t>Etude de faisabilité d'un moteur de classification</a:t>
+            </a:r>
+          </a:p>
+        </p:txBody>
+      </p:sp>
+      <p:sp>
+        <p:nvSpPr>
+          <p:cNvPr id="21" name="Espace réservé de la date 20">
+            <a:extLst>
+              <a:ext uri="{FF2B5EF4-FFF2-40B4-BE49-F238E27FC236}">
+                <a16:creationId xmlns:a16="http://schemas.microsoft.com/office/drawing/2014/main" id="{9DE3C7A9-21F2-4569-A617-6303685EAA30}"/>
+              </a:ext>
+            </a:extLst>
+          </p:cNvPr>
+          <p:cNvSpPr>
+            <a:spLocks noGrp="1"/>
+          </p:cNvSpPr>
+          <p:nvPr>
+            <p:ph type="dt" sz="half" idx="10"/>
+          </p:nvPr>
+        </p:nvSpPr>
+        <p:spPr>
+          <a:xfrm>
+            <a:off x="8379537" y="6309360"/>
+            <a:ext cx="1885598" cy="457200"/>
+          </a:xfrm>
+        </p:spPr>
+        <p:txBody>
+          <a:bodyPr rtlCol="0"/>
+          <a:lstStyle/>
+          <a:p>
+            <a:pPr rtl="0"/>
+            <a:r>
+              <a:rPr lang="fr-FR"/>
+              <a:t>17/04/2023</a:t>
+            </a:r>
+            <a:endParaRPr lang="fr-FR" dirty="0"/>
+          </a:p>
+        </p:txBody>
+      </p:sp>
+      <p:sp>
+        <p:nvSpPr>
+          <p:cNvPr id="24" name="Espace réservé du numéro de diapositive 23">
+            <a:extLst>
+              <a:ext uri="{FF2B5EF4-FFF2-40B4-BE49-F238E27FC236}">
+                <a16:creationId xmlns:a16="http://schemas.microsoft.com/office/drawing/2014/main" id="{29B547D4-09F9-49AB-B5C7-2EDDB233C78D}"/>
+              </a:ext>
+            </a:extLst>
+          </p:cNvPr>
+          <p:cNvSpPr>
+            <a:spLocks noGrp="1"/>
+          </p:cNvSpPr>
+          <p:nvPr>
+            <p:ph type="sldNum" sz="quarter" idx="12"/>
+          </p:nvPr>
+        </p:nvSpPr>
+        <p:spPr>
+          <a:xfrm>
+            <a:off x="10569202" y="6309360"/>
+            <a:ext cx="979879" cy="457200"/>
+          </a:xfrm>
+        </p:spPr>
+        <p:txBody>
+          <a:bodyPr rtlCol="0"/>
+          <a:lstStyle/>
+          <a:p>
+            <a:pPr rtl="0"/>
+            <a:fld id="{FAEF9944-A4F6-4C59-AEBD-678D6480B8EA}" type="slidenum">
+              <a:rPr lang="fr-FR" smtClean="0"/>
+              <a:pPr rtl="0"/>
+              <a:t>16</a:t>
+            </a:fld>
+            <a:endParaRPr lang="fr-FR" dirty="0"/>
+          </a:p>
+        </p:txBody>
+      </p:sp>
+    </p:spTree>
+    <p:extLst>
+      <p:ext uri="{BB962C8B-B14F-4D97-AF65-F5344CB8AC3E}">
+        <p14:creationId xmlns:p14="http://schemas.microsoft.com/office/powerpoint/2010/main" val="2467101159"/>
+      </p:ext>
+    </p:extLst>
+  </p:cSld>
+  <p:clrMapOvr>
+    <a:masterClrMapping/>
+  </p:clrMapOvr>
+</p:sld>
+</file>
+
+<file path=ppt/slides/slide17.xml><?xml version="1.0" encoding="utf-8"?>
+<p:sld xmlns:a="http://schemas.openxmlformats.org/drawingml/2006/main" xmlns:r="http://schemas.openxmlformats.org/officeDocument/2006/relationships" xmlns:p="http://schemas.openxmlformats.org/presentationml/2006/main">
+  <p:cSld>
+    <p:spTree>
+      <p:nvGrpSpPr>
+        <p:cNvPr id="1" name=""/>
+        <p:cNvGrpSpPr/>
+        <p:nvPr/>
+      </p:nvGrpSpPr>
+      <p:grpSpPr>
+        <a:xfrm>
+          <a:off x="0" y="0"/>
+          <a:ext cx="0" cy="0"/>
+          <a:chOff x="0" y="0"/>
+          <a:chExt cx="0" cy="0"/>
+        </a:xfrm>
+      </p:grpSpPr>
+      <p:sp>
+        <p:nvSpPr>
           <p:cNvPr id="2" name="Titre 1">
             <a:extLst>
               <a:ext uri="{FF2B5EF4-FFF2-40B4-BE49-F238E27FC236}">
@@ -22252,7 +22611,7 @@
             <a:fld id="{FAEF9944-A4F6-4C59-AEBD-678D6480B8EA}" type="slidenum">
               <a:rPr lang="fr-FR" smtClean="0"/>
               <a:pPr rtl="0"/>
-              <a:t>16</a:t>
+              <a:t>17</a:t>
             </a:fld>
             <a:endParaRPr lang="fr-FR" dirty="0"/>
           </a:p>
@@ -22825,7 +23184,7 @@
 </p:sld>
 </file>
 
-<file path=ppt/slides/slide17.xml><?xml version="1.0" encoding="utf-8"?>
+<file path=ppt/slides/slide18.xml><?xml version="1.0" encoding="utf-8"?>
 <p:sld xmlns:a="http://schemas.openxmlformats.org/drawingml/2006/main" xmlns:r="http://schemas.openxmlformats.org/officeDocument/2006/relationships" xmlns:p="http://schemas.openxmlformats.org/presentationml/2006/main">
   <p:cSld>
     <p:spTree>
@@ -22975,7 +23334,7 @@
             <a:fld id="{FAEF9944-A4F6-4C59-AEBD-678D6480B8EA}" type="slidenum">
               <a:rPr lang="fr-FR" smtClean="0"/>
               <a:pPr rtl="0"/>
-              <a:t>17</a:t>
+              <a:t>18</a:t>
             </a:fld>
             <a:endParaRPr lang="fr-FR" dirty="0"/>
           </a:p>
@@ -23022,7 +23381,7 @@
 </p:sld>
 </file>
 
-<file path=ppt/slides/slide18.xml><?xml version="1.0" encoding="utf-8"?>
+<file path=ppt/slides/slide19.xml><?xml version="1.0" encoding="utf-8"?>
 <p:sld xmlns:a="http://schemas.openxmlformats.org/drawingml/2006/main" xmlns:r="http://schemas.openxmlformats.org/officeDocument/2006/relationships" xmlns:p="http://schemas.openxmlformats.org/presentationml/2006/main">
   <p:cSld>
     <p:spTree>
@@ -23556,7 +23915,7 @@
             <a:fld id="{FAEF9944-A4F6-4C59-AEBD-678D6480B8EA}" type="slidenum">
               <a:rPr lang="fr-FR" smtClean="0"/>
               <a:pPr rtl="0"/>
-              <a:t>18</a:t>
+              <a:t>19</a:t>
             </a:fld>
             <a:endParaRPr lang="fr-FR" dirty="0"/>
           </a:p>
@@ -24129,7 +24488,7 @@
 </p:sld>
 </file>
 
-<file path=ppt/slides/slide19.xml><?xml version="1.0" encoding="utf-8"?>
+<file path=ppt/slides/slide2.xml><?xml version="1.0" encoding="utf-8"?>
 <p:sld xmlns:a="http://schemas.openxmlformats.org/drawingml/2006/main" xmlns:r="http://schemas.openxmlformats.org/officeDocument/2006/relationships" xmlns:p="http://schemas.openxmlformats.org/presentationml/2006/main">
   <p:cSld>
     <p:spTree>
@@ -24148,6 +24507,351 @@
       </p:grpSpPr>
       <p:sp>
         <p:nvSpPr>
+          <p:cNvPr id="7" name="Titre 6">
+            <a:extLst>
+              <a:ext uri="{FF2B5EF4-FFF2-40B4-BE49-F238E27FC236}">
+                <a16:creationId xmlns:a16="http://schemas.microsoft.com/office/drawing/2014/main" id="{0EDB7E63-0AD5-451A-9802-48AB1D44E6A8}"/>
+              </a:ext>
+            </a:extLst>
+          </p:cNvPr>
+          <p:cNvSpPr>
+            <a:spLocks noGrp="1"/>
+          </p:cNvSpPr>
+          <p:nvPr>
+            <p:ph type="title"/>
+          </p:nvPr>
+        </p:nvSpPr>
+        <p:spPr>
+          <a:xfrm>
+            <a:off x="5205915" y="673308"/>
+            <a:ext cx="6457717" cy="1580890"/>
+          </a:xfrm>
+        </p:spPr>
+        <p:txBody>
+          <a:bodyPr rtlCol="0"/>
+          <a:lstStyle/>
+          <a:p>
+            <a:pPr rtl="0"/>
+            <a:r>
+              <a:rPr lang="fr-FR"/>
+              <a:t>Introduction</a:t>
+            </a:r>
+          </a:p>
+        </p:txBody>
+      </p:sp>
+      <p:pic>
+        <p:nvPicPr>
+          <p:cNvPr id="16" name="Espace réservé d’image 15" descr="Graphique, tableaux et diagrammes">
+            <a:extLst>
+              <a:ext uri="{FF2B5EF4-FFF2-40B4-BE49-F238E27FC236}">
+                <a16:creationId xmlns:a16="http://schemas.microsoft.com/office/drawing/2014/main" id="{E1DA0A58-7C3B-4F53-80D8-6355E31465F8}"/>
+              </a:ext>
+            </a:extLst>
+          </p:cNvPr>
+          <p:cNvPicPr>
+            <a:picLocks noGrp="1" noChangeAspect="1"/>
+          </p:cNvPicPr>
+          <p:nvPr>
+            <p:ph type="pic" sz="quarter" idx="14"/>
+          </p:nvPr>
+        </p:nvPicPr>
+        <p:blipFill rotWithShape="1">
+          <a:blip r:embed="rId3" cstate="screen">
+            <a:extLst>
+              <a:ext uri="{28A0092B-C50C-407E-A947-70E740481C1C}">
+                <a14:useLocalDpi xmlns:a14="http://schemas.microsoft.com/office/drawing/2010/main" val="0"/>
+              </a:ext>
+            </a:extLst>
+          </a:blip>
+          <a:srcRect/>
+          <a:stretch/>
+        </p:blipFill>
+        <p:spPr>
+          <a:xfrm>
+            <a:off x="0" y="3461004"/>
+            <a:ext cx="4613547" cy="3396996"/>
+          </a:xfrm>
+        </p:spPr>
+      </p:pic>
+      <p:pic>
+        <p:nvPicPr>
+          <p:cNvPr id="26" name="Espace réservé d’image 25" descr="Personnes en cours de collaboration autour d’un bureau ">
+            <a:extLst>
+              <a:ext uri="{FF2B5EF4-FFF2-40B4-BE49-F238E27FC236}">
+                <a16:creationId xmlns:a16="http://schemas.microsoft.com/office/drawing/2014/main" id="{FBFF4B36-5D7D-42A6-A89B-A0A83CB0C2FC}"/>
+              </a:ext>
+            </a:extLst>
+          </p:cNvPr>
+          <p:cNvPicPr>
+            <a:picLocks noGrp="1" noChangeAspect="1"/>
+          </p:cNvPicPr>
+          <p:nvPr>
+            <p:ph type="pic" sz="quarter" idx="13"/>
+          </p:nvPr>
+        </p:nvPicPr>
+        <p:blipFill rotWithShape="1">
+          <a:blip r:embed="rId4">
+            <a:extLst>
+              <a:ext uri="{28A0092B-C50C-407E-A947-70E740481C1C}">
+                <a14:useLocalDpi xmlns:a14="http://schemas.microsoft.com/office/drawing/2010/main" val="0"/>
+              </a:ext>
+            </a:extLst>
+          </a:blip>
+          <a:srcRect/>
+          <a:stretch/>
+        </p:blipFill>
+        <p:spPr>
+          <a:xfrm>
+            <a:off x="0" y="0"/>
+            <a:ext cx="4613548" cy="3396994"/>
+          </a:xfrm>
+        </p:spPr>
+      </p:pic>
+      <p:sp>
+        <p:nvSpPr>
+          <p:cNvPr id="9" name="Espace réservé du contenu 8">
+            <a:extLst>
+              <a:ext uri="{FF2B5EF4-FFF2-40B4-BE49-F238E27FC236}">
+                <a16:creationId xmlns:a16="http://schemas.microsoft.com/office/drawing/2014/main" id="{469D770A-D8B9-4D5E-BB61-CD763E29DC55}"/>
+              </a:ext>
+            </a:extLst>
+          </p:cNvPr>
+          <p:cNvSpPr>
+            <a:spLocks noGrp="1"/>
+          </p:cNvSpPr>
+          <p:nvPr>
+            <p:ph idx="1"/>
+          </p:nvPr>
+        </p:nvSpPr>
+        <p:spPr>
+          <a:xfrm>
+            <a:off x="5205918" y="2353586"/>
+            <a:ext cx="6457717" cy="3767496"/>
+          </a:xfrm>
+        </p:spPr>
+        <p:txBody>
+          <a:bodyPr rtlCol="0">
+            <a:normAutofit fontScale="70000" lnSpcReduction="20000"/>
+          </a:bodyPr>
+          <a:lstStyle/>
+          <a:p>
+            <a:pPr rtl="0"/>
+            <a:r>
+              <a:rPr lang="fr-FR" dirty="0"/>
+              <a:t>La marketplace e-commerce de "Place de marché" permet à des vendeurs de proposer des articles à des acheteurs en postant une photo et une description. </a:t>
+            </a:r>
+          </a:p>
+          <a:p>
+            <a:pPr rtl="0"/>
+            <a:r>
+              <a:rPr lang="fr-FR" dirty="0"/>
+              <a:t>L'attribution de la catégorie d'un article est effectuée manuellement par les vendeurs, ce qui peut être peu fiable. </a:t>
+            </a:r>
+          </a:p>
+          <a:p>
+            <a:pPr rtl="0"/>
+            <a:r>
+              <a:rPr lang="fr-FR" sz="1900" b="1" dirty="0"/>
+              <a:t>Problématique :</a:t>
+            </a:r>
+          </a:p>
+          <a:p>
+            <a:pPr marL="285750" indent="-285750" rtl="0">
+              <a:buFont typeface="Arial" panose="020B0604020202020204" pitchFamily="34" charset="0"/>
+              <a:buChar char="•"/>
+            </a:pPr>
+            <a:r>
+              <a:rPr lang="fr-FR" sz="1800" b="1" dirty="0">
+                <a:solidFill>
+                  <a:schemeClr val="accent6">
+                    <a:lumMod val="75000"/>
+                  </a:schemeClr>
+                </a:solidFill>
+              </a:rPr>
+              <a:t>Pour améliorer l'expérience utilisateur</a:t>
+            </a:r>
+            <a:r>
+              <a:rPr lang="fr-FR" dirty="0"/>
+              <a:t>, il est donc </a:t>
+            </a:r>
+            <a:r>
+              <a:rPr lang="fr-FR" sz="1800" b="1" dirty="0">
+                <a:solidFill>
+                  <a:schemeClr val="accent6">
+                    <a:lumMod val="75000"/>
+                  </a:schemeClr>
+                </a:solidFill>
+              </a:rPr>
+              <a:t>nécessaire d'automatiser cette tâche</a:t>
+            </a:r>
+            <a:r>
+              <a:rPr lang="fr-FR" dirty="0"/>
+              <a:t> en créant un moteur de classification d'articles basé sur une image et une description. </a:t>
+            </a:r>
+          </a:p>
+          <a:p>
+            <a:pPr marL="285750" indent="-285750" rtl="0">
+              <a:buFont typeface="Arial" panose="020B0604020202020204" pitchFamily="34" charset="0"/>
+              <a:buChar char="•"/>
+            </a:pPr>
+            <a:r>
+              <a:rPr lang="fr-FR" dirty="0"/>
+              <a:t>La mission est de </a:t>
+            </a:r>
+            <a:r>
+              <a:rPr lang="fr-FR" sz="1800" b="1" dirty="0">
+                <a:solidFill>
+                  <a:schemeClr val="accent6">
+                    <a:lumMod val="75000"/>
+                  </a:schemeClr>
+                </a:solidFill>
+              </a:rPr>
+              <a:t>réaliser une étude de faisabilité pour ce moteur de classification</a:t>
+            </a:r>
+            <a:r>
+              <a:rPr lang="fr-FR" dirty="0"/>
+              <a:t>, en explorant les données et les différents modèles pour trouver la solution la plus adaptée, en regroupant automatiquement des produits de même catégorie à travers cette approche.</a:t>
+            </a:r>
+          </a:p>
+        </p:txBody>
+      </p:sp>
+      <p:sp>
+        <p:nvSpPr>
+          <p:cNvPr id="22" name="Espace réservé du pied de page 21">
+            <a:extLst>
+              <a:ext uri="{FF2B5EF4-FFF2-40B4-BE49-F238E27FC236}">
+                <a16:creationId xmlns:a16="http://schemas.microsoft.com/office/drawing/2014/main" id="{A0C89215-7880-40F7-A389-2C9A09EE3692}"/>
+              </a:ext>
+            </a:extLst>
+          </p:cNvPr>
+          <p:cNvSpPr>
+            <a:spLocks noGrp="1"/>
+          </p:cNvSpPr>
+          <p:nvPr>
+            <p:ph type="ftr" sz="quarter" idx="11"/>
+          </p:nvPr>
+        </p:nvSpPr>
+        <p:spPr>
+          <a:xfrm>
+            <a:off x="261906" y="6309360"/>
+            <a:ext cx="4097030" cy="457200"/>
+          </a:xfrm>
+        </p:spPr>
+        <p:txBody>
+          <a:bodyPr rtlCol="0"/>
+          <a:lstStyle/>
+          <a:p>
+            <a:pPr rtl="0"/>
+            <a:r>
+              <a:rPr lang="fr-FR"/>
+              <a:t>Etude de faisabilité d'un moteur de classification</a:t>
+            </a:r>
+          </a:p>
+        </p:txBody>
+      </p:sp>
+      <p:sp>
+        <p:nvSpPr>
+          <p:cNvPr id="2" name="Espace réservé de la date 1">
+            <a:extLst>
+              <a:ext uri="{FF2B5EF4-FFF2-40B4-BE49-F238E27FC236}">
+                <a16:creationId xmlns:a16="http://schemas.microsoft.com/office/drawing/2014/main" id="{D3FE66FD-2026-4582-A911-F6DABAE0514E}"/>
+              </a:ext>
+            </a:extLst>
+          </p:cNvPr>
+          <p:cNvSpPr>
+            <a:spLocks noGrp="1"/>
+          </p:cNvSpPr>
+          <p:nvPr>
+            <p:ph type="dt" sz="half" idx="10"/>
+          </p:nvPr>
+        </p:nvSpPr>
+        <p:spPr>
+          <a:xfrm>
+            <a:off x="5205303" y="6309360"/>
+            <a:ext cx="3411973" cy="457200"/>
+          </a:xfrm>
+        </p:spPr>
+        <p:txBody>
+          <a:bodyPr rtlCol="0"/>
+          <a:lstStyle/>
+          <a:p>
+            <a:pPr rtl="0"/>
+            <a:r>
+              <a:rPr lang="fr-FR"/>
+              <a:t>17/04/2023</a:t>
+            </a:r>
+            <a:endParaRPr lang="fr-FR" dirty="0"/>
+          </a:p>
+        </p:txBody>
+      </p:sp>
+      <p:sp>
+        <p:nvSpPr>
+          <p:cNvPr id="23" name="Espace réservé du numéro de diapositive 22">
+            <a:extLst>
+              <a:ext uri="{FF2B5EF4-FFF2-40B4-BE49-F238E27FC236}">
+                <a16:creationId xmlns:a16="http://schemas.microsoft.com/office/drawing/2014/main" id="{1CFAACA4-65B8-42F6-BCD5-C3D1E8D95F2A}"/>
+              </a:ext>
+            </a:extLst>
+          </p:cNvPr>
+          <p:cNvSpPr>
+            <a:spLocks noGrp="1"/>
+          </p:cNvSpPr>
+          <p:nvPr>
+            <p:ph type="sldNum" sz="quarter" idx="12"/>
+          </p:nvPr>
+        </p:nvSpPr>
+        <p:spPr>
+          <a:xfrm>
+            <a:off x="10569202" y="6309360"/>
+            <a:ext cx="979879" cy="457200"/>
+          </a:xfrm>
+        </p:spPr>
+        <p:txBody>
+          <a:bodyPr rtlCol="0"/>
+          <a:lstStyle/>
+          <a:p>
+            <a:pPr rtl="0"/>
+            <a:fld id="{FAEF9944-A4F6-4C59-AEBD-678D6480B8EA}" type="slidenum">
+              <a:rPr lang="fr-FR" smtClean="0"/>
+              <a:pPr rtl="0"/>
+              <a:t>2</a:t>
+            </a:fld>
+            <a:endParaRPr lang="fr-FR" dirty="0"/>
+          </a:p>
+        </p:txBody>
+      </p:sp>
+    </p:spTree>
+    <p:extLst>
+      <p:ext uri="{BB962C8B-B14F-4D97-AF65-F5344CB8AC3E}">
+        <p14:creationId xmlns:p14="http://schemas.microsoft.com/office/powerpoint/2010/main" val="1109332271"/>
+      </p:ext>
+    </p:extLst>
+  </p:cSld>
+  <p:clrMapOvr>
+    <a:masterClrMapping/>
+  </p:clrMapOvr>
+</p:sld>
+</file>
+
+<file path=ppt/slides/slide20.xml><?xml version="1.0" encoding="utf-8"?>
+<p:sld xmlns:a="http://schemas.openxmlformats.org/drawingml/2006/main" xmlns:r="http://schemas.openxmlformats.org/officeDocument/2006/relationships" xmlns:p="http://schemas.openxmlformats.org/presentationml/2006/main">
+  <p:cSld>
+    <p:spTree>
+      <p:nvGrpSpPr>
+        <p:cNvPr id="1" name=""/>
+        <p:cNvGrpSpPr/>
+        <p:nvPr/>
+      </p:nvGrpSpPr>
+      <p:grpSpPr>
+        <a:xfrm>
+          <a:off x="0" y="0"/>
+          <a:ext cx="0" cy="0"/>
+          <a:chOff x="0" y="0"/>
+          <a:chExt cx="0" cy="0"/>
+        </a:xfrm>
+      </p:grpSpPr>
+      <p:sp>
+        <p:nvSpPr>
           <p:cNvPr id="6" name="Titre 5">
             <a:extLst>
               <a:ext uri="{FF2B5EF4-FFF2-40B4-BE49-F238E27FC236}">
@@ -24279,7 +24983,7 @@
             <a:fld id="{FAEF9944-A4F6-4C59-AEBD-678D6480B8EA}" type="slidenum">
               <a:rPr lang="fr-FR" smtClean="0"/>
               <a:pPr rtl="0"/>
-              <a:t>19</a:t>
+              <a:t>20</a:t>
             </a:fld>
             <a:endParaRPr lang="fr-FR" dirty="0"/>
           </a:p>
@@ -25824,352 +26528,7 @@
 </p:sld>
 </file>
 
-<file path=ppt/slides/slide2.xml><?xml version="1.0" encoding="utf-8"?>
-<p:sld xmlns:a="http://schemas.openxmlformats.org/drawingml/2006/main" xmlns:r="http://schemas.openxmlformats.org/officeDocument/2006/relationships" xmlns:p="http://schemas.openxmlformats.org/presentationml/2006/main">
-  <p:cSld>
-    <p:spTree>
-      <p:nvGrpSpPr>
-        <p:cNvPr id="1" name=""/>
-        <p:cNvGrpSpPr/>
-        <p:nvPr/>
-      </p:nvGrpSpPr>
-      <p:grpSpPr>
-        <a:xfrm>
-          <a:off x="0" y="0"/>
-          <a:ext cx="0" cy="0"/>
-          <a:chOff x="0" y="0"/>
-          <a:chExt cx="0" cy="0"/>
-        </a:xfrm>
-      </p:grpSpPr>
-      <p:sp>
-        <p:nvSpPr>
-          <p:cNvPr id="7" name="Titre 6">
-            <a:extLst>
-              <a:ext uri="{FF2B5EF4-FFF2-40B4-BE49-F238E27FC236}">
-                <a16:creationId xmlns:a16="http://schemas.microsoft.com/office/drawing/2014/main" id="{0EDB7E63-0AD5-451A-9802-48AB1D44E6A8}"/>
-              </a:ext>
-            </a:extLst>
-          </p:cNvPr>
-          <p:cNvSpPr>
-            <a:spLocks noGrp="1"/>
-          </p:cNvSpPr>
-          <p:nvPr>
-            <p:ph type="title"/>
-          </p:nvPr>
-        </p:nvSpPr>
-        <p:spPr>
-          <a:xfrm>
-            <a:off x="5205915" y="673308"/>
-            <a:ext cx="6457717" cy="1580890"/>
-          </a:xfrm>
-        </p:spPr>
-        <p:txBody>
-          <a:bodyPr rtlCol="0"/>
-          <a:lstStyle/>
-          <a:p>
-            <a:pPr rtl="0"/>
-            <a:r>
-              <a:rPr lang="fr-FR"/>
-              <a:t>Introduction</a:t>
-            </a:r>
-          </a:p>
-        </p:txBody>
-      </p:sp>
-      <p:pic>
-        <p:nvPicPr>
-          <p:cNvPr id="16" name="Espace réservé d’image 15" descr="Graphique, tableaux et diagrammes">
-            <a:extLst>
-              <a:ext uri="{FF2B5EF4-FFF2-40B4-BE49-F238E27FC236}">
-                <a16:creationId xmlns:a16="http://schemas.microsoft.com/office/drawing/2014/main" id="{E1DA0A58-7C3B-4F53-80D8-6355E31465F8}"/>
-              </a:ext>
-            </a:extLst>
-          </p:cNvPr>
-          <p:cNvPicPr>
-            <a:picLocks noGrp="1" noChangeAspect="1"/>
-          </p:cNvPicPr>
-          <p:nvPr>
-            <p:ph type="pic" sz="quarter" idx="14"/>
-          </p:nvPr>
-        </p:nvPicPr>
-        <p:blipFill rotWithShape="1">
-          <a:blip r:embed="rId3" cstate="screen">
-            <a:extLst>
-              <a:ext uri="{28A0092B-C50C-407E-A947-70E740481C1C}">
-                <a14:useLocalDpi xmlns:a14="http://schemas.microsoft.com/office/drawing/2010/main" val="0"/>
-              </a:ext>
-            </a:extLst>
-          </a:blip>
-          <a:srcRect/>
-          <a:stretch/>
-        </p:blipFill>
-        <p:spPr>
-          <a:xfrm>
-            <a:off x="0" y="3461004"/>
-            <a:ext cx="4613547" cy="3396996"/>
-          </a:xfrm>
-        </p:spPr>
-      </p:pic>
-      <p:pic>
-        <p:nvPicPr>
-          <p:cNvPr id="26" name="Espace réservé d’image 25" descr="Personnes en cours de collaboration autour d’un bureau ">
-            <a:extLst>
-              <a:ext uri="{FF2B5EF4-FFF2-40B4-BE49-F238E27FC236}">
-                <a16:creationId xmlns:a16="http://schemas.microsoft.com/office/drawing/2014/main" id="{FBFF4B36-5D7D-42A6-A89B-A0A83CB0C2FC}"/>
-              </a:ext>
-            </a:extLst>
-          </p:cNvPr>
-          <p:cNvPicPr>
-            <a:picLocks noGrp="1" noChangeAspect="1"/>
-          </p:cNvPicPr>
-          <p:nvPr>
-            <p:ph type="pic" sz="quarter" idx="13"/>
-          </p:nvPr>
-        </p:nvPicPr>
-        <p:blipFill rotWithShape="1">
-          <a:blip r:embed="rId4">
-            <a:extLst>
-              <a:ext uri="{28A0092B-C50C-407E-A947-70E740481C1C}">
-                <a14:useLocalDpi xmlns:a14="http://schemas.microsoft.com/office/drawing/2010/main" val="0"/>
-              </a:ext>
-            </a:extLst>
-          </a:blip>
-          <a:srcRect/>
-          <a:stretch/>
-        </p:blipFill>
-        <p:spPr>
-          <a:xfrm>
-            <a:off x="0" y="0"/>
-            <a:ext cx="4613548" cy="3396994"/>
-          </a:xfrm>
-        </p:spPr>
-      </p:pic>
-      <p:sp>
-        <p:nvSpPr>
-          <p:cNvPr id="9" name="Espace réservé du contenu 8">
-            <a:extLst>
-              <a:ext uri="{FF2B5EF4-FFF2-40B4-BE49-F238E27FC236}">
-                <a16:creationId xmlns:a16="http://schemas.microsoft.com/office/drawing/2014/main" id="{469D770A-D8B9-4D5E-BB61-CD763E29DC55}"/>
-              </a:ext>
-            </a:extLst>
-          </p:cNvPr>
-          <p:cNvSpPr>
-            <a:spLocks noGrp="1"/>
-          </p:cNvSpPr>
-          <p:nvPr>
-            <p:ph idx="1"/>
-          </p:nvPr>
-        </p:nvSpPr>
-        <p:spPr>
-          <a:xfrm>
-            <a:off x="5205918" y="2353586"/>
-            <a:ext cx="6457717" cy="3767496"/>
-          </a:xfrm>
-        </p:spPr>
-        <p:txBody>
-          <a:bodyPr rtlCol="0">
-            <a:normAutofit fontScale="70000" lnSpcReduction="20000"/>
-          </a:bodyPr>
-          <a:lstStyle/>
-          <a:p>
-            <a:pPr rtl="0"/>
-            <a:r>
-              <a:rPr lang="fr-FR" dirty="0"/>
-              <a:t>La marketplace e-commerce de "Place de marché" permet à des vendeurs de proposer des articles à des acheteurs en postant une photo et une description. </a:t>
-            </a:r>
-          </a:p>
-          <a:p>
-            <a:pPr rtl="0"/>
-            <a:r>
-              <a:rPr lang="fr-FR" dirty="0"/>
-              <a:t>L'attribution de la catégorie d'un article est effectuée manuellement par les vendeurs, ce qui peut être peu fiable. </a:t>
-            </a:r>
-          </a:p>
-          <a:p>
-            <a:pPr rtl="0"/>
-            <a:r>
-              <a:rPr lang="fr-FR" sz="1900" b="1" dirty="0"/>
-              <a:t>Problématique :</a:t>
-            </a:r>
-          </a:p>
-          <a:p>
-            <a:pPr marL="285750" indent="-285750" rtl="0">
-              <a:buFont typeface="Arial" panose="020B0604020202020204" pitchFamily="34" charset="0"/>
-              <a:buChar char="•"/>
-            </a:pPr>
-            <a:r>
-              <a:rPr lang="fr-FR" sz="1800" b="1" dirty="0">
-                <a:solidFill>
-                  <a:schemeClr val="accent6">
-                    <a:lumMod val="75000"/>
-                  </a:schemeClr>
-                </a:solidFill>
-              </a:rPr>
-              <a:t>Pour améliorer l'expérience utilisateur</a:t>
-            </a:r>
-            <a:r>
-              <a:rPr lang="fr-FR" dirty="0"/>
-              <a:t>, il est donc </a:t>
-            </a:r>
-            <a:r>
-              <a:rPr lang="fr-FR" sz="1800" b="1" dirty="0">
-                <a:solidFill>
-                  <a:schemeClr val="accent6">
-                    <a:lumMod val="75000"/>
-                  </a:schemeClr>
-                </a:solidFill>
-              </a:rPr>
-              <a:t>nécessaire d'automatiser cette tâche</a:t>
-            </a:r>
-            <a:r>
-              <a:rPr lang="fr-FR" dirty="0"/>
-              <a:t> en créant un moteur de classification d'articles basé sur une image et une description. </a:t>
-            </a:r>
-          </a:p>
-          <a:p>
-            <a:pPr marL="285750" indent="-285750" rtl="0">
-              <a:buFont typeface="Arial" panose="020B0604020202020204" pitchFamily="34" charset="0"/>
-              <a:buChar char="•"/>
-            </a:pPr>
-            <a:r>
-              <a:rPr lang="fr-FR" dirty="0"/>
-              <a:t>La mission est de </a:t>
-            </a:r>
-            <a:r>
-              <a:rPr lang="fr-FR" sz="1800" b="1" dirty="0">
-                <a:solidFill>
-                  <a:schemeClr val="accent6">
-                    <a:lumMod val="75000"/>
-                  </a:schemeClr>
-                </a:solidFill>
-              </a:rPr>
-              <a:t>réaliser une étude de faisabilité pour ce moteur de classification</a:t>
-            </a:r>
-            <a:r>
-              <a:rPr lang="fr-FR" dirty="0"/>
-              <a:t>, en explorant les données et les différents modèles pour trouver la solution la plus adaptée, en regroupant automatiquement des produits de même catégorie à travers cette approche.</a:t>
-            </a:r>
-          </a:p>
-        </p:txBody>
-      </p:sp>
-      <p:sp>
-        <p:nvSpPr>
-          <p:cNvPr id="22" name="Espace réservé du pied de page 21">
-            <a:extLst>
-              <a:ext uri="{FF2B5EF4-FFF2-40B4-BE49-F238E27FC236}">
-                <a16:creationId xmlns:a16="http://schemas.microsoft.com/office/drawing/2014/main" id="{A0C89215-7880-40F7-A389-2C9A09EE3692}"/>
-              </a:ext>
-            </a:extLst>
-          </p:cNvPr>
-          <p:cNvSpPr>
-            <a:spLocks noGrp="1"/>
-          </p:cNvSpPr>
-          <p:nvPr>
-            <p:ph type="ftr" sz="quarter" idx="11"/>
-          </p:nvPr>
-        </p:nvSpPr>
-        <p:spPr>
-          <a:xfrm>
-            <a:off x="261906" y="6309360"/>
-            <a:ext cx="4097030" cy="457200"/>
-          </a:xfrm>
-        </p:spPr>
-        <p:txBody>
-          <a:bodyPr rtlCol="0"/>
-          <a:lstStyle/>
-          <a:p>
-            <a:pPr rtl="0"/>
-            <a:r>
-              <a:rPr lang="fr-FR"/>
-              <a:t>Etude de faisabilité d'un moteur de classification</a:t>
-            </a:r>
-          </a:p>
-        </p:txBody>
-      </p:sp>
-      <p:sp>
-        <p:nvSpPr>
-          <p:cNvPr id="2" name="Espace réservé de la date 1">
-            <a:extLst>
-              <a:ext uri="{FF2B5EF4-FFF2-40B4-BE49-F238E27FC236}">
-                <a16:creationId xmlns:a16="http://schemas.microsoft.com/office/drawing/2014/main" id="{D3FE66FD-2026-4582-A911-F6DABAE0514E}"/>
-              </a:ext>
-            </a:extLst>
-          </p:cNvPr>
-          <p:cNvSpPr>
-            <a:spLocks noGrp="1"/>
-          </p:cNvSpPr>
-          <p:nvPr>
-            <p:ph type="dt" sz="half" idx="10"/>
-          </p:nvPr>
-        </p:nvSpPr>
-        <p:spPr>
-          <a:xfrm>
-            <a:off x="5205303" y="6309360"/>
-            <a:ext cx="3411973" cy="457200"/>
-          </a:xfrm>
-        </p:spPr>
-        <p:txBody>
-          <a:bodyPr rtlCol="0"/>
-          <a:lstStyle/>
-          <a:p>
-            <a:pPr rtl="0"/>
-            <a:r>
-              <a:rPr lang="fr-FR"/>
-              <a:t>17/04/2023</a:t>
-            </a:r>
-            <a:endParaRPr lang="fr-FR" dirty="0"/>
-          </a:p>
-        </p:txBody>
-      </p:sp>
-      <p:sp>
-        <p:nvSpPr>
-          <p:cNvPr id="23" name="Espace réservé du numéro de diapositive 22">
-            <a:extLst>
-              <a:ext uri="{FF2B5EF4-FFF2-40B4-BE49-F238E27FC236}">
-                <a16:creationId xmlns:a16="http://schemas.microsoft.com/office/drawing/2014/main" id="{1CFAACA4-65B8-42F6-BCD5-C3D1E8D95F2A}"/>
-              </a:ext>
-            </a:extLst>
-          </p:cNvPr>
-          <p:cNvSpPr>
-            <a:spLocks noGrp="1"/>
-          </p:cNvSpPr>
-          <p:nvPr>
-            <p:ph type="sldNum" sz="quarter" idx="12"/>
-          </p:nvPr>
-        </p:nvSpPr>
-        <p:spPr>
-          <a:xfrm>
-            <a:off x="10569202" y="6309360"/>
-            <a:ext cx="979879" cy="457200"/>
-          </a:xfrm>
-        </p:spPr>
-        <p:txBody>
-          <a:bodyPr rtlCol="0"/>
-          <a:lstStyle/>
-          <a:p>
-            <a:pPr rtl="0"/>
-            <a:fld id="{FAEF9944-A4F6-4C59-AEBD-678D6480B8EA}" type="slidenum">
-              <a:rPr lang="fr-FR" smtClean="0"/>
-              <a:pPr rtl="0"/>
-              <a:t>2</a:t>
-            </a:fld>
-            <a:endParaRPr lang="fr-FR" dirty="0"/>
-          </a:p>
-        </p:txBody>
-      </p:sp>
-    </p:spTree>
-    <p:extLst>
-      <p:ext uri="{BB962C8B-B14F-4D97-AF65-F5344CB8AC3E}">
-        <p14:creationId xmlns:p14="http://schemas.microsoft.com/office/powerpoint/2010/main" val="1109332271"/>
-      </p:ext>
-    </p:extLst>
-  </p:cSld>
-  <p:clrMapOvr>
-    <a:masterClrMapping/>
-  </p:clrMapOvr>
-</p:sld>
-</file>
-
-<file path=ppt/slides/slide20.xml><?xml version="1.0" encoding="utf-8"?>
+<file path=ppt/slides/slide21.xml><?xml version="1.0" encoding="utf-8"?>
 <p:sld xmlns:a="http://schemas.openxmlformats.org/drawingml/2006/main" xmlns:r="http://schemas.openxmlformats.org/officeDocument/2006/relationships" xmlns:p="http://schemas.openxmlformats.org/presentationml/2006/main">
   <p:cSld>
     <p:spTree>
@@ -26391,7 +26750,7 @@
             <a:fld id="{FAEF9944-A4F6-4C59-AEBD-678D6480B8EA}" type="slidenum">
               <a:rPr lang="fr-FR" smtClean="0"/>
               <a:pPr rtl="0"/>
-              <a:t>20</a:t>
+              <a:t>21</a:t>
             </a:fld>
             <a:endParaRPr lang="fr-FR" dirty="0"/>
           </a:p>
@@ -26401,205 +26760,6 @@
     <p:extLst>
       <p:ext uri="{BB962C8B-B14F-4D97-AF65-F5344CB8AC3E}">
         <p14:creationId xmlns:p14="http://schemas.microsoft.com/office/powerpoint/2010/main" val="3185117035"/>
-      </p:ext>
-    </p:extLst>
-  </p:cSld>
-  <p:clrMapOvr>
-    <a:masterClrMapping/>
-  </p:clrMapOvr>
-</p:sld>
-</file>
-
-<file path=ppt/slides/slide21.xml><?xml version="1.0" encoding="utf-8"?>
-<p:sld xmlns:a="http://schemas.openxmlformats.org/drawingml/2006/main" xmlns:r="http://schemas.openxmlformats.org/officeDocument/2006/relationships" xmlns:p="http://schemas.openxmlformats.org/presentationml/2006/main">
-  <p:cSld>
-    <p:spTree>
-      <p:nvGrpSpPr>
-        <p:cNvPr id="1" name=""/>
-        <p:cNvGrpSpPr/>
-        <p:nvPr/>
-      </p:nvGrpSpPr>
-      <p:grpSpPr>
-        <a:xfrm>
-          <a:off x="0" y="0"/>
-          <a:ext cx="0" cy="0"/>
-          <a:chOff x="0" y="0"/>
-          <a:chExt cx="0" cy="0"/>
-        </a:xfrm>
-      </p:grpSpPr>
-      <p:sp>
-        <p:nvSpPr>
-          <p:cNvPr id="8" name="Titre 7">
-            <a:extLst>
-              <a:ext uri="{FF2B5EF4-FFF2-40B4-BE49-F238E27FC236}">
-                <a16:creationId xmlns:a16="http://schemas.microsoft.com/office/drawing/2014/main" id="{A7F75F49-C034-480C-BF42-A457B92F91A0}"/>
-              </a:ext>
-            </a:extLst>
-          </p:cNvPr>
-          <p:cNvSpPr>
-            <a:spLocks noGrp="1"/>
-          </p:cNvSpPr>
-          <p:nvPr>
-            <p:ph type="title"/>
-          </p:nvPr>
-        </p:nvSpPr>
-        <p:spPr>
-          <a:xfrm>
-            <a:off x="1535372" y="4872251"/>
-            <a:ext cx="10013709" cy="1030360"/>
-          </a:xfrm>
-        </p:spPr>
-        <p:txBody>
-          <a:bodyPr rtlCol="0"/>
-          <a:lstStyle/>
-          <a:p>
-            <a:pPr rtl="0"/>
-            <a:r>
-              <a:rPr lang="fr-FR"/>
-              <a:t>Équipe</a:t>
-            </a:r>
-          </a:p>
-        </p:txBody>
-      </p:sp>
-      <p:sp>
-        <p:nvSpPr>
-          <p:cNvPr id="4" name="Espace réservé du pied de page 3">
-            <a:extLst>
-              <a:ext uri="{FF2B5EF4-FFF2-40B4-BE49-F238E27FC236}">
-                <a16:creationId xmlns:a16="http://schemas.microsoft.com/office/drawing/2014/main" id="{BDE43692-0C8D-4CD7-B6E4-87299B4930CC}"/>
-              </a:ext>
-            </a:extLst>
-          </p:cNvPr>
-          <p:cNvSpPr>
-            <a:spLocks noGrp="1"/>
-          </p:cNvSpPr>
-          <p:nvPr>
-            <p:ph type="ftr" sz="quarter" idx="11"/>
-          </p:nvPr>
-        </p:nvSpPr>
-        <p:spPr>
-          <a:xfrm>
-            <a:off x="1535372" y="6309360"/>
-            <a:ext cx="4946592" cy="457200"/>
-          </a:xfrm>
-        </p:spPr>
-        <p:txBody>
-          <a:bodyPr rtlCol="0"/>
-          <a:lstStyle/>
-          <a:p>
-            <a:pPr rtl="0"/>
-            <a:r>
-              <a:rPr lang="fr-FR"/>
-              <a:t>Etude de faisabilité d'un moteur de classification</a:t>
-            </a:r>
-          </a:p>
-        </p:txBody>
-      </p:sp>
-      <p:sp>
-        <p:nvSpPr>
-          <p:cNvPr id="3" name="Espace réservé de la date 2">
-            <a:extLst>
-              <a:ext uri="{FF2B5EF4-FFF2-40B4-BE49-F238E27FC236}">
-                <a16:creationId xmlns:a16="http://schemas.microsoft.com/office/drawing/2014/main" id="{A4C1E5CE-E700-4051-9A1B-74392F9F7C23}"/>
-              </a:ext>
-            </a:extLst>
-          </p:cNvPr>
-          <p:cNvSpPr>
-            <a:spLocks noGrp="1"/>
-          </p:cNvSpPr>
-          <p:nvPr>
-            <p:ph type="dt" sz="half" idx="10"/>
-          </p:nvPr>
-        </p:nvSpPr>
-        <p:spPr>
-          <a:xfrm>
-            <a:off x="8202168" y="6309360"/>
-            <a:ext cx="2148840" cy="457200"/>
-          </a:xfrm>
-        </p:spPr>
-        <p:txBody>
-          <a:bodyPr rtlCol="0"/>
-          <a:lstStyle/>
-          <a:p>
-            <a:pPr rtl="0"/>
-            <a:r>
-              <a:rPr lang="fr-FR"/>
-              <a:t>17/04/2023</a:t>
-            </a:r>
-            <a:endParaRPr lang="fr-FR" dirty="0"/>
-          </a:p>
-        </p:txBody>
-      </p:sp>
-      <p:sp>
-        <p:nvSpPr>
-          <p:cNvPr id="5" name="Espace réservé du numéro de diapositive 4">
-            <a:extLst>
-              <a:ext uri="{FF2B5EF4-FFF2-40B4-BE49-F238E27FC236}">
-                <a16:creationId xmlns:a16="http://schemas.microsoft.com/office/drawing/2014/main" id="{83284A8D-A9ED-4EB8-B282-A34AB39E8F3B}"/>
-              </a:ext>
-            </a:extLst>
-          </p:cNvPr>
-          <p:cNvSpPr>
-            <a:spLocks noGrp="1"/>
-          </p:cNvSpPr>
-          <p:nvPr>
-            <p:ph type="sldNum" sz="quarter" idx="12"/>
-          </p:nvPr>
-        </p:nvSpPr>
-        <p:spPr>
-          <a:xfrm>
-            <a:off x="10569202" y="6309360"/>
-            <a:ext cx="979879" cy="457200"/>
-          </a:xfrm>
-        </p:spPr>
-        <p:txBody>
-          <a:bodyPr rtlCol="0"/>
-          <a:lstStyle/>
-          <a:p>
-            <a:pPr rtl="0"/>
-            <a:fld id="{FAEF9944-A4F6-4C59-AEBD-678D6480B8EA}" type="slidenum">
-              <a:rPr lang="fr-FR" smtClean="0"/>
-              <a:pPr rtl="0"/>
-              <a:t>21</a:t>
-            </a:fld>
-            <a:endParaRPr lang="fr-FR" dirty="0"/>
-          </a:p>
-        </p:txBody>
-      </p:sp>
-      <p:graphicFrame>
-        <p:nvGraphicFramePr>
-          <p:cNvPr id="2" name="Espace réservé du contenu 2" descr="Espace réservé de l’équipe Smart Art">
-            <a:extLst>
-              <a:ext uri="{FF2B5EF4-FFF2-40B4-BE49-F238E27FC236}">
-                <a16:creationId xmlns:a16="http://schemas.microsoft.com/office/drawing/2014/main" id="{D944B6B8-A215-4060-BEBF-ED11AE44F980}"/>
-              </a:ext>
-            </a:extLst>
-          </p:cNvPr>
-          <p:cNvGraphicFramePr>
-            <a:graphicFrameLocks/>
-          </p:cNvGraphicFramePr>
-          <p:nvPr>
-            <p:extLst>
-              <p:ext uri="{D42A27DB-BD31-4B8C-83A1-F6EECF244321}">
-                <p14:modId xmlns:p14="http://schemas.microsoft.com/office/powerpoint/2010/main" val="3188472640"/>
-              </p:ext>
-            </p:extLst>
-          </p:nvPr>
-        </p:nvGraphicFramePr>
-        <p:xfrm>
-          <a:off x="1452678" y="377707"/>
-          <a:ext cx="10336566" cy="3942838"/>
-        </p:xfrm>
-        <a:graphic>
-          <a:graphicData uri="http://schemas.openxmlformats.org/drawingml/2006/diagram">
-            <dgm:relIds xmlns:dgm="http://schemas.openxmlformats.org/drawingml/2006/diagram" xmlns:r="http://schemas.openxmlformats.org/officeDocument/2006/relationships" r:dm="rId3" r:lo="rId4" r:qs="rId5" r:cs="rId6"/>
-          </a:graphicData>
-        </a:graphic>
-      </p:graphicFrame>
-    </p:spTree>
-    <p:extLst>
-      <p:ext uri="{BB962C8B-B14F-4D97-AF65-F5344CB8AC3E}">
-        <p14:creationId xmlns:p14="http://schemas.microsoft.com/office/powerpoint/2010/main" val="2069271734"/>
       </p:ext>
     </p:extLst>
   </p:cSld>
@@ -26628,10 +26788,10 @@
       </p:grpSpPr>
       <p:sp>
         <p:nvSpPr>
-          <p:cNvPr id="6" name="Titre 5">
-            <a:extLst>
-              <a:ext uri="{FF2B5EF4-FFF2-40B4-BE49-F238E27FC236}">
-                <a16:creationId xmlns:a16="http://schemas.microsoft.com/office/drawing/2014/main" id="{59EFE67E-60AE-41C6-B6C4-7FC54FE38305}"/>
+          <p:cNvPr id="8" name="Titre 7">
+            <a:extLst>
+              <a:ext uri="{FF2B5EF4-FFF2-40B4-BE49-F238E27FC236}">
+                <a16:creationId xmlns:a16="http://schemas.microsoft.com/office/drawing/2014/main" id="{A7F75F49-C034-480C-BF42-A457B92F91A0}"/>
               </a:ext>
             </a:extLst>
           </p:cNvPr>
@@ -26655,17 +26815,17 @@
             <a:pPr rtl="0"/>
             <a:r>
               <a:rPr lang="fr-FR"/>
-              <a:t>Chronologie</a:t>
-            </a:r>
-          </a:p>
-        </p:txBody>
-      </p:sp>
-      <p:sp>
-        <p:nvSpPr>
-          <p:cNvPr id="3" name="Espace réservé du pied de page 2">
-            <a:extLst>
-              <a:ext uri="{FF2B5EF4-FFF2-40B4-BE49-F238E27FC236}">
-                <a16:creationId xmlns:a16="http://schemas.microsoft.com/office/drawing/2014/main" id="{291BF2BA-ADC4-4A71-B4A0-9B3047AA9288}"/>
+              <a:t>Équipe</a:t>
+            </a:r>
+          </a:p>
+        </p:txBody>
+      </p:sp>
+      <p:sp>
+        <p:nvSpPr>
+          <p:cNvPr id="4" name="Espace réservé du pied de page 3">
+            <a:extLst>
+              <a:ext uri="{FF2B5EF4-FFF2-40B4-BE49-F238E27FC236}">
+                <a16:creationId xmlns:a16="http://schemas.microsoft.com/office/drawing/2014/main" id="{BDE43692-0C8D-4CD7-B6E4-87299B4930CC}"/>
               </a:ext>
             </a:extLst>
           </p:cNvPr>
@@ -26696,10 +26856,10 @@
       </p:sp>
       <p:sp>
         <p:nvSpPr>
-          <p:cNvPr id="4" name="Espace réservé de la date 3">
-            <a:extLst>
-              <a:ext uri="{FF2B5EF4-FFF2-40B4-BE49-F238E27FC236}">
-                <a16:creationId xmlns:a16="http://schemas.microsoft.com/office/drawing/2014/main" id="{699A676C-CDB5-49C8-B5BA-20BD3594AD95}"/>
+          <p:cNvPr id="3" name="Espace réservé de la date 2">
+            <a:extLst>
+              <a:ext uri="{FF2B5EF4-FFF2-40B4-BE49-F238E27FC236}">
+                <a16:creationId xmlns:a16="http://schemas.microsoft.com/office/drawing/2014/main" id="{A4C1E5CE-E700-4051-9A1B-74392F9F7C23}"/>
               </a:ext>
             </a:extLst>
           </p:cNvPr>
@@ -26734,7 +26894,7 @@
           <p:cNvPr id="5" name="Espace réservé du numéro de diapositive 4">
             <a:extLst>
               <a:ext uri="{FF2B5EF4-FFF2-40B4-BE49-F238E27FC236}">
-                <a16:creationId xmlns:a16="http://schemas.microsoft.com/office/drawing/2014/main" id="{46B20231-9711-4B47-A80C-85346582D3DF}"/>
+                <a16:creationId xmlns:a16="http://schemas.microsoft.com/office/drawing/2014/main" id="{83284A8D-A9ED-4EB8-B282-A34AB39E8F3B}"/>
               </a:ext>
             </a:extLst>
           </p:cNvPr>
@@ -26767,10 +26927,10 @@
       </p:sp>
       <p:graphicFrame>
         <p:nvGraphicFramePr>
-          <p:cNvPr id="9" name="Espace réservé du contenu 3" descr="Espace réservé de chronologie Smart Art">
-            <a:extLst>
-              <a:ext uri="{FF2B5EF4-FFF2-40B4-BE49-F238E27FC236}">
-                <a16:creationId xmlns:a16="http://schemas.microsoft.com/office/drawing/2014/main" id="{34466B8E-B3C3-4427-AD0D-6EE575A4212C}"/>
+          <p:cNvPr id="2" name="Espace réservé du contenu 2" descr="Espace réservé de l’équipe Smart Art">
+            <a:extLst>
+              <a:ext uri="{FF2B5EF4-FFF2-40B4-BE49-F238E27FC236}">
+                <a16:creationId xmlns:a16="http://schemas.microsoft.com/office/drawing/2014/main" id="{D944B6B8-A215-4060-BEBF-ED11AE44F980}"/>
               </a:ext>
             </a:extLst>
           </p:cNvPr>
@@ -26780,25 +26940,25 @@
           <p:nvPr>
             <p:extLst>
               <p:ext uri="{D42A27DB-BD31-4B8C-83A1-F6EECF244321}">
-                <p14:modId xmlns:p14="http://schemas.microsoft.com/office/powerpoint/2010/main" val="2154948071"/>
+                <p14:modId xmlns:p14="http://schemas.microsoft.com/office/powerpoint/2010/main" val="3188472640"/>
               </p:ext>
             </p:extLst>
           </p:nvPr>
         </p:nvGraphicFramePr>
         <p:xfrm>
-          <a:off x="1637082" y="279567"/>
-          <a:ext cx="10013709" cy="4143656"/>
+          <a:off x="1452678" y="377707"/>
+          <a:ext cx="10336566" cy="3942838"/>
         </p:xfrm>
         <a:graphic>
           <a:graphicData uri="http://schemas.openxmlformats.org/drawingml/2006/diagram">
-            <dgm:relIds xmlns:dgm="http://schemas.openxmlformats.org/drawingml/2006/diagram" xmlns:r="http://schemas.openxmlformats.org/officeDocument/2006/relationships" r:dm="rId2" r:lo="rId3" r:qs="rId4" r:cs="rId5"/>
+            <dgm:relIds xmlns:dgm="http://schemas.openxmlformats.org/drawingml/2006/diagram" xmlns:r="http://schemas.openxmlformats.org/officeDocument/2006/relationships" r:dm="rId3" r:lo="rId4" r:qs="rId5" r:cs="rId6"/>
           </a:graphicData>
         </a:graphic>
       </p:graphicFrame>
     </p:spTree>
     <p:extLst>
       <p:ext uri="{BB962C8B-B14F-4D97-AF65-F5344CB8AC3E}">
-        <p14:creationId xmlns:p14="http://schemas.microsoft.com/office/powerpoint/2010/main" val="2059018563"/>
+        <p14:creationId xmlns:p14="http://schemas.microsoft.com/office/powerpoint/2010/main" val="2069271734"/>
       </p:ext>
     </p:extLst>
   </p:cSld>
@@ -26827,10 +26987,10 @@
       </p:grpSpPr>
       <p:sp>
         <p:nvSpPr>
-          <p:cNvPr id="4" name="Titre 3">
-            <a:extLst>
-              <a:ext uri="{FF2B5EF4-FFF2-40B4-BE49-F238E27FC236}">
-                <a16:creationId xmlns:a16="http://schemas.microsoft.com/office/drawing/2014/main" id="{C0235702-D252-448C-B19A-B3316C4F88E2}"/>
+          <p:cNvPr id="6" name="Titre 5">
+            <a:extLst>
+              <a:ext uri="{FF2B5EF4-FFF2-40B4-BE49-F238E27FC236}">
+                <a16:creationId xmlns:a16="http://schemas.microsoft.com/office/drawing/2014/main" id="{59EFE67E-60AE-41C6-B6C4-7FC54FE38305}"/>
               </a:ext>
             </a:extLst>
           </p:cNvPr>
@@ -26843,30 +27003,28 @@
         </p:nvSpPr>
         <p:spPr>
           <a:xfrm>
-            <a:off x="648935" y="180644"/>
-            <a:ext cx="10900146" cy="935776"/>
+            <a:off x="1535372" y="4872251"/>
+            <a:ext cx="10013709" cy="1030360"/>
           </a:xfrm>
         </p:spPr>
         <p:txBody>
-          <a:bodyPr rtlCol="0">
-            <a:noAutofit/>
-          </a:bodyPr>
+          <a:bodyPr rtlCol="0"/>
           <a:lstStyle/>
           <a:p>
             <a:pPr rtl="0"/>
             <a:r>
               <a:rPr lang="fr-FR"/>
-              <a:t>Contenu</a:t>
-            </a:r>
-          </a:p>
-        </p:txBody>
-      </p:sp>
-      <p:sp>
-        <p:nvSpPr>
-          <p:cNvPr id="8" name="Espace réservé du contenu 7">
-            <a:extLst>
-              <a:ext uri="{FF2B5EF4-FFF2-40B4-BE49-F238E27FC236}">
-                <a16:creationId xmlns:a16="http://schemas.microsoft.com/office/drawing/2014/main" id="{CED188D3-E97C-4E64-AEC5-BA2CE083B7F3}"/>
+              <a:t>Chronologie</a:t>
+            </a:r>
+          </a:p>
+        </p:txBody>
+      </p:sp>
+      <p:sp>
+        <p:nvSpPr>
+          <p:cNvPr id="3" name="Espace réservé du pied de page 2">
+            <a:extLst>
+              <a:ext uri="{FF2B5EF4-FFF2-40B4-BE49-F238E27FC236}">
+                <a16:creationId xmlns:a16="http://schemas.microsoft.com/office/drawing/2014/main" id="{291BF2BA-ADC4-4A71-B4A0-9B3047AA9288}"/>
               </a:ext>
             </a:extLst>
           </p:cNvPr>
@@ -26874,35 +27032,33 @@
             <a:spLocks noGrp="1"/>
           </p:cNvSpPr>
           <p:nvPr>
-            <p:ph idx="14"/>
+            <p:ph type="ftr" sz="quarter" idx="11"/>
           </p:nvPr>
         </p:nvSpPr>
         <p:spPr>
           <a:xfrm>
-            <a:off x="648934" y="1834005"/>
-            <a:ext cx="4727735" cy="465155"/>
+            <a:off x="1535372" y="6309360"/>
+            <a:ext cx="4946592" cy="457200"/>
           </a:xfrm>
         </p:spPr>
         <p:txBody>
-          <a:bodyPr rtlCol="0">
-            <a:noAutofit/>
-          </a:bodyPr>
+          <a:bodyPr rtlCol="0"/>
           <a:lstStyle/>
           <a:p>
             <a:pPr rtl="0"/>
             <a:r>
-              <a:rPr lang="fr-FR" dirty="0"/>
-              <a:t>Sous-titre</a:t>
-            </a:r>
-          </a:p>
-        </p:txBody>
-      </p:sp>
-      <p:sp>
-        <p:nvSpPr>
-          <p:cNvPr id="5" name="Espace réservé du contenu 4">
-            <a:extLst>
-              <a:ext uri="{FF2B5EF4-FFF2-40B4-BE49-F238E27FC236}">
-                <a16:creationId xmlns:a16="http://schemas.microsoft.com/office/drawing/2014/main" id="{8D8FE1B0-9E5F-4C60-B1BF-E3D551EDCF6C}"/>
+              <a:rPr lang="fr-FR"/>
+              <a:t>Etude de faisabilité d'un moteur de classification</a:t>
+            </a:r>
+          </a:p>
+        </p:txBody>
+      </p:sp>
+      <p:sp>
+        <p:nvSpPr>
+          <p:cNvPr id="4" name="Espace réservé de la date 3">
+            <a:extLst>
+              <a:ext uri="{FF2B5EF4-FFF2-40B4-BE49-F238E27FC236}">
+                <a16:creationId xmlns:a16="http://schemas.microsoft.com/office/drawing/2014/main" id="{699A676C-CDB5-49C8-B5BA-20BD3594AD95}"/>
               </a:ext>
             </a:extLst>
           </p:cNvPr>
@@ -26910,186 +27066,16 @@
             <a:spLocks noGrp="1"/>
           </p:cNvSpPr>
           <p:nvPr>
-            <p:ph idx="1"/>
+            <p:ph type="dt" sz="half" idx="10"/>
           </p:nvPr>
         </p:nvSpPr>
         <p:spPr>
           <a:xfrm>
-            <a:off x="648934" y="2422380"/>
-            <a:ext cx="4727735" cy="3029446"/>
+            <a:off x="8202168" y="6309360"/>
+            <a:ext cx="2148840" cy="457200"/>
           </a:xfrm>
         </p:spPr>
         <p:txBody>
-          <a:bodyPr rtlCol="0">
-            <a:noAutofit/>
-          </a:bodyPr>
-          <a:lstStyle/>
-          <a:p>
-            <a:pPr rtl="0"/>
-            <a:r>
-              <a:rPr lang="fr-FR" dirty="0"/>
-              <a:t>Ajoutez du texte, des images, des dessins et des vidéos. </a:t>
-            </a:r>
-          </a:p>
-          <a:p>
-            <a:pPr rtl="0"/>
-            <a:r>
-              <a:rPr lang="fr-FR" dirty="0"/>
-              <a:t>Ajoutez des transitions, des animations et des mouvements.</a:t>
-            </a:r>
-          </a:p>
-          <a:p>
-            <a:pPr rtl="0"/>
-            <a:r>
-              <a:rPr lang="fr-FR" dirty="0"/>
-              <a:t>Enregistrez sur OneDrive et accédez à vos présentations à partir de votre ordinateur, tablette ou téléphone. </a:t>
-            </a:r>
-          </a:p>
-        </p:txBody>
-      </p:sp>
-      <p:sp>
-        <p:nvSpPr>
-          <p:cNvPr id="10" name="Espace réservé du contenu 9">
-            <a:extLst>
-              <a:ext uri="{FF2B5EF4-FFF2-40B4-BE49-F238E27FC236}">
-                <a16:creationId xmlns:a16="http://schemas.microsoft.com/office/drawing/2014/main" id="{734818E9-4459-4052-A157-BAEE61330BF3}"/>
-              </a:ext>
-            </a:extLst>
-          </p:cNvPr>
-          <p:cNvSpPr>
-            <a:spLocks noGrp="1"/>
-          </p:cNvSpPr>
-          <p:nvPr>
-            <p:ph idx="15"/>
-          </p:nvPr>
-        </p:nvSpPr>
-        <p:spPr>
-          <a:xfrm>
-            <a:off x="6095999" y="1834004"/>
-            <a:ext cx="4727735" cy="465155"/>
-          </a:xfrm>
-        </p:spPr>
-        <p:txBody>
-          <a:bodyPr rtlCol="0">
-            <a:noAutofit/>
-          </a:bodyPr>
-          <a:lstStyle/>
-          <a:p>
-            <a:pPr rtl="0"/>
-            <a:r>
-              <a:rPr lang="fr-FR"/>
-              <a:t>Sous-titre</a:t>
-            </a:r>
-          </a:p>
-        </p:txBody>
-      </p:sp>
-      <p:sp>
-        <p:nvSpPr>
-          <p:cNvPr id="6" name="Espace réservé du contenu 5">
-            <a:extLst>
-              <a:ext uri="{FF2B5EF4-FFF2-40B4-BE49-F238E27FC236}">
-                <a16:creationId xmlns:a16="http://schemas.microsoft.com/office/drawing/2014/main" id="{D87483D8-EA65-4964-99D7-AF7C1B80C93A}"/>
-              </a:ext>
-            </a:extLst>
-          </p:cNvPr>
-          <p:cNvSpPr>
-            <a:spLocks noGrp="1"/>
-          </p:cNvSpPr>
-          <p:nvPr>
-            <p:ph idx="13"/>
-          </p:nvPr>
-        </p:nvSpPr>
-        <p:spPr>
-          <a:xfrm>
-            <a:off x="6095999" y="2422380"/>
-            <a:ext cx="4727735" cy="3029446"/>
-          </a:xfrm>
-        </p:spPr>
-        <p:txBody>
-          <a:bodyPr rtlCol="0">
-            <a:noAutofit/>
-          </a:bodyPr>
-          <a:lstStyle/>
-          <a:p>
-            <a:pPr rtl="0"/>
-            <a:r>
-              <a:rPr lang="fr-FR" dirty="0"/>
-              <a:t>Ajoutez du texte, des images, des dessins et des vidéos. </a:t>
-            </a:r>
-          </a:p>
-          <a:p>
-            <a:pPr rtl="0"/>
-            <a:r>
-              <a:rPr lang="fr-FR" dirty="0"/>
-              <a:t>Ajoutez des transitions, des animations et des mouvements.</a:t>
-            </a:r>
-          </a:p>
-          <a:p>
-            <a:pPr rtl="0"/>
-            <a:r>
-              <a:rPr lang="fr-FR" dirty="0"/>
-              <a:t>Enregistrez sur OneDrive pour accéder à vos présentations à partir de votre ordinateur, tablette ou téléphone. </a:t>
-            </a:r>
-          </a:p>
-        </p:txBody>
-      </p:sp>
-      <p:sp>
-        <p:nvSpPr>
-          <p:cNvPr id="15" name="Espace réservé du pied de page 14">
-            <a:extLst>
-              <a:ext uri="{FF2B5EF4-FFF2-40B4-BE49-F238E27FC236}">
-                <a16:creationId xmlns:a16="http://schemas.microsoft.com/office/drawing/2014/main" id="{4BB4EE3B-13B9-414C-9B6C-C111B789ED0C}"/>
-              </a:ext>
-            </a:extLst>
-          </p:cNvPr>
-          <p:cNvSpPr>
-            <a:spLocks noGrp="1"/>
-          </p:cNvSpPr>
-          <p:nvPr>
-            <p:ph type="ftr" sz="quarter" idx="11"/>
-          </p:nvPr>
-        </p:nvSpPr>
-        <p:spPr>
-          <a:xfrm>
-            <a:off x="642917" y="6309360"/>
-            <a:ext cx="3423986" cy="457200"/>
-          </a:xfrm>
-        </p:spPr>
-        <p:txBody>
-          <a:bodyPr rtlCol="0"/>
-          <a:lstStyle/>
-          <a:p>
-            <a:pPr rtl="0"/>
-            <a:r>
-              <a:rPr lang="fr-FR"/>
-              <a:t>Etude de faisabilité d'un moteur de classification</a:t>
-            </a:r>
-          </a:p>
-        </p:txBody>
-      </p:sp>
-      <p:sp>
-        <p:nvSpPr>
-          <p:cNvPr id="14" name="Espace réservé de la date 13">
-            <a:extLst>
-              <a:ext uri="{FF2B5EF4-FFF2-40B4-BE49-F238E27FC236}">
-                <a16:creationId xmlns:a16="http://schemas.microsoft.com/office/drawing/2014/main" id="{7C52191A-A01A-4BD8-A7AB-CB4BB654D26C}"/>
-              </a:ext>
-            </a:extLst>
-          </p:cNvPr>
-          <p:cNvSpPr>
-            <a:spLocks noGrp="1"/>
-          </p:cNvSpPr>
-          <p:nvPr>
-            <p:ph type="dt" sz="half" idx="10"/>
-          </p:nvPr>
-        </p:nvSpPr>
-        <p:spPr>
-          <a:xfrm>
-            <a:off x="5373620" y="6309360"/>
-            <a:ext cx="3411973" cy="457200"/>
-          </a:xfrm>
-        </p:spPr>
-        <p:txBody>
           <a:bodyPr rtlCol="0"/>
           <a:lstStyle/>
           <a:p>
@@ -27104,10 +27090,10 @@
       </p:sp>
       <p:sp>
         <p:nvSpPr>
-          <p:cNvPr id="16" name="Espace réservé du numéro de diapositive 15">
-            <a:extLst>
-              <a:ext uri="{FF2B5EF4-FFF2-40B4-BE49-F238E27FC236}">
-                <a16:creationId xmlns:a16="http://schemas.microsoft.com/office/drawing/2014/main" id="{533E7CD9-5271-46B0-BE9D-C03F6CFC6818}"/>
+          <p:cNvPr id="5" name="Espace réservé du numéro de diapositive 4">
+            <a:extLst>
+              <a:ext uri="{FF2B5EF4-FFF2-40B4-BE49-F238E27FC236}">
+                <a16:creationId xmlns:a16="http://schemas.microsoft.com/office/drawing/2014/main" id="{46B20231-9711-4B47-A80C-85346582D3DF}"/>
               </a:ext>
             </a:extLst>
           </p:cNvPr>
@@ -27138,10 +27124,40 @@
           </a:p>
         </p:txBody>
       </p:sp>
+      <p:graphicFrame>
+        <p:nvGraphicFramePr>
+          <p:cNvPr id="9" name="Espace réservé du contenu 3" descr="Espace réservé de chronologie Smart Art">
+            <a:extLst>
+              <a:ext uri="{FF2B5EF4-FFF2-40B4-BE49-F238E27FC236}">
+                <a16:creationId xmlns:a16="http://schemas.microsoft.com/office/drawing/2014/main" id="{34466B8E-B3C3-4427-AD0D-6EE575A4212C}"/>
+              </a:ext>
+            </a:extLst>
+          </p:cNvPr>
+          <p:cNvGraphicFramePr>
+            <a:graphicFrameLocks/>
+          </p:cNvGraphicFramePr>
+          <p:nvPr>
+            <p:extLst>
+              <p:ext uri="{D42A27DB-BD31-4B8C-83A1-F6EECF244321}">
+                <p14:modId xmlns:p14="http://schemas.microsoft.com/office/powerpoint/2010/main" val="2154948071"/>
+              </p:ext>
+            </p:extLst>
+          </p:nvPr>
+        </p:nvGraphicFramePr>
+        <p:xfrm>
+          <a:off x="1637082" y="279567"/>
+          <a:ext cx="10013709" cy="4143656"/>
+        </p:xfrm>
+        <a:graphic>
+          <a:graphicData uri="http://schemas.openxmlformats.org/drawingml/2006/diagram">
+            <dgm:relIds xmlns:dgm="http://schemas.openxmlformats.org/drawingml/2006/diagram" xmlns:r="http://schemas.openxmlformats.org/officeDocument/2006/relationships" r:dm="rId2" r:lo="rId3" r:qs="rId4" r:cs="rId5"/>
+          </a:graphicData>
+        </a:graphic>
+      </p:graphicFrame>
     </p:spTree>
     <p:extLst>
       <p:ext uri="{BB962C8B-B14F-4D97-AF65-F5344CB8AC3E}">
-        <p14:creationId xmlns:p14="http://schemas.microsoft.com/office/powerpoint/2010/main" val="2960976296"/>
+        <p14:creationId xmlns:p14="http://schemas.microsoft.com/office/powerpoint/2010/main" val="2059018563"/>
       </p:ext>
     </p:extLst>
   </p:cSld>
@@ -27170,10 +27186,10 @@
       </p:grpSpPr>
       <p:sp>
         <p:nvSpPr>
-          <p:cNvPr id="10" name="Titre 9">
-            <a:extLst>
-              <a:ext uri="{FF2B5EF4-FFF2-40B4-BE49-F238E27FC236}">
-                <a16:creationId xmlns:a16="http://schemas.microsoft.com/office/drawing/2014/main" id="{8D0AE722-3A17-4292-8B0C-015DEE23F973}"/>
+          <p:cNvPr id="4" name="Titre 3">
+            <a:extLst>
+              <a:ext uri="{FF2B5EF4-FFF2-40B4-BE49-F238E27FC236}">
+                <a16:creationId xmlns:a16="http://schemas.microsoft.com/office/drawing/2014/main" id="{C0235702-D252-448C-B19A-B3316C4F88E2}"/>
               </a:ext>
             </a:extLst>
           </p:cNvPr>
@@ -27199,17 +27215,17 @@
             <a:pPr rtl="0"/>
             <a:r>
               <a:rPr lang="fr-FR"/>
-              <a:t>Contenu 2</a:t>
-            </a:r>
-          </a:p>
-        </p:txBody>
-      </p:sp>
-      <p:sp>
-        <p:nvSpPr>
-          <p:cNvPr id="12" name="Espace réservé du contenu 11">
-            <a:extLst>
-              <a:ext uri="{FF2B5EF4-FFF2-40B4-BE49-F238E27FC236}">
-                <a16:creationId xmlns:a16="http://schemas.microsoft.com/office/drawing/2014/main" id="{DA519990-3C01-4761-BF8E-8A8BC2C56B38}"/>
+              <a:t>Contenu</a:t>
+            </a:r>
+          </a:p>
+        </p:txBody>
+      </p:sp>
+      <p:sp>
+        <p:nvSpPr>
+          <p:cNvPr id="8" name="Espace réservé du contenu 7">
+            <a:extLst>
+              <a:ext uri="{FF2B5EF4-FFF2-40B4-BE49-F238E27FC236}">
+                <a16:creationId xmlns:a16="http://schemas.microsoft.com/office/drawing/2014/main" id="{CED188D3-E97C-4E64-AEC5-BA2CE083B7F3}"/>
               </a:ext>
             </a:extLst>
           </p:cNvPr>
@@ -27222,12 +27238,14 @@
         </p:nvSpPr>
         <p:spPr>
           <a:xfrm>
-            <a:off x="648935" y="1834005"/>
-            <a:ext cx="3519028" cy="465155"/>
+            <a:off x="648934" y="1834005"/>
+            <a:ext cx="4727735" cy="465155"/>
           </a:xfrm>
         </p:spPr>
         <p:txBody>
-          <a:bodyPr rtlCol="0"/>
+          <a:bodyPr rtlCol="0">
+            <a:noAutofit/>
+          </a:bodyPr>
           <a:lstStyle/>
           <a:p>
             <a:pPr rtl="0"/>
@@ -27240,10 +27258,10 @@
       </p:sp>
       <p:sp>
         <p:nvSpPr>
-          <p:cNvPr id="11" name="Espace réservé du contenu 10">
-            <a:extLst>
-              <a:ext uri="{FF2B5EF4-FFF2-40B4-BE49-F238E27FC236}">
-                <a16:creationId xmlns:a16="http://schemas.microsoft.com/office/drawing/2014/main" id="{0ED48AB2-7B87-4FA9-90BB-0B88AD92D396}"/>
+          <p:cNvPr id="5" name="Espace réservé du contenu 4">
+            <a:extLst>
+              <a:ext uri="{FF2B5EF4-FFF2-40B4-BE49-F238E27FC236}">
+                <a16:creationId xmlns:a16="http://schemas.microsoft.com/office/drawing/2014/main" id="{8D8FE1B0-9E5F-4C60-B1BF-E3D551EDCF6C}"/>
               </a:ext>
             </a:extLst>
           </p:cNvPr>
@@ -27256,8 +27274,8 @@
         </p:nvSpPr>
         <p:spPr>
           <a:xfrm>
-            <a:off x="648935" y="2419555"/>
-            <a:ext cx="3519028" cy="3197260"/>
+            <a:off x="648934" y="2422380"/>
+            <a:ext cx="4727735" cy="3029446"/>
           </a:xfrm>
         </p:spPr>
         <p:txBody>
@@ -27268,32 +27286,32 @@
           <a:p>
             <a:pPr rtl="0"/>
             <a:r>
-              <a:rPr lang="fr-FR" sz="1200" dirty="0"/>
+              <a:rPr lang="fr-FR" dirty="0"/>
               <a:t>Ajoutez du texte, des images, des dessins et des vidéos. </a:t>
             </a:r>
           </a:p>
           <a:p>
             <a:pPr rtl="0"/>
             <a:r>
-              <a:rPr lang="fr-FR" sz="1200" dirty="0"/>
-              <a:t>Ajoutez des transitions, des animations et des mouvements.</a:t>
+              <a:rPr lang="fr-FR" dirty="0"/>
+              <a:t>Ajoutez des transitions, des animations et des mouvements.</a:t>
             </a:r>
           </a:p>
           <a:p>
             <a:pPr rtl="0"/>
             <a:r>
-              <a:rPr lang="fr-FR" sz="1200" dirty="0"/>
-              <a:t>Enregistrez sur OneDrive pour accéder à vos présentations à partir de votre ordinateur, tablette ou téléphone. </a:t>
-            </a:r>
-          </a:p>
-        </p:txBody>
-      </p:sp>
-      <p:sp>
-        <p:nvSpPr>
-          <p:cNvPr id="16" name="Espace réservé du contenu 15">
-            <a:extLst>
-              <a:ext uri="{FF2B5EF4-FFF2-40B4-BE49-F238E27FC236}">
-                <a16:creationId xmlns:a16="http://schemas.microsoft.com/office/drawing/2014/main" id="{98A93BCF-7682-4066-8958-65ED5DD2241C}"/>
+              <a:rPr lang="fr-FR" dirty="0"/>
+              <a:t>Enregistrez sur OneDrive et accédez à vos présentations à partir de votre ordinateur, tablette ou téléphone. </a:t>
+            </a:r>
+          </a:p>
+        </p:txBody>
+      </p:sp>
+      <p:sp>
+        <p:nvSpPr>
+          <p:cNvPr id="10" name="Espace réservé du contenu 9">
+            <a:extLst>
+              <a:ext uri="{FF2B5EF4-FFF2-40B4-BE49-F238E27FC236}">
+                <a16:creationId xmlns:a16="http://schemas.microsoft.com/office/drawing/2014/main" id="{734818E9-4459-4052-A157-BAEE61330BF3}"/>
               </a:ext>
             </a:extLst>
           </p:cNvPr>
@@ -27301,17 +27319,19 @@
             <a:spLocks noGrp="1"/>
           </p:cNvSpPr>
           <p:nvPr>
-            <p:ph idx="18"/>
+            <p:ph idx="15"/>
           </p:nvPr>
         </p:nvSpPr>
         <p:spPr>
           <a:xfrm>
-            <a:off x="4336486" y="1828356"/>
-            <a:ext cx="3519028" cy="465155"/>
+            <a:off x="6095999" y="1834004"/>
+            <a:ext cx="4727735" cy="465155"/>
           </a:xfrm>
         </p:spPr>
         <p:txBody>
-          <a:bodyPr rtlCol="0"/>
+          <a:bodyPr rtlCol="0">
+            <a:noAutofit/>
+          </a:bodyPr>
           <a:lstStyle/>
           <a:p>
             <a:pPr rtl="0"/>
@@ -27324,10 +27344,10 @@
       </p:sp>
       <p:sp>
         <p:nvSpPr>
-          <p:cNvPr id="15" name="Espace réservé du contenu 14">
-            <a:extLst>
-              <a:ext uri="{FF2B5EF4-FFF2-40B4-BE49-F238E27FC236}">
-                <a16:creationId xmlns:a16="http://schemas.microsoft.com/office/drawing/2014/main" id="{E73F035B-87AE-4E99-A92D-75E5EC280DE7}"/>
+          <p:cNvPr id="6" name="Espace réservé du contenu 5">
+            <a:extLst>
+              <a:ext uri="{FF2B5EF4-FFF2-40B4-BE49-F238E27FC236}">
+                <a16:creationId xmlns:a16="http://schemas.microsoft.com/office/drawing/2014/main" id="{D87483D8-EA65-4964-99D7-AF7C1B80C93A}"/>
               </a:ext>
             </a:extLst>
           </p:cNvPr>
@@ -27335,13 +27355,13 @@
             <a:spLocks noGrp="1"/>
           </p:cNvSpPr>
           <p:nvPr>
-            <p:ph idx="17"/>
+            <p:ph idx="13"/>
           </p:nvPr>
         </p:nvSpPr>
         <p:spPr>
           <a:xfrm>
-            <a:off x="4336486" y="2419555"/>
-            <a:ext cx="3519028" cy="3197260"/>
+            <a:off x="6095999" y="2422380"/>
+            <a:ext cx="4727735" cy="3029446"/>
           </a:xfrm>
         </p:spPr>
         <p:txBody>
@@ -27352,105 +27372,21 @@
           <a:p>
             <a:pPr rtl="0"/>
             <a:r>
-              <a:rPr lang="fr-FR" sz="1200" dirty="0"/>
+              <a:rPr lang="fr-FR" dirty="0"/>
               <a:t>Ajoutez du texte, des images, des dessins et des vidéos. </a:t>
             </a:r>
           </a:p>
           <a:p>
             <a:pPr rtl="0"/>
             <a:r>
-              <a:rPr lang="fr-FR" sz="1200" dirty="0"/>
-              <a:t>Ajoutez des transitions, des animations et des mouvements.</a:t>
+              <a:rPr lang="fr-FR" dirty="0"/>
+              <a:t>Ajoutez des transitions, des animations et des mouvements.</a:t>
             </a:r>
           </a:p>
           <a:p>
             <a:pPr rtl="0"/>
             <a:r>
-              <a:rPr lang="fr-FR" sz="1200" dirty="0"/>
-              <a:t>Enregistrez sur OneDrive et accédez à vos présentations à partir de votre ordinateur, tablette ou téléphone. </a:t>
-            </a:r>
-          </a:p>
-        </p:txBody>
-      </p:sp>
-      <p:sp>
-        <p:nvSpPr>
-          <p:cNvPr id="14" name="Espace réservé du contenu 13">
-            <a:extLst>
-              <a:ext uri="{FF2B5EF4-FFF2-40B4-BE49-F238E27FC236}">
-                <a16:creationId xmlns:a16="http://schemas.microsoft.com/office/drawing/2014/main" id="{9E1BABDF-2D81-4200-AB3D-E2AC2AA85192}"/>
-              </a:ext>
-            </a:extLst>
-          </p:cNvPr>
-          <p:cNvSpPr>
-            <a:spLocks noGrp="1"/>
-          </p:cNvSpPr>
-          <p:nvPr>
-            <p:ph idx="16"/>
-          </p:nvPr>
-        </p:nvSpPr>
-        <p:spPr>
-          <a:xfrm>
-            <a:off x="8024037" y="1834005"/>
-            <a:ext cx="3519028" cy="465155"/>
-          </a:xfrm>
-        </p:spPr>
-        <p:txBody>
-          <a:bodyPr rtlCol="0"/>
-          <a:lstStyle/>
-          <a:p>
-            <a:pPr rtl="0"/>
-            <a:r>
-              <a:rPr lang="fr-FR"/>
-              <a:t>Sous-titre</a:t>
-            </a:r>
-          </a:p>
-        </p:txBody>
-      </p:sp>
-      <p:sp>
-        <p:nvSpPr>
-          <p:cNvPr id="13" name="Espace réservé du contenu 12">
-            <a:extLst>
-              <a:ext uri="{FF2B5EF4-FFF2-40B4-BE49-F238E27FC236}">
-                <a16:creationId xmlns:a16="http://schemas.microsoft.com/office/drawing/2014/main" id="{502A2BB6-FCA5-49F9-97E9-DFA867C27B54}"/>
-              </a:ext>
-            </a:extLst>
-          </p:cNvPr>
-          <p:cNvSpPr>
-            <a:spLocks noGrp="1"/>
-          </p:cNvSpPr>
-          <p:nvPr>
-            <p:ph idx="15"/>
-          </p:nvPr>
-        </p:nvSpPr>
-        <p:spPr>
-          <a:xfrm>
-            <a:off x="8024037" y="2419555"/>
-            <a:ext cx="3519028" cy="3197260"/>
-          </a:xfrm>
-        </p:spPr>
-        <p:txBody>
-          <a:bodyPr rtlCol="0">
-            <a:noAutofit/>
-          </a:bodyPr>
-          <a:lstStyle/>
-          <a:p>
-            <a:pPr rtl="0"/>
-            <a:r>
-              <a:rPr lang="fr-FR" sz="1200" dirty="0"/>
-              <a:t>Ajoutez du texte, des images, des dessins et des vidéos. </a:t>
-            </a:r>
-          </a:p>
-          <a:p>
-            <a:pPr rtl="0"/>
-            <a:r>
-              <a:rPr lang="fr-FR" sz="1200" dirty="0"/>
-              <a:t>Ajoutez des transitions, des animations et des mouvements.</a:t>
-            </a:r>
-          </a:p>
-          <a:p>
-            <a:pPr rtl="0"/>
-            <a:r>
-              <a:rPr lang="fr-FR" sz="1200" dirty="0"/>
+              <a:rPr lang="fr-FR" dirty="0"/>
               <a:t>Enregistrez sur OneDrive pour accéder à vos présentations à partir de votre ordinateur, tablette ou téléphone. </a:t>
             </a:r>
           </a:p>
@@ -27458,10 +27394,10 @@
       </p:sp>
       <p:sp>
         <p:nvSpPr>
-          <p:cNvPr id="5" name="Espace réservé du pied de page 4">
-            <a:extLst>
-              <a:ext uri="{FF2B5EF4-FFF2-40B4-BE49-F238E27FC236}">
-                <a16:creationId xmlns:a16="http://schemas.microsoft.com/office/drawing/2014/main" id="{60E1A468-4484-47F2-8588-752552EE416C}"/>
+          <p:cNvPr id="15" name="Espace réservé du pied de page 14">
+            <a:extLst>
+              <a:ext uri="{FF2B5EF4-FFF2-40B4-BE49-F238E27FC236}">
+                <a16:creationId xmlns:a16="http://schemas.microsoft.com/office/drawing/2014/main" id="{4BB4EE3B-13B9-414C-9B6C-C111B789ED0C}"/>
               </a:ext>
             </a:extLst>
           </p:cNvPr>
@@ -27492,10 +27428,10 @@
       </p:sp>
       <p:sp>
         <p:nvSpPr>
-          <p:cNvPr id="4" name="Espace réservé de la date 3">
-            <a:extLst>
-              <a:ext uri="{FF2B5EF4-FFF2-40B4-BE49-F238E27FC236}">
-                <a16:creationId xmlns:a16="http://schemas.microsoft.com/office/drawing/2014/main" id="{796EABB9-3A4D-494A-BBFF-20F1A5F84F27}"/>
+          <p:cNvPr id="14" name="Espace réservé de la date 13">
+            <a:extLst>
+              <a:ext uri="{FF2B5EF4-FFF2-40B4-BE49-F238E27FC236}">
+                <a16:creationId xmlns:a16="http://schemas.microsoft.com/office/drawing/2014/main" id="{7C52191A-A01A-4BD8-A7AB-CB4BB654D26C}"/>
               </a:ext>
             </a:extLst>
           </p:cNvPr>
@@ -27527,10 +27463,10 @@
       </p:sp>
       <p:sp>
         <p:nvSpPr>
-          <p:cNvPr id="6" name="Espace réservé du numéro de diapositive 5">
-            <a:extLst>
-              <a:ext uri="{FF2B5EF4-FFF2-40B4-BE49-F238E27FC236}">
-                <a16:creationId xmlns:a16="http://schemas.microsoft.com/office/drawing/2014/main" id="{8A75989F-94E4-487A-845C-A4F547DDFE8D}"/>
+          <p:cNvPr id="16" name="Espace réservé du numéro de diapositive 15">
+            <a:extLst>
+              <a:ext uri="{FF2B5EF4-FFF2-40B4-BE49-F238E27FC236}">
+                <a16:creationId xmlns:a16="http://schemas.microsoft.com/office/drawing/2014/main" id="{533E7CD9-5271-46B0-BE9D-C03F6CFC6818}"/>
               </a:ext>
             </a:extLst>
           </p:cNvPr>
@@ -27564,7 +27500,7 @@
     </p:spTree>
     <p:extLst>
       <p:ext uri="{BB962C8B-B14F-4D97-AF65-F5344CB8AC3E}">
-        <p14:creationId xmlns:p14="http://schemas.microsoft.com/office/powerpoint/2010/main" val="2810545261"/>
+        <p14:creationId xmlns:p14="http://schemas.microsoft.com/office/powerpoint/2010/main" val="2960976296"/>
       </p:ext>
     </p:extLst>
   </p:cSld>
@@ -27593,10 +27529,10 @@
       </p:grpSpPr>
       <p:sp>
         <p:nvSpPr>
-          <p:cNvPr id="7" name="Titre 6">
-            <a:extLst>
-              <a:ext uri="{FF2B5EF4-FFF2-40B4-BE49-F238E27FC236}">
-                <a16:creationId xmlns:a16="http://schemas.microsoft.com/office/drawing/2014/main" id="{5794278F-BBE1-4D62-8038-1FE9C98B6D37}"/>
+          <p:cNvPr id="10" name="Titre 9">
+            <a:extLst>
+              <a:ext uri="{FF2B5EF4-FFF2-40B4-BE49-F238E27FC236}">
+                <a16:creationId xmlns:a16="http://schemas.microsoft.com/office/drawing/2014/main" id="{8D0AE722-3A17-4292-8B0C-015DEE23F973}"/>
               </a:ext>
             </a:extLst>
           </p:cNvPr>
@@ -27609,130 +27545,30 @@
         </p:nvSpPr>
         <p:spPr>
           <a:xfrm>
-            <a:off x="5376668" y="537381"/>
-            <a:ext cx="6172412" cy="1031927"/>
+            <a:off x="648935" y="180644"/>
+            <a:ext cx="10900146" cy="935776"/>
           </a:xfrm>
         </p:spPr>
         <p:txBody>
-          <a:bodyPr rtlCol="0"/>
+          <a:bodyPr rtlCol="0">
+            <a:noAutofit/>
+          </a:bodyPr>
           <a:lstStyle/>
           <a:p>
             <a:pPr rtl="0"/>
             <a:r>
               <a:rPr lang="fr-FR"/>
-              <a:t>Synthèse</a:t>
-            </a:r>
-          </a:p>
-        </p:txBody>
-      </p:sp>
-      <p:pic>
-        <p:nvPicPr>
-          <p:cNvPr id="11" name="Espace réservé d’image 10" descr="Un gros plan d’une personne utilisant un ordinateur">
-            <a:extLst>
-              <a:ext uri="{FF2B5EF4-FFF2-40B4-BE49-F238E27FC236}">
-                <a16:creationId xmlns:a16="http://schemas.microsoft.com/office/drawing/2014/main" id="{2090A0CF-D5B6-46F6-9148-3018C1F68218}"/>
-              </a:ext>
-            </a:extLst>
-          </p:cNvPr>
-          <p:cNvPicPr>
-            <a:picLocks noGrp="1" noChangeAspect="1"/>
-          </p:cNvPicPr>
-          <p:nvPr>
-            <p:ph type="pic" sz="quarter" idx="13"/>
-          </p:nvPr>
-        </p:nvPicPr>
-        <p:blipFill rotWithShape="1">
-          <a:blip r:embed="rId3" cstate="screen">
-            <a:extLst>
-              <a:ext uri="{28A0092B-C50C-407E-A947-70E740481C1C}">
-                <a14:useLocalDpi xmlns:a14="http://schemas.microsoft.com/office/drawing/2010/main" val="0"/>
-              </a:ext>
-            </a:extLst>
-          </a:blip>
-          <a:srcRect/>
-          <a:stretch/>
-        </p:blipFill>
-        <p:spPr>
-          <a:xfrm>
-            <a:off x="-1" y="-3"/>
-            <a:ext cx="4613544" cy="2249321"/>
-          </a:xfrm>
-        </p:spPr>
-      </p:pic>
-      <p:pic>
-        <p:nvPicPr>
-          <p:cNvPr id="13" name="Espace réservé d’image 12" descr="Reflet d’un écran graphique numérique">
-            <a:extLst>
-              <a:ext uri="{FF2B5EF4-FFF2-40B4-BE49-F238E27FC236}">
-                <a16:creationId xmlns:a16="http://schemas.microsoft.com/office/drawing/2014/main" id="{FD008D2D-DCC4-47D7-9308-F53E3DC8BA33}"/>
-              </a:ext>
-            </a:extLst>
-          </p:cNvPr>
-          <p:cNvPicPr>
-            <a:picLocks noGrp="1" noChangeAspect="1"/>
-          </p:cNvPicPr>
-          <p:nvPr>
-            <p:ph type="pic" sz="quarter" idx="14"/>
-          </p:nvPr>
-        </p:nvPicPr>
-        <p:blipFill rotWithShape="1">
-          <a:blip r:embed="rId4" cstate="screen">
-            <a:extLst>
-              <a:ext uri="{28A0092B-C50C-407E-A947-70E740481C1C}">
-                <a14:useLocalDpi xmlns:a14="http://schemas.microsoft.com/office/drawing/2010/main" val="0"/>
-              </a:ext>
-            </a:extLst>
-          </a:blip>
-          <a:srcRect/>
-          <a:stretch/>
-        </p:blipFill>
-        <p:spPr>
-          <a:xfrm>
-            <a:off x="-1" y="2311339"/>
-            <a:ext cx="4613544" cy="2241520"/>
-          </a:xfrm>
-        </p:spPr>
-      </p:pic>
-      <p:pic>
-        <p:nvPicPr>
-          <p:cNvPr id="8" name="Espace réservé d’image 7" descr="Salle de conférence">
-            <a:extLst>
-              <a:ext uri="{FF2B5EF4-FFF2-40B4-BE49-F238E27FC236}">
-                <a16:creationId xmlns:a16="http://schemas.microsoft.com/office/drawing/2014/main" id="{13908DB8-E92A-433D-BC79-CFD872B072D7}"/>
-              </a:ext>
-            </a:extLst>
-          </p:cNvPr>
-          <p:cNvPicPr>
-            <a:picLocks noGrp="1" noChangeAspect="1"/>
-          </p:cNvPicPr>
-          <p:nvPr>
-            <p:ph type="pic" sz="quarter" idx="15"/>
-          </p:nvPr>
-        </p:nvPicPr>
-        <p:blipFill rotWithShape="1">
-          <a:blip r:embed="rId5" cstate="screen">
-            <a:extLst>
-              <a:ext uri="{28A0092B-C50C-407E-A947-70E740481C1C}">
-                <a14:useLocalDpi xmlns:a14="http://schemas.microsoft.com/office/drawing/2010/main" val="0"/>
-              </a:ext>
-            </a:extLst>
-          </a:blip>
-          <a:srcRect/>
-          <a:stretch/>
-        </p:blipFill>
-        <p:spPr>
-          <a:xfrm>
-            <a:off x="-1" y="4613572"/>
-            <a:ext cx="4613544" cy="2241520"/>
-          </a:xfrm>
-        </p:spPr>
-      </p:pic>
-      <p:sp>
-        <p:nvSpPr>
-          <p:cNvPr id="9" name="Espace réservé du contenu 8">
-            <a:extLst>
-              <a:ext uri="{FF2B5EF4-FFF2-40B4-BE49-F238E27FC236}">
-                <a16:creationId xmlns:a16="http://schemas.microsoft.com/office/drawing/2014/main" id="{957A8109-BBBF-407C-81F8-08088ED99698}"/>
+              <a:t>Contenu 2</a:t>
+            </a:r>
+          </a:p>
+        </p:txBody>
+      </p:sp>
+      <p:sp>
+        <p:nvSpPr>
+          <p:cNvPr id="12" name="Espace réservé du contenu 11">
+            <a:extLst>
+              <a:ext uri="{FF2B5EF4-FFF2-40B4-BE49-F238E27FC236}">
+                <a16:creationId xmlns:a16="http://schemas.microsoft.com/office/drawing/2014/main" id="{DA519990-3C01-4761-BF8E-8A8BC2C56B38}"/>
               </a:ext>
             </a:extLst>
           </p:cNvPr>
@@ -27740,35 +27576,33 @@
             <a:spLocks noGrp="1"/>
           </p:cNvSpPr>
           <p:nvPr>
-            <p:ph idx="1"/>
+            <p:ph idx="14"/>
           </p:nvPr>
         </p:nvSpPr>
         <p:spPr>
           <a:xfrm>
-            <a:off x="5376671" y="1735745"/>
-            <a:ext cx="6172412" cy="3767496"/>
+            <a:off x="648935" y="1834005"/>
+            <a:ext cx="3519028" cy="465155"/>
           </a:xfrm>
         </p:spPr>
         <p:txBody>
-          <a:bodyPr rtlCol="0">
-            <a:normAutofit/>
-          </a:bodyPr>
+          <a:bodyPr rtlCol="0"/>
           <a:lstStyle/>
           <a:p>
             <a:pPr rtl="0"/>
             <a:r>
-              <a:rPr lang="fr-FR"/>
-              <a:t>Avec PowerPoint, vous pouvez créer des présentations et partager votre travail avec d’autres personnes, où qu’elles soient. Tapez ici le texte souhaité pour commencer. Vous pouvez également ajouter des images, des dessins et des vidéos sur ce modèle. Enregistrez sur OneDrive et accédez à vos présentations à partir de votre ordinateur, tablette ou téléphone.</a:t>
-            </a:r>
-          </a:p>
-        </p:txBody>
-      </p:sp>
-      <p:sp>
-        <p:nvSpPr>
-          <p:cNvPr id="17" name="Espace réservé du pied de page 16">
-            <a:extLst>
-              <a:ext uri="{FF2B5EF4-FFF2-40B4-BE49-F238E27FC236}">
-                <a16:creationId xmlns:a16="http://schemas.microsoft.com/office/drawing/2014/main" id="{A7A34B0D-1722-4024-BC6E-2A411B0AF724}"/>
+              <a:rPr lang="fr-FR" dirty="0"/>
+              <a:t>Sous-titre</a:t>
+            </a:r>
+          </a:p>
+        </p:txBody>
+      </p:sp>
+      <p:sp>
+        <p:nvSpPr>
+          <p:cNvPr id="11" name="Espace réservé du contenu 10">
+            <a:extLst>
+              <a:ext uri="{FF2B5EF4-FFF2-40B4-BE49-F238E27FC236}">
+                <a16:creationId xmlns:a16="http://schemas.microsoft.com/office/drawing/2014/main" id="{0ED48AB2-7B87-4FA9-90BB-0B88AD92D396}"/>
               </a:ext>
             </a:extLst>
           </p:cNvPr>
@@ -27776,13 +27610,231 @@
             <a:spLocks noGrp="1"/>
           </p:cNvSpPr>
           <p:nvPr>
+            <p:ph idx="1"/>
+          </p:nvPr>
+        </p:nvSpPr>
+        <p:spPr>
+          <a:xfrm>
+            <a:off x="648935" y="2419555"/>
+            <a:ext cx="3519028" cy="3197260"/>
+          </a:xfrm>
+        </p:spPr>
+        <p:txBody>
+          <a:bodyPr rtlCol="0">
+            <a:noAutofit/>
+          </a:bodyPr>
+          <a:lstStyle/>
+          <a:p>
+            <a:pPr rtl="0"/>
+            <a:r>
+              <a:rPr lang="fr-FR" sz="1200" dirty="0"/>
+              <a:t>Ajoutez du texte, des images, des dessins et des vidéos. </a:t>
+            </a:r>
+          </a:p>
+          <a:p>
+            <a:pPr rtl="0"/>
+            <a:r>
+              <a:rPr lang="fr-FR" sz="1200" dirty="0"/>
+              <a:t>Ajoutez des transitions, des animations et des mouvements.</a:t>
+            </a:r>
+          </a:p>
+          <a:p>
+            <a:pPr rtl="0"/>
+            <a:r>
+              <a:rPr lang="fr-FR" sz="1200" dirty="0"/>
+              <a:t>Enregistrez sur OneDrive pour accéder à vos présentations à partir de votre ordinateur, tablette ou téléphone. </a:t>
+            </a:r>
+          </a:p>
+        </p:txBody>
+      </p:sp>
+      <p:sp>
+        <p:nvSpPr>
+          <p:cNvPr id="16" name="Espace réservé du contenu 15">
+            <a:extLst>
+              <a:ext uri="{FF2B5EF4-FFF2-40B4-BE49-F238E27FC236}">
+                <a16:creationId xmlns:a16="http://schemas.microsoft.com/office/drawing/2014/main" id="{98A93BCF-7682-4066-8958-65ED5DD2241C}"/>
+              </a:ext>
+            </a:extLst>
+          </p:cNvPr>
+          <p:cNvSpPr>
+            <a:spLocks noGrp="1"/>
+          </p:cNvSpPr>
+          <p:nvPr>
+            <p:ph idx="18"/>
+          </p:nvPr>
+        </p:nvSpPr>
+        <p:spPr>
+          <a:xfrm>
+            <a:off x="4336486" y="1828356"/>
+            <a:ext cx="3519028" cy="465155"/>
+          </a:xfrm>
+        </p:spPr>
+        <p:txBody>
+          <a:bodyPr rtlCol="0"/>
+          <a:lstStyle/>
+          <a:p>
+            <a:pPr rtl="0"/>
+            <a:r>
+              <a:rPr lang="fr-FR"/>
+              <a:t>Sous-titre</a:t>
+            </a:r>
+          </a:p>
+        </p:txBody>
+      </p:sp>
+      <p:sp>
+        <p:nvSpPr>
+          <p:cNvPr id="15" name="Espace réservé du contenu 14">
+            <a:extLst>
+              <a:ext uri="{FF2B5EF4-FFF2-40B4-BE49-F238E27FC236}">
+                <a16:creationId xmlns:a16="http://schemas.microsoft.com/office/drawing/2014/main" id="{E73F035B-87AE-4E99-A92D-75E5EC280DE7}"/>
+              </a:ext>
+            </a:extLst>
+          </p:cNvPr>
+          <p:cNvSpPr>
+            <a:spLocks noGrp="1"/>
+          </p:cNvSpPr>
+          <p:nvPr>
+            <p:ph idx="17"/>
+          </p:nvPr>
+        </p:nvSpPr>
+        <p:spPr>
+          <a:xfrm>
+            <a:off x="4336486" y="2419555"/>
+            <a:ext cx="3519028" cy="3197260"/>
+          </a:xfrm>
+        </p:spPr>
+        <p:txBody>
+          <a:bodyPr rtlCol="0">
+            <a:noAutofit/>
+          </a:bodyPr>
+          <a:lstStyle/>
+          <a:p>
+            <a:pPr rtl="0"/>
+            <a:r>
+              <a:rPr lang="fr-FR" sz="1200" dirty="0"/>
+              <a:t>Ajoutez du texte, des images, des dessins et des vidéos. </a:t>
+            </a:r>
+          </a:p>
+          <a:p>
+            <a:pPr rtl="0"/>
+            <a:r>
+              <a:rPr lang="fr-FR" sz="1200" dirty="0"/>
+              <a:t>Ajoutez des transitions, des animations et des mouvements.</a:t>
+            </a:r>
+          </a:p>
+          <a:p>
+            <a:pPr rtl="0"/>
+            <a:r>
+              <a:rPr lang="fr-FR" sz="1200" dirty="0"/>
+              <a:t>Enregistrez sur OneDrive et accédez à vos présentations à partir de votre ordinateur, tablette ou téléphone. </a:t>
+            </a:r>
+          </a:p>
+        </p:txBody>
+      </p:sp>
+      <p:sp>
+        <p:nvSpPr>
+          <p:cNvPr id="14" name="Espace réservé du contenu 13">
+            <a:extLst>
+              <a:ext uri="{FF2B5EF4-FFF2-40B4-BE49-F238E27FC236}">
+                <a16:creationId xmlns:a16="http://schemas.microsoft.com/office/drawing/2014/main" id="{9E1BABDF-2D81-4200-AB3D-E2AC2AA85192}"/>
+              </a:ext>
+            </a:extLst>
+          </p:cNvPr>
+          <p:cNvSpPr>
+            <a:spLocks noGrp="1"/>
+          </p:cNvSpPr>
+          <p:nvPr>
+            <p:ph idx="16"/>
+          </p:nvPr>
+        </p:nvSpPr>
+        <p:spPr>
+          <a:xfrm>
+            <a:off x="8024037" y="1834005"/>
+            <a:ext cx="3519028" cy="465155"/>
+          </a:xfrm>
+        </p:spPr>
+        <p:txBody>
+          <a:bodyPr rtlCol="0"/>
+          <a:lstStyle/>
+          <a:p>
+            <a:pPr rtl="0"/>
+            <a:r>
+              <a:rPr lang="fr-FR"/>
+              <a:t>Sous-titre</a:t>
+            </a:r>
+          </a:p>
+        </p:txBody>
+      </p:sp>
+      <p:sp>
+        <p:nvSpPr>
+          <p:cNvPr id="13" name="Espace réservé du contenu 12">
+            <a:extLst>
+              <a:ext uri="{FF2B5EF4-FFF2-40B4-BE49-F238E27FC236}">
+                <a16:creationId xmlns:a16="http://schemas.microsoft.com/office/drawing/2014/main" id="{502A2BB6-FCA5-49F9-97E9-DFA867C27B54}"/>
+              </a:ext>
+            </a:extLst>
+          </p:cNvPr>
+          <p:cNvSpPr>
+            <a:spLocks noGrp="1"/>
+          </p:cNvSpPr>
+          <p:nvPr>
+            <p:ph idx="15"/>
+          </p:nvPr>
+        </p:nvSpPr>
+        <p:spPr>
+          <a:xfrm>
+            <a:off x="8024037" y="2419555"/>
+            <a:ext cx="3519028" cy="3197260"/>
+          </a:xfrm>
+        </p:spPr>
+        <p:txBody>
+          <a:bodyPr rtlCol="0">
+            <a:noAutofit/>
+          </a:bodyPr>
+          <a:lstStyle/>
+          <a:p>
+            <a:pPr rtl="0"/>
+            <a:r>
+              <a:rPr lang="fr-FR" sz="1200" dirty="0"/>
+              <a:t>Ajoutez du texte, des images, des dessins et des vidéos. </a:t>
+            </a:r>
+          </a:p>
+          <a:p>
+            <a:pPr rtl="0"/>
+            <a:r>
+              <a:rPr lang="fr-FR" sz="1200" dirty="0"/>
+              <a:t>Ajoutez des transitions, des animations et des mouvements.</a:t>
+            </a:r>
+          </a:p>
+          <a:p>
+            <a:pPr rtl="0"/>
+            <a:r>
+              <a:rPr lang="fr-FR" sz="1200" dirty="0"/>
+              <a:t>Enregistrez sur OneDrive pour accéder à vos présentations à partir de votre ordinateur, tablette ou téléphone. </a:t>
+            </a:r>
+          </a:p>
+        </p:txBody>
+      </p:sp>
+      <p:sp>
+        <p:nvSpPr>
+          <p:cNvPr id="5" name="Espace réservé du pied de page 4">
+            <a:extLst>
+              <a:ext uri="{FF2B5EF4-FFF2-40B4-BE49-F238E27FC236}">
+                <a16:creationId xmlns:a16="http://schemas.microsoft.com/office/drawing/2014/main" id="{60E1A468-4484-47F2-8588-752552EE416C}"/>
+              </a:ext>
+            </a:extLst>
+          </p:cNvPr>
+          <p:cNvSpPr>
+            <a:spLocks noGrp="1"/>
+          </p:cNvSpPr>
+          <p:nvPr>
             <p:ph type="ftr" sz="quarter" idx="11"/>
           </p:nvPr>
         </p:nvSpPr>
         <p:spPr>
           <a:xfrm>
             <a:off x="642917" y="6309360"/>
-            <a:ext cx="3271516" cy="457200"/>
+            <a:ext cx="3423986" cy="457200"/>
           </a:xfrm>
         </p:spPr>
         <p:txBody>
@@ -27799,10 +27851,10 @@
       </p:sp>
       <p:sp>
         <p:nvSpPr>
-          <p:cNvPr id="16" name="Espace réservé de la date 15">
-            <a:extLst>
-              <a:ext uri="{FF2B5EF4-FFF2-40B4-BE49-F238E27FC236}">
-                <a16:creationId xmlns:a16="http://schemas.microsoft.com/office/drawing/2014/main" id="{C7BA43AD-7653-4B85-883B-8DB0DF3D8CF3}"/>
+          <p:cNvPr id="4" name="Espace réservé de la date 3">
+            <a:extLst>
+              <a:ext uri="{FF2B5EF4-FFF2-40B4-BE49-F238E27FC236}">
+                <a16:creationId xmlns:a16="http://schemas.microsoft.com/office/drawing/2014/main" id="{796EABB9-3A4D-494A-BBFF-20F1A5F84F27}"/>
               </a:ext>
             </a:extLst>
           </p:cNvPr>
@@ -27815,7 +27867,7 @@
         </p:nvSpPr>
         <p:spPr>
           <a:xfrm>
-            <a:off x="5376668" y="6309360"/>
+            <a:off x="5373620" y="6309360"/>
             <a:ext cx="3411973" cy="457200"/>
           </a:xfrm>
         </p:spPr>
@@ -27834,10 +27886,10 @@
       </p:sp>
       <p:sp>
         <p:nvSpPr>
-          <p:cNvPr id="18" name="Espace réservé du numéro de diapositive 17">
-            <a:extLst>
-              <a:ext uri="{FF2B5EF4-FFF2-40B4-BE49-F238E27FC236}">
-                <a16:creationId xmlns:a16="http://schemas.microsoft.com/office/drawing/2014/main" id="{75DB2E64-AD14-44FE-948F-FCBEC637E2C1}"/>
+          <p:cNvPr id="6" name="Espace réservé du numéro de diapositive 5">
+            <a:extLst>
+              <a:ext uri="{FF2B5EF4-FFF2-40B4-BE49-F238E27FC236}">
+                <a16:creationId xmlns:a16="http://schemas.microsoft.com/office/drawing/2014/main" id="{8A75989F-94E4-487A-845C-A4F547DDFE8D}"/>
               </a:ext>
             </a:extLst>
           </p:cNvPr>
@@ -27871,7 +27923,7 @@
     </p:spTree>
     <p:extLst>
       <p:ext uri="{BB962C8B-B14F-4D97-AF65-F5344CB8AC3E}">
-        <p14:creationId xmlns:p14="http://schemas.microsoft.com/office/powerpoint/2010/main" val="1109332271"/>
+        <p14:creationId xmlns:p14="http://schemas.microsoft.com/office/powerpoint/2010/main" val="2810545261"/>
       </p:ext>
     </p:extLst>
   </p:cSld>
@@ -27900,10 +27952,10 @@
       </p:grpSpPr>
       <p:sp>
         <p:nvSpPr>
-          <p:cNvPr id="14" name="Titre 13">
-            <a:extLst>
-              <a:ext uri="{FF2B5EF4-FFF2-40B4-BE49-F238E27FC236}">
-                <a16:creationId xmlns:a16="http://schemas.microsoft.com/office/drawing/2014/main" id="{331CEB84-49DC-40A9-B2F0-D573658AE999}"/>
+          <p:cNvPr id="7" name="Titre 6">
+            <a:extLst>
+              <a:ext uri="{FF2B5EF4-FFF2-40B4-BE49-F238E27FC236}">
+                <a16:creationId xmlns:a16="http://schemas.microsoft.com/office/drawing/2014/main" id="{5794278F-BBE1-4D62-8038-1FE9C98B6D37}"/>
               </a:ext>
             </a:extLst>
           </p:cNvPr>
@@ -27911,13 +27963,13 @@
             <a:spLocks noGrp="1"/>
           </p:cNvSpPr>
           <p:nvPr>
-            <p:ph type="ctrTitle"/>
+            <p:ph type="title"/>
           </p:nvPr>
         </p:nvSpPr>
         <p:spPr>
           <a:xfrm>
-            <a:off x="7973503" y="1709530"/>
-            <a:ext cx="3754671" cy="2528515"/>
+            <a:off x="5376668" y="537381"/>
+            <a:ext cx="6172412" cy="1031927"/>
           </a:xfrm>
         </p:spPr>
         <p:txBody>
@@ -27926,52 +27978,18 @@
           <a:p>
             <a:pPr rtl="0"/>
             <a:r>
-              <a:rPr lang="fr-FR" sz="3600" b="1" dirty="0"/>
-              <a:t>Traitement des données visuelles</a:t>
-            </a:r>
-          </a:p>
-        </p:txBody>
-      </p:sp>
-      <p:sp>
-        <p:nvSpPr>
-          <p:cNvPr id="15" name="Sous-titre 14">
-            <a:extLst>
-              <a:ext uri="{FF2B5EF4-FFF2-40B4-BE49-F238E27FC236}">
-                <a16:creationId xmlns:a16="http://schemas.microsoft.com/office/drawing/2014/main" id="{B7886DF7-FA3D-4AD1-AEC1-578EA3AC8C7D}"/>
-              </a:ext>
-            </a:extLst>
-          </p:cNvPr>
-          <p:cNvSpPr>
-            <a:spLocks noGrp="1"/>
-          </p:cNvSpPr>
-          <p:nvPr>
-            <p:ph type="subTitle" idx="1"/>
-          </p:nvPr>
-        </p:nvSpPr>
-        <p:spPr>
-          <a:xfrm>
-            <a:off x="7976914" y="4238046"/>
-            <a:ext cx="3806919" cy="1741404"/>
-          </a:xfrm>
-        </p:spPr>
-        <p:txBody>
-          <a:bodyPr rtlCol="0"/>
-          <a:lstStyle/>
-          <a:p>
-            <a:pPr rtl="0"/>
-            <a:r>
-              <a:rPr lang="fr-FR" dirty="0"/>
-              <a:t>Analyse Exploratoire des Données</a:t>
+              <a:rPr lang="fr-FR"/>
+              <a:t>Synthèse</a:t>
             </a:r>
           </a:p>
         </p:txBody>
       </p:sp>
       <p:pic>
         <p:nvPicPr>
-          <p:cNvPr id="5" name="Espace réservé d’image 4" descr="Personnes au milieu d’une salle circulaire ">
-            <a:extLst>
-              <a:ext uri="{FF2B5EF4-FFF2-40B4-BE49-F238E27FC236}">
-                <a16:creationId xmlns:a16="http://schemas.microsoft.com/office/drawing/2014/main" id="{0CEB905B-7FDD-4B1A-96BF-B5A081A25FC8}"/>
+          <p:cNvPr id="11" name="Espace réservé d’image 10" descr="Un gros plan d’une personne utilisant un ordinateur">
+            <a:extLst>
+              <a:ext uri="{FF2B5EF4-FFF2-40B4-BE49-F238E27FC236}">
+                <a16:creationId xmlns:a16="http://schemas.microsoft.com/office/drawing/2014/main" id="{2090A0CF-D5B6-46F6-9148-3018C1F68218}"/>
               </a:ext>
             </a:extLst>
           </p:cNvPr>
@@ -27995,15 +28013,224 @@
         </p:blipFill>
         <p:spPr>
           <a:xfrm>
-            <a:off x="1" y="1095509"/>
-            <a:ext cx="7519932" cy="5016892"/>
+            <a:off x="-1" y="-3"/>
+            <a:ext cx="4613544" cy="2249321"/>
           </a:xfrm>
         </p:spPr>
       </p:pic>
+      <p:pic>
+        <p:nvPicPr>
+          <p:cNvPr id="13" name="Espace réservé d’image 12" descr="Reflet d’un écran graphique numérique">
+            <a:extLst>
+              <a:ext uri="{FF2B5EF4-FFF2-40B4-BE49-F238E27FC236}">
+                <a16:creationId xmlns:a16="http://schemas.microsoft.com/office/drawing/2014/main" id="{FD008D2D-DCC4-47D7-9308-F53E3DC8BA33}"/>
+              </a:ext>
+            </a:extLst>
+          </p:cNvPr>
+          <p:cNvPicPr>
+            <a:picLocks noGrp="1" noChangeAspect="1"/>
+          </p:cNvPicPr>
+          <p:nvPr>
+            <p:ph type="pic" sz="quarter" idx="14"/>
+          </p:nvPr>
+        </p:nvPicPr>
+        <p:blipFill rotWithShape="1">
+          <a:blip r:embed="rId4" cstate="screen">
+            <a:extLst>
+              <a:ext uri="{28A0092B-C50C-407E-A947-70E740481C1C}">
+                <a14:useLocalDpi xmlns:a14="http://schemas.microsoft.com/office/drawing/2010/main" val="0"/>
+              </a:ext>
+            </a:extLst>
+          </a:blip>
+          <a:srcRect/>
+          <a:stretch/>
+        </p:blipFill>
+        <p:spPr>
+          <a:xfrm>
+            <a:off x="-1" y="2311339"/>
+            <a:ext cx="4613544" cy="2241520"/>
+          </a:xfrm>
+        </p:spPr>
+      </p:pic>
+      <p:pic>
+        <p:nvPicPr>
+          <p:cNvPr id="8" name="Espace réservé d’image 7" descr="Salle de conférence">
+            <a:extLst>
+              <a:ext uri="{FF2B5EF4-FFF2-40B4-BE49-F238E27FC236}">
+                <a16:creationId xmlns:a16="http://schemas.microsoft.com/office/drawing/2014/main" id="{13908DB8-E92A-433D-BC79-CFD872B072D7}"/>
+              </a:ext>
+            </a:extLst>
+          </p:cNvPr>
+          <p:cNvPicPr>
+            <a:picLocks noGrp="1" noChangeAspect="1"/>
+          </p:cNvPicPr>
+          <p:nvPr>
+            <p:ph type="pic" sz="quarter" idx="15"/>
+          </p:nvPr>
+        </p:nvPicPr>
+        <p:blipFill rotWithShape="1">
+          <a:blip r:embed="rId5" cstate="screen">
+            <a:extLst>
+              <a:ext uri="{28A0092B-C50C-407E-A947-70E740481C1C}">
+                <a14:useLocalDpi xmlns:a14="http://schemas.microsoft.com/office/drawing/2010/main" val="0"/>
+              </a:ext>
+            </a:extLst>
+          </a:blip>
+          <a:srcRect/>
+          <a:stretch/>
+        </p:blipFill>
+        <p:spPr>
+          <a:xfrm>
+            <a:off x="-1" y="4613572"/>
+            <a:ext cx="4613544" cy="2241520"/>
+          </a:xfrm>
+        </p:spPr>
+      </p:pic>
+      <p:sp>
+        <p:nvSpPr>
+          <p:cNvPr id="9" name="Espace réservé du contenu 8">
+            <a:extLst>
+              <a:ext uri="{FF2B5EF4-FFF2-40B4-BE49-F238E27FC236}">
+                <a16:creationId xmlns:a16="http://schemas.microsoft.com/office/drawing/2014/main" id="{957A8109-BBBF-407C-81F8-08088ED99698}"/>
+              </a:ext>
+            </a:extLst>
+          </p:cNvPr>
+          <p:cNvSpPr>
+            <a:spLocks noGrp="1"/>
+          </p:cNvSpPr>
+          <p:nvPr>
+            <p:ph idx="1"/>
+          </p:nvPr>
+        </p:nvSpPr>
+        <p:spPr>
+          <a:xfrm>
+            <a:off x="5376671" y="1735745"/>
+            <a:ext cx="6172412" cy="3767496"/>
+          </a:xfrm>
+        </p:spPr>
+        <p:txBody>
+          <a:bodyPr rtlCol="0">
+            <a:normAutofit/>
+          </a:bodyPr>
+          <a:lstStyle/>
+          <a:p>
+            <a:pPr rtl="0"/>
+            <a:r>
+              <a:rPr lang="fr-FR"/>
+              <a:t>Avec PowerPoint, vous pouvez créer des présentations et partager votre travail avec d’autres personnes, où qu’elles soient. Tapez ici le texte souhaité pour commencer. Vous pouvez également ajouter des images, des dessins et des vidéos sur ce modèle. Enregistrez sur OneDrive et accédez à vos présentations à partir de votre ordinateur, tablette ou téléphone.</a:t>
+            </a:r>
+          </a:p>
+        </p:txBody>
+      </p:sp>
+      <p:sp>
+        <p:nvSpPr>
+          <p:cNvPr id="17" name="Espace réservé du pied de page 16">
+            <a:extLst>
+              <a:ext uri="{FF2B5EF4-FFF2-40B4-BE49-F238E27FC236}">
+                <a16:creationId xmlns:a16="http://schemas.microsoft.com/office/drawing/2014/main" id="{A7A34B0D-1722-4024-BC6E-2A411B0AF724}"/>
+              </a:ext>
+            </a:extLst>
+          </p:cNvPr>
+          <p:cNvSpPr>
+            <a:spLocks noGrp="1"/>
+          </p:cNvSpPr>
+          <p:nvPr>
+            <p:ph type="ftr" sz="quarter" idx="11"/>
+          </p:nvPr>
+        </p:nvSpPr>
+        <p:spPr>
+          <a:xfrm>
+            <a:off x="642917" y="6309360"/>
+            <a:ext cx="3271516" cy="457200"/>
+          </a:xfrm>
+        </p:spPr>
+        <p:txBody>
+          <a:bodyPr rtlCol="0"/>
+          <a:lstStyle/>
+          <a:p>
+            <a:pPr rtl="0"/>
+            <a:r>
+              <a:rPr lang="fr-FR"/>
+              <a:t>Etude de faisabilité d'un moteur de classification</a:t>
+            </a:r>
+          </a:p>
+        </p:txBody>
+      </p:sp>
+      <p:sp>
+        <p:nvSpPr>
+          <p:cNvPr id="16" name="Espace réservé de la date 15">
+            <a:extLst>
+              <a:ext uri="{FF2B5EF4-FFF2-40B4-BE49-F238E27FC236}">
+                <a16:creationId xmlns:a16="http://schemas.microsoft.com/office/drawing/2014/main" id="{C7BA43AD-7653-4B85-883B-8DB0DF3D8CF3}"/>
+              </a:ext>
+            </a:extLst>
+          </p:cNvPr>
+          <p:cNvSpPr>
+            <a:spLocks noGrp="1"/>
+          </p:cNvSpPr>
+          <p:nvPr>
+            <p:ph type="dt" sz="half" idx="10"/>
+          </p:nvPr>
+        </p:nvSpPr>
+        <p:spPr>
+          <a:xfrm>
+            <a:off x="5376668" y="6309360"/>
+            <a:ext cx="3411973" cy="457200"/>
+          </a:xfrm>
+        </p:spPr>
+        <p:txBody>
+          <a:bodyPr rtlCol="0"/>
+          <a:lstStyle/>
+          <a:p>
+            <a:pPr rtl="0"/>
+            <a:r>
+              <a:rPr lang="fr-FR"/>
+              <a:t>17/04/2023</a:t>
+            </a:r>
+            <a:endParaRPr lang="fr-FR" dirty="0"/>
+          </a:p>
+        </p:txBody>
+      </p:sp>
+      <p:sp>
+        <p:nvSpPr>
+          <p:cNvPr id="18" name="Espace réservé du numéro de diapositive 17">
+            <a:extLst>
+              <a:ext uri="{FF2B5EF4-FFF2-40B4-BE49-F238E27FC236}">
+                <a16:creationId xmlns:a16="http://schemas.microsoft.com/office/drawing/2014/main" id="{75DB2E64-AD14-44FE-948F-FCBEC637E2C1}"/>
+              </a:ext>
+            </a:extLst>
+          </p:cNvPr>
+          <p:cNvSpPr>
+            <a:spLocks noGrp="1"/>
+          </p:cNvSpPr>
+          <p:nvPr>
+            <p:ph type="sldNum" sz="quarter" idx="12"/>
+          </p:nvPr>
+        </p:nvSpPr>
+        <p:spPr>
+          <a:xfrm>
+            <a:off x="10569202" y="6309360"/>
+            <a:ext cx="979879" cy="457200"/>
+          </a:xfrm>
+        </p:spPr>
+        <p:txBody>
+          <a:bodyPr rtlCol="0"/>
+          <a:lstStyle/>
+          <a:p>
+            <a:pPr rtl="0"/>
+            <a:fld id="{FAEF9944-A4F6-4C59-AEBD-678D6480B8EA}" type="slidenum">
+              <a:rPr lang="fr-FR" smtClean="0"/>
+              <a:pPr rtl="0"/>
+              <a:t>26</a:t>
+            </a:fld>
+            <a:endParaRPr lang="fr-FR" dirty="0"/>
+          </a:p>
+        </p:txBody>
+      </p:sp>
     </p:spTree>
     <p:extLst>
       <p:ext uri="{BB962C8B-B14F-4D97-AF65-F5344CB8AC3E}">
-        <p14:creationId xmlns:p14="http://schemas.microsoft.com/office/powerpoint/2010/main" val="306591114"/>
+        <p14:creationId xmlns:p14="http://schemas.microsoft.com/office/powerpoint/2010/main" val="1109332271"/>
       </p:ext>
     </p:extLst>
   </p:cSld>
@@ -28032,10 +28259,10 @@
       </p:grpSpPr>
       <p:sp>
         <p:nvSpPr>
-          <p:cNvPr id="2" name="Titre 1">
-            <a:extLst>
-              <a:ext uri="{FF2B5EF4-FFF2-40B4-BE49-F238E27FC236}">
-                <a16:creationId xmlns:a16="http://schemas.microsoft.com/office/drawing/2014/main" id="{89281F42-E725-7465-DABC-DA7C54580EF0}"/>
+          <p:cNvPr id="14" name="Titre 13">
+            <a:extLst>
+              <a:ext uri="{FF2B5EF4-FFF2-40B4-BE49-F238E27FC236}">
+                <a16:creationId xmlns:a16="http://schemas.microsoft.com/office/drawing/2014/main" id="{331CEB84-49DC-40A9-B2F0-D573658AE999}"/>
               </a:ext>
             </a:extLst>
           </p:cNvPr>
@@ -28043,32 +28270,33 @@
             <a:spLocks noGrp="1"/>
           </p:cNvSpPr>
           <p:nvPr>
-            <p:ph type="title"/>
-          </p:nvPr>
-        </p:nvSpPr>
-        <p:spPr/>
-        <p:txBody>
-          <a:bodyPr/>
-          <a:lstStyle/>
-          <a:p>
-            <a:r>
-              <a:rPr lang="fr-FR" dirty="0"/>
-              <a:t>B. </a:t>
-            </a:r>
+            <p:ph type="ctrTitle"/>
+          </p:nvPr>
+        </p:nvSpPr>
+        <p:spPr>
+          <a:xfrm>
+            <a:off x="7973503" y="1709530"/>
+            <a:ext cx="3754671" cy="2528515"/>
+          </a:xfrm>
+        </p:spPr>
+        <p:txBody>
+          <a:bodyPr rtlCol="0"/>
+          <a:lstStyle/>
+          <a:p>
+            <a:pPr rtl="0"/>
             <a:r>
               <a:rPr lang="fr-FR" sz="3600" b="1" dirty="0"/>
               <a:t>Traitement des données visuelles</a:t>
             </a:r>
-            <a:endParaRPr lang="fr-FR" dirty="0"/>
-          </a:p>
-        </p:txBody>
-      </p:sp>
-      <p:sp>
-        <p:nvSpPr>
-          <p:cNvPr id="3" name="Espace réservé du contenu 2">
-            <a:extLst>
-              <a:ext uri="{FF2B5EF4-FFF2-40B4-BE49-F238E27FC236}">
-                <a16:creationId xmlns:a16="http://schemas.microsoft.com/office/drawing/2014/main" id="{149BD75D-59E5-5309-EC7D-9FBE0B249C86}"/>
+          </a:p>
+        </p:txBody>
+      </p:sp>
+      <p:sp>
+        <p:nvSpPr>
+          <p:cNvPr id="15" name="Sous-titre 14">
+            <a:extLst>
+              <a:ext uri="{FF2B5EF4-FFF2-40B4-BE49-F238E27FC236}">
+                <a16:creationId xmlns:a16="http://schemas.microsoft.com/office/drawing/2014/main" id="{B7886DF7-FA3D-4AD1-AEC1-578EA3AC8C7D}"/>
               </a:ext>
             </a:extLst>
           </p:cNvPr>
@@ -28076,195 +28304,65 @@
             <a:spLocks noGrp="1"/>
           </p:cNvSpPr>
           <p:nvPr>
-            <p:ph idx="14"/>
-          </p:nvPr>
-        </p:nvSpPr>
-        <p:spPr/>
-        <p:txBody>
-          <a:bodyPr/>
-          <a:lstStyle/>
-          <a:p>
-            <a:endParaRPr lang="fr-FR" dirty="0"/>
-          </a:p>
-        </p:txBody>
-      </p:sp>
-      <p:sp>
-        <p:nvSpPr>
-          <p:cNvPr id="4" name="Espace réservé du contenu 3">
-            <a:extLst>
-              <a:ext uri="{FF2B5EF4-FFF2-40B4-BE49-F238E27FC236}">
-                <a16:creationId xmlns:a16="http://schemas.microsoft.com/office/drawing/2014/main" id="{3376082A-4FCB-3901-BF87-8A01D6C7A084}"/>
-              </a:ext>
-            </a:extLst>
-          </p:cNvPr>
-          <p:cNvSpPr>
-            <a:spLocks noGrp="1"/>
-          </p:cNvSpPr>
-          <p:nvPr>
-            <p:ph idx="1"/>
-          </p:nvPr>
-        </p:nvSpPr>
-        <p:spPr/>
-        <p:txBody>
-          <a:bodyPr/>
-          <a:lstStyle/>
-          <a:p>
-            <a:endParaRPr lang="fr-FR"/>
-          </a:p>
-        </p:txBody>
-      </p:sp>
-      <p:sp>
-        <p:nvSpPr>
-          <p:cNvPr id="5" name="Espace réservé du contenu 4">
-            <a:extLst>
-              <a:ext uri="{FF2B5EF4-FFF2-40B4-BE49-F238E27FC236}">
-                <a16:creationId xmlns:a16="http://schemas.microsoft.com/office/drawing/2014/main" id="{9AAE4724-6237-7393-A9F8-23EDF495699A}"/>
-              </a:ext>
-            </a:extLst>
-          </p:cNvPr>
-          <p:cNvSpPr>
-            <a:spLocks noGrp="1"/>
-          </p:cNvSpPr>
-          <p:nvPr>
-            <p:ph idx="15"/>
-          </p:nvPr>
-        </p:nvSpPr>
-        <p:spPr/>
-        <p:txBody>
-          <a:bodyPr/>
-          <a:lstStyle/>
-          <a:p>
-            <a:r>
-              <a:rPr lang="fr-FR" dirty="0" err="1"/>
-              <a:t>WordCloud</a:t>
-            </a:r>
-            <a:endParaRPr lang="fr-FR" dirty="0"/>
-          </a:p>
-        </p:txBody>
-      </p:sp>
-      <p:sp>
-        <p:nvSpPr>
-          <p:cNvPr id="7" name="Espace réservé du pied de page 6">
-            <a:extLst>
-              <a:ext uri="{FF2B5EF4-FFF2-40B4-BE49-F238E27FC236}">
-                <a16:creationId xmlns:a16="http://schemas.microsoft.com/office/drawing/2014/main" id="{9CD085D0-778C-4D26-132D-43F6B494D94B}"/>
-              </a:ext>
-            </a:extLst>
-          </p:cNvPr>
-          <p:cNvSpPr>
-            <a:spLocks noGrp="1"/>
-          </p:cNvSpPr>
-          <p:nvPr>
-            <p:ph type="ftr" sz="quarter" idx="11"/>
-          </p:nvPr>
-        </p:nvSpPr>
-        <p:spPr/>
-        <p:txBody>
-          <a:bodyPr/>
+            <p:ph type="subTitle" idx="1"/>
+          </p:nvPr>
+        </p:nvSpPr>
+        <p:spPr>
+          <a:xfrm>
+            <a:off x="7976914" y="4238046"/>
+            <a:ext cx="3806919" cy="1741404"/>
+          </a:xfrm>
+        </p:spPr>
+        <p:txBody>
+          <a:bodyPr rtlCol="0"/>
           <a:lstStyle/>
           <a:p>
             <a:pPr rtl="0"/>
             <a:r>
-              <a:rPr lang="fr-FR"/>
-              <a:t>Etude de faisabilité d'un moteur de classification</a:t>
-            </a:r>
-            <a:endParaRPr lang="fr-FR" dirty="0">
-              <a:solidFill>
-                <a:schemeClr val="bg1"/>
-              </a:solidFill>
-            </a:endParaRPr>
-          </a:p>
-        </p:txBody>
-      </p:sp>
-      <p:sp>
-        <p:nvSpPr>
-          <p:cNvPr id="8" name="Espace réservé de la date 7">
-            <a:extLst>
-              <a:ext uri="{FF2B5EF4-FFF2-40B4-BE49-F238E27FC236}">
-                <a16:creationId xmlns:a16="http://schemas.microsoft.com/office/drawing/2014/main" id="{7F6EC569-C4A7-C8EE-1A53-4DA6AFA8A30F}"/>
-              </a:ext>
-            </a:extLst>
-          </p:cNvPr>
-          <p:cNvSpPr>
-            <a:spLocks noGrp="1"/>
-          </p:cNvSpPr>
-          <p:nvPr>
-            <p:ph type="dt" sz="half" idx="10"/>
-          </p:nvPr>
-        </p:nvSpPr>
-        <p:spPr/>
-        <p:txBody>
-          <a:bodyPr/>
-          <a:lstStyle/>
-          <a:p>
-            <a:pPr rtl="0"/>
-            <a:r>
-              <a:rPr lang="fr-FR"/>
-              <a:t>17/04/2023</a:t>
-            </a:r>
-            <a:endParaRPr lang="fr-FR" dirty="0"/>
-          </a:p>
-        </p:txBody>
-      </p:sp>
-      <p:sp>
-        <p:nvSpPr>
-          <p:cNvPr id="9" name="Espace réservé du numéro de diapositive 8">
-            <a:extLst>
-              <a:ext uri="{FF2B5EF4-FFF2-40B4-BE49-F238E27FC236}">
-                <a16:creationId xmlns:a16="http://schemas.microsoft.com/office/drawing/2014/main" id="{4D0ED4ED-6757-103B-984F-EBBAB1D36B8B}"/>
-              </a:ext>
-            </a:extLst>
-          </p:cNvPr>
-          <p:cNvSpPr>
-            <a:spLocks noGrp="1"/>
-          </p:cNvSpPr>
-          <p:nvPr>
-            <p:ph type="sldNum" sz="quarter" idx="12"/>
-          </p:nvPr>
-        </p:nvSpPr>
-        <p:spPr/>
-        <p:txBody>
-          <a:bodyPr/>
-          <a:lstStyle/>
-          <a:p>
-            <a:pPr rtl="0"/>
-            <a:fld id="{FAEF9944-A4F6-4C59-AEBD-678D6480B8EA}" type="slidenum">
-              <a:rPr lang="fr-FR" smtClean="0"/>
-              <a:t>27</a:t>
-            </a:fld>
-            <a:endParaRPr lang="fr-FR" dirty="0"/>
-          </a:p>
-        </p:txBody>
-      </p:sp>
-      <p:sp>
-        <p:nvSpPr>
-          <p:cNvPr id="12" name="Espace réservé du contenu 11">
-            <a:extLst>
-              <a:ext uri="{FF2B5EF4-FFF2-40B4-BE49-F238E27FC236}">
-                <a16:creationId xmlns:a16="http://schemas.microsoft.com/office/drawing/2014/main" id="{09B224B6-6CF9-246F-3BF5-99613528C142}"/>
-              </a:ext>
-            </a:extLst>
-          </p:cNvPr>
-          <p:cNvSpPr>
-            <a:spLocks noGrp="1"/>
-          </p:cNvSpPr>
-          <p:nvPr>
-            <p:ph idx="13"/>
-          </p:nvPr>
-        </p:nvSpPr>
-        <p:spPr/>
-        <p:txBody>
-          <a:bodyPr/>
-          <a:lstStyle/>
-          <a:p>
-            <a:endParaRPr lang="fr-FR"/>
-          </a:p>
-        </p:txBody>
-      </p:sp>
+              <a:rPr lang="fr-FR" dirty="0"/>
+              <a:t>Analyse Exploratoire des Données</a:t>
+            </a:r>
+          </a:p>
+        </p:txBody>
+      </p:sp>
+      <p:pic>
+        <p:nvPicPr>
+          <p:cNvPr id="5" name="Espace réservé d’image 4" descr="Personnes au milieu d’une salle circulaire ">
+            <a:extLst>
+              <a:ext uri="{FF2B5EF4-FFF2-40B4-BE49-F238E27FC236}">
+                <a16:creationId xmlns:a16="http://schemas.microsoft.com/office/drawing/2014/main" id="{0CEB905B-7FDD-4B1A-96BF-B5A081A25FC8}"/>
+              </a:ext>
+            </a:extLst>
+          </p:cNvPr>
+          <p:cNvPicPr>
+            <a:picLocks noGrp="1" noChangeAspect="1"/>
+          </p:cNvPicPr>
+          <p:nvPr>
+            <p:ph type="pic" sz="quarter" idx="13"/>
+          </p:nvPr>
+        </p:nvPicPr>
+        <p:blipFill rotWithShape="1">
+          <a:blip r:embed="rId3" cstate="screen">
+            <a:extLst>
+              <a:ext uri="{28A0092B-C50C-407E-A947-70E740481C1C}">
+                <a14:useLocalDpi xmlns:a14="http://schemas.microsoft.com/office/drawing/2010/main" val="0"/>
+              </a:ext>
+            </a:extLst>
+          </a:blip>
+          <a:srcRect/>
+          <a:stretch/>
+        </p:blipFill>
+        <p:spPr>
+          <a:xfrm>
+            <a:off x="1" y="1095509"/>
+            <a:ext cx="7519932" cy="5016892"/>
+          </a:xfrm>
+        </p:spPr>
+      </p:pic>
     </p:spTree>
     <p:extLst>
       <p:ext uri="{BB962C8B-B14F-4D97-AF65-F5344CB8AC3E}">
-        <p14:creationId xmlns:p14="http://schemas.microsoft.com/office/powerpoint/2010/main" val="1783343948"/>
+        <p14:creationId xmlns:p14="http://schemas.microsoft.com/office/powerpoint/2010/main" val="306591114"/>
       </p:ext>
     </p:extLst>
   </p:cSld>
@@ -28293,6 +28391,267 @@
       </p:grpSpPr>
       <p:sp>
         <p:nvSpPr>
+          <p:cNvPr id="2" name="Titre 1">
+            <a:extLst>
+              <a:ext uri="{FF2B5EF4-FFF2-40B4-BE49-F238E27FC236}">
+                <a16:creationId xmlns:a16="http://schemas.microsoft.com/office/drawing/2014/main" id="{89281F42-E725-7465-DABC-DA7C54580EF0}"/>
+              </a:ext>
+            </a:extLst>
+          </p:cNvPr>
+          <p:cNvSpPr>
+            <a:spLocks noGrp="1"/>
+          </p:cNvSpPr>
+          <p:nvPr>
+            <p:ph type="title"/>
+          </p:nvPr>
+        </p:nvSpPr>
+        <p:spPr/>
+        <p:txBody>
+          <a:bodyPr/>
+          <a:lstStyle/>
+          <a:p>
+            <a:r>
+              <a:rPr lang="fr-FR" dirty="0"/>
+              <a:t>B. </a:t>
+            </a:r>
+            <a:r>
+              <a:rPr lang="fr-FR" sz="3600" b="1" dirty="0"/>
+              <a:t>Traitement des données visuelles</a:t>
+            </a:r>
+            <a:endParaRPr lang="fr-FR" dirty="0"/>
+          </a:p>
+        </p:txBody>
+      </p:sp>
+      <p:sp>
+        <p:nvSpPr>
+          <p:cNvPr id="3" name="Espace réservé du contenu 2">
+            <a:extLst>
+              <a:ext uri="{FF2B5EF4-FFF2-40B4-BE49-F238E27FC236}">
+                <a16:creationId xmlns:a16="http://schemas.microsoft.com/office/drawing/2014/main" id="{149BD75D-59E5-5309-EC7D-9FBE0B249C86}"/>
+              </a:ext>
+            </a:extLst>
+          </p:cNvPr>
+          <p:cNvSpPr>
+            <a:spLocks noGrp="1"/>
+          </p:cNvSpPr>
+          <p:nvPr>
+            <p:ph idx="14"/>
+          </p:nvPr>
+        </p:nvSpPr>
+        <p:spPr/>
+        <p:txBody>
+          <a:bodyPr/>
+          <a:lstStyle/>
+          <a:p>
+            <a:endParaRPr lang="fr-FR" dirty="0"/>
+          </a:p>
+        </p:txBody>
+      </p:sp>
+      <p:sp>
+        <p:nvSpPr>
+          <p:cNvPr id="4" name="Espace réservé du contenu 3">
+            <a:extLst>
+              <a:ext uri="{FF2B5EF4-FFF2-40B4-BE49-F238E27FC236}">
+                <a16:creationId xmlns:a16="http://schemas.microsoft.com/office/drawing/2014/main" id="{3376082A-4FCB-3901-BF87-8A01D6C7A084}"/>
+              </a:ext>
+            </a:extLst>
+          </p:cNvPr>
+          <p:cNvSpPr>
+            <a:spLocks noGrp="1"/>
+          </p:cNvSpPr>
+          <p:nvPr>
+            <p:ph idx="1"/>
+          </p:nvPr>
+        </p:nvSpPr>
+        <p:spPr/>
+        <p:txBody>
+          <a:bodyPr/>
+          <a:lstStyle/>
+          <a:p>
+            <a:endParaRPr lang="fr-FR"/>
+          </a:p>
+        </p:txBody>
+      </p:sp>
+      <p:sp>
+        <p:nvSpPr>
+          <p:cNvPr id="5" name="Espace réservé du contenu 4">
+            <a:extLst>
+              <a:ext uri="{FF2B5EF4-FFF2-40B4-BE49-F238E27FC236}">
+                <a16:creationId xmlns:a16="http://schemas.microsoft.com/office/drawing/2014/main" id="{9AAE4724-6237-7393-A9F8-23EDF495699A}"/>
+              </a:ext>
+            </a:extLst>
+          </p:cNvPr>
+          <p:cNvSpPr>
+            <a:spLocks noGrp="1"/>
+          </p:cNvSpPr>
+          <p:nvPr>
+            <p:ph idx="15"/>
+          </p:nvPr>
+        </p:nvSpPr>
+        <p:spPr/>
+        <p:txBody>
+          <a:bodyPr/>
+          <a:lstStyle/>
+          <a:p>
+            <a:r>
+              <a:rPr lang="fr-FR" dirty="0" err="1"/>
+              <a:t>WordCloud</a:t>
+            </a:r>
+            <a:endParaRPr lang="fr-FR" dirty="0"/>
+          </a:p>
+        </p:txBody>
+      </p:sp>
+      <p:sp>
+        <p:nvSpPr>
+          <p:cNvPr id="7" name="Espace réservé du pied de page 6">
+            <a:extLst>
+              <a:ext uri="{FF2B5EF4-FFF2-40B4-BE49-F238E27FC236}">
+                <a16:creationId xmlns:a16="http://schemas.microsoft.com/office/drawing/2014/main" id="{9CD085D0-778C-4D26-132D-43F6B494D94B}"/>
+              </a:ext>
+            </a:extLst>
+          </p:cNvPr>
+          <p:cNvSpPr>
+            <a:spLocks noGrp="1"/>
+          </p:cNvSpPr>
+          <p:nvPr>
+            <p:ph type="ftr" sz="quarter" idx="11"/>
+          </p:nvPr>
+        </p:nvSpPr>
+        <p:spPr/>
+        <p:txBody>
+          <a:bodyPr/>
+          <a:lstStyle/>
+          <a:p>
+            <a:pPr rtl="0"/>
+            <a:r>
+              <a:rPr lang="fr-FR"/>
+              <a:t>Etude de faisabilité d'un moteur de classification</a:t>
+            </a:r>
+            <a:endParaRPr lang="fr-FR" dirty="0">
+              <a:solidFill>
+                <a:schemeClr val="bg1"/>
+              </a:solidFill>
+            </a:endParaRPr>
+          </a:p>
+        </p:txBody>
+      </p:sp>
+      <p:sp>
+        <p:nvSpPr>
+          <p:cNvPr id="8" name="Espace réservé de la date 7">
+            <a:extLst>
+              <a:ext uri="{FF2B5EF4-FFF2-40B4-BE49-F238E27FC236}">
+                <a16:creationId xmlns:a16="http://schemas.microsoft.com/office/drawing/2014/main" id="{7F6EC569-C4A7-C8EE-1A53-4DA6AFA8A30F}"/>
+              </a:ext>
+            </a:extLst>
+          </p:cNvPr>
+          <p:cNvSpPr>
+            <a:spLocks noGrp="1"/>
+          </p:cNvSpPr>
+          <p:nvPr>
+            <p:ph type="dt" sz="half" idx="10"/>
+          </p:nvPr>
+        </p:nvSpPr>
+        <p:spPr/>
+        <p:txBody>
+          <a:bodyPr/>
+          <a:lstStyle/>
+          <a:p>
+            <a:pPr rtl="0"/>
+            <a:r>
+              <a:rPr lang="fr-FR"/>
+              <a:t>17/04/2023</a:t>
+            </a:r>
+            <a:endParaRPr lang="fr-FR" dirty="0"/>
+          </a:p>
+        </p:txBody>
+      </p:sp>
+      <p:sp>
+        <p:nvSpPr>
+          <p:cNvPr id="9" name="Espace réservé du numéro de diapositive 8">
+            <a:extLst>
+              <a:ext uri="{FF2B5EF4-FFF2-40B4-BE49-F238E27FC236}">
+                <a16:creationId xmlns:a16="http://schemas.microsoft.com/office/drawing/2014/main" id="{4D0ED4ED-6757-103B-984F-EBBAB1D36B8B}"/>
+              </a:ext>
+            </a:extLst>
+          </p:cNvPr>
+          <p:cNvSpPr>
+            <a:spLocks noGrp="1"/>
+          </p:cNvSpPr>
+          <p:nvPr>
+            <p:ph type="sldNum" sz="quarter" idx="12"/>
+          </p:nvPr>
+        </p:nvSpPr>
+        <p:spPr/>
+        <p:txBody>
+          <a:bodyPr/>
+          <a:lstStyle/>
+          <a:p>
+            <a:pPr rtl="0"/>
+            <a:fld id="{FAEF9944-A4F6-4C59-AEBD-678D6480B8EA}" type="slidenum">
+              <a:rPr lang="fr-FR" smtClean="0"/>
+              <a:t>28</a:t>
+            </a:fld>
+            <a:endParaRPr lang="fr-FR" dirty="0"/>
+          </a:p>
+        </p:txBody>
+      </p:sp>
+      <p:sp>
+        <p:nvSpPr>
+          <p:cNvPr id="12" name="Espace réservé du contenu 11">
+            <a:extLst>
+              <a:ext uri="{FF2B5EF4-FFF2-40B4-BE49-F238E27FC236}">
+                <a16:creationId xmlns:a16="http://schemas.microsoft.com/office/drawing/2014/main" id="{09B224B6-6CF9-246F-3BF5-99613528C142}"/>
+              </a:ext>
+            </a:extLst>
+          </p:cNvPr>
+          <p:cNvSpPr>
+            <a:spLocks noGrp="1"/>
+          </p:cNvSpPr>
+          <p:nvPr>
+            <p:ph idx="13"/>
+          </p:nvPr>
+        </p:nvSpPr>
+        <p:spPr/>
+        <p:txBody>
+          <a:bodyPr/>
+          <a:lstStyle/>
+          <a:p>
+            <a:endParaRPr lang="fr-FR"/>
+          </a:p>
+        </p:txBody>
+      </p:sp>
+    </p:spTree>
+    <p:extLst>
+      <p:ext uri="{BB962C8B-B14F-4D97-AF65-F5344CB8AC3E}">
+        <p14:creationId xmlns:p14="http://schemas.microsoft.com/office/powerpoint/2010/main" val="1783343948"/>
+      </p:ext>
+    </p:extLst>
+  </p:cSld>
+  <p:clrMapOvr>
+    <a:masterClrMapping/>
+  </p:clrMapOvr>
+</p:sld>
+</file>
+
+<file path=ppt/slides/slide29.xml><?xml version="1.0" encoding="utf-8"?>
+<p:sld xmlns:a="http://schemas.openxmlformats.org/drawingml/2006/main" xmlns:r="http://schemas.openxmlformats.org/officeDocument/2006/relationships" xmlns:p="http://schemas.openxmlformats.org/presentationml/2006/main">
+  <p:cSld>
+    <p:spTree>
+      <p:nvGrpSpPr>
+        <p:cNvPr id="1" name=""/>
+        <p:cNvGrpSpPr/>
+        <p:nvPr/>
+      </p:nvGrpSpPr>
+      <p:grpSpPr>
+        <a:xfrm>
+          <a:off x="0" y="0"/>
+          <a:ext cx="0" cy="0"/>
+          <a:chOff x="0" y="0"/>
+          <a:chExt cx="0" cy="0"/>
+        </a:xfrm>
+      </p:grpSpPr>
+      <p:sp>
+        <p:nvSpPr>
           <p:cNvPr id="4" name="Titre 3">
             <a:extLst>
               <a:ext uri="{FF2B5EF4-FFF2-40B4-BE49-F238E27FC236}">
@@ -28542,7 +28901,7 @@
             <a:fld id="{FAEF9944-A4F6-4C59-AEBD-678D6480B8EA}" type="slidenum">
               <a:rPr lang="fr-FR" smtClean="0"/>
               <a:pPr rtl="0"/>
-              <a:t>28</a:t>
+              <a:t>29</a:t>
             </a:fld>
             <a:endParaRPr lang="fr-FR" dirty="0"/>
           </a:p>
@@ -33752,6 +34111,15 @@
 </file>
 
 <file path=customXml/item2.xml><?xml version="1.0" encoding="utf-8"?>
+<?mso-contentType ?>
+<FormTemplates xmlns="http://schemas.microsoft.com/sharepoint/v3/contenttype/forms">
+  <Display>DocumentLibraryForm</Display>
+  <Edit>DocumentLibraryForm</Edit>
+  <New>DocumentLibraryForm</New>
+</FormTemplates>
+</file>
+
+<file path=customXml/item3.xml><?xml version="1.0" encoding="utf-8"?>
 <p:properties xmlns:p="http://schemas.microsoft.com/office/2006/metadata/properties" xmlns:xsi="http://www.w3.org/2001/XMLSchema-instance" xmlns:pc="http://schemas.microsoft.com/office/infopath/2007/PartnerControls">
   <documentManagement>
     <_ip_UnifiedCompliancePolicyUIAction xmlns="http://schemas.microsoft.com/sharepoint/v3" xsi:nil="true"/>
@@ -33768,15 +34136,6 @@
     <MediaServiceKeyPoints xmlns="71af3243-3dd4-4a8d-8c0d-dd76da1f02a5" xsi:nil="true"/>
   </documentManagement>
 </p:properties>
-</file>
-
-<file path=customXml/item3.xml><?xml version="1.0" encoding="utf-8"?>
-<?mso-contentType ?>
-<FormTemplates xmlns="http://schemas.microsoft.com/sharepoint/v3/contenttype/forms">
-  <Display>DocumentLibraryForm</Display>
-  <Edit>DocumentLibraryForm</Edit>
-  <New>DocumentLibraryForm</New>
-</FormTemplates>
 </file>
 
 <file path=customXml/itemProps1.xml><?xml version="1.0" encoding="utf-8"?>
@@ -33801,6 +34160,14 @@
 </file>
 
 <file path=customXml/itemProps2.xml><?xml version="1.0" encoding="utf-8"?>
+<ds:datastoreItem xmlns:ds="http://schemas.openxmlformats.org/officeDocument/2006/customXml" ds:itemID="{100F1594-3EA9-4B35-B72A-00D8B89F015B}">
+  <ds:schemaRefs>
+    <ds:schemaRef ds:uri="http://schemas.microsoft.com/sharepoint/v3/contenttype/forms"/>
+  </ds:schemaRefs>
+</ds:datastoreItem>
+</file>
+
+<file path=customXml/itemProps3.xml><?xml version="1.0" encoding="utf-8"?>
 <ds:datastoreItem xmlns:ds="http://schemas.openxmlformats.org/officeDocument/2006/customXml" ds:itemID="{9BF9B764-6365-43A2-B92A-B9C4DD6E9B23}">
   <ds:schemaRefs>
     <ds:schemaRef ds:uri="http://schemas.microsoft.com/office/2006/metadata/properties"/>
@@ -33812,14 +34179,6 @@
 </ds:datastoreItem>
 </file>
 
-<file path=customXml/itemProps3.xml><?xml version="1.0" encoding="utf-8"?>
-<ds:datastoreItem xmlns:ds="http://schemas.openxmlformats.org/officeDocument/2006/customXml" ds:itemID="{100F1594-3EA9-4B35-B72A-00D8B89F015B}">
-  <ds:schemaRefs>
-    <ds:schemaRef ds:uri="http://schemas.microsoft.com/sharepoint/v3/contenttype/forms"/>
-  </ds:schemaRefs>
-</ds:datastoreItem>
-</file>
-
 <file path=docMetadata/LabelInfo.xml><?xml version="1.0" encoding="utf-8"?>
 <clbl:labelList xmlns:clbl="http://schemas.microsoft.com/office/2020/mipLabelMetadata">
   <clbl:label id="{72f988bf-86f1-41af-91ab-2d7cd011db47}" enabled="0" method="" siteId="{72f988bf-86f1-41af-91ab-2d7cd011db47}" removed="1"/>
